--- a/Projektmunka_KarlJanos_KunMatyas.pptx
+++ b/Projektmunka_KarlJanos_KunMatyas.pptx
@@ -6,6 +6,10 @@
   </p:sldMasterIdLst>
   <p:sldIdLst>
     <p:sldId id="256" r:id="rId2"/>
+    <p:sldId id="257" r:id="rId3"/>
+    <p:sldId id="258" r:id="rId4"/>
+    <p:sldId id="259" r:id="rId5"/>
+    <p:sldId id="260" r:id="rId6"/>
   </p:sldIdLst>
   <p:sldSz cx="12192000" cy="6858000"/>
   <p:notesSz cx="6858000" cy="9144000"/>
@@ -104,6 +108,11 @@
       </a:defRPr>
     </a:lvl9pPr>
   </p:defaultTextStyle>
+  <p:extLst>
+    <p:ext uri="{EFAFB233-063F-42B5-8137-9DF3F51BA10A}">
+      <p15:sldGuideLst xmlns:p15="http://schemas.microsoft.com/office/powerpoint/2012/main"/>
+    </p:ext>
+  </p:extLst>
 </p:presentation>
 </file>
 
@@ -3417,6 +3426,490 @@
 </p:sld>
 </file>
 
+<file path=ppt/slides/slide2.xml><?xml version="1.0" encoding="utf-8"?>
+<p:sld xmlns:a="http://schemas.openxmlformats.org/drawingml/2006/main" xmlns:r="http://schemas.openxmlformats.org/officeDocument/2006/relationships" xmlns:p="http://schemas.openxmlformats.org/presentationml/2006/main">
+  <p:cSld>
+    <p:spTree>
+      <p:nvGrpSpPr>
+        <p:cNvPr id="1" name=""/>
+        <p:cNvGrpSpPr/>
+        <p:nvPr/>
+      </p:nvGrpSpPr>
+      <p:grpSpPr>
+        <a:xfrm>
+          <a:off x="0" y="0"/>
+          <a:ext cx="0" cy="0"/>
+          <a:chOff x="0" y="0"/>
+          <a:chExt cx="0" cy="0"/>
+        </a:xfrm>
+      </p:grpSpPr>
+      <p:sp>
+        <p:nvSpPr>
+          <p:cNvPr id="2" name="Cím 1">
+            <a:extLst>
+              <a:ext uri="{FF2B5EF4-FFF2-40B4-BE49-F238E27FC236}">
+                <a16:creationId xmlns:a16="http://schemas.microsoft.com/office/drawing/2014/main" id="{AB49CEA5-9142-4F64-8FFC-AAF8FCDC11CA}"/>
+              </a:ext>
+            </a:extLst>
+          </p:cNvPr>
+          <p:cNvSpPr>
+            <a:spLocks noGrp="1"/>
+          </p:cNvSpPr>
+          <p:nvPr>
+            <p:ph type="title"/>
+          </p:nvPr>
+        </p:nvSpPr>
+        <p:spPr/>
+        <p:txBody>
+          <a:bodyPr/>
+          <a:lstStyle/>
+          <a:p>
+            <a:r>
+              <a:rPr lang="hu-HU" dirty="0"/>
+              <a:t>Miért pont ez?</a:t>
+            </a:r>
+          </a:p>
+        </p:txBody>
+      </p:sp>
+      <p:sp>
+        <p:nvSpPr>
+          <p:cNvPr id="3" name="Tartalom helye 2">
+            <a:extLst>
+              <a:ext uri="{FF2B5EF4-FFF2-40B4-BE49-F238E27FC236}">
+                <a16:creationId xmlns:a16="http://schemas.microsoft.com/office/drawing/2014/main" id="{ABCED6B0-A806-448D-BD58-3FA7BFE6BD43}"/>
+              </a:ext>
+            </a:extLst>
+          </p:cNvPr>
+          <p:cNvSpPr>
+            <a:spLocks noGrp="1"/>
+          </p:cNvSpPr>
+          <p:nvPr>
+            <p:ph idx="1"/>
+          </p:nvPr>
+        </p:nvSpPr>
+        <p:spPr/>
+        <p:txBody>
+          <a:bodyPr/>
+          <a:lstStyle/>
+          <a:p>
+            <a:r>
+              <a:rPr lang="hu-HU" dirty="0"/>
+              <a:t>Még nem alkalmaztuk egyszer sem a </a:t>
+            </a:r>
+            <a:r>
+              <a:rPr lang="hu-HU" dirty="0" err="1"/>
+              <a:t>BSc</a:t>
+            </a:r>
+            <a:r>
+              <a:rPr lang="hu-HU" dirty="0"/>
+              <a:t> alatt és az </a:t>
+            </a:r>
+            <a:r>
+              <a:rPr lang="hu-HU" dirty="0" err="1"/>
+              <a:t>MSc</a:t>
+            </a:r>
+            <a:r>
+              <a:rPr lang="hu-HU" dirty="0"/>
+              <a:t> alatt a </a:t>
+            </a:r>
+            <a:r>
+              <a:rPr lang="hu-HU" dirty="0" err="1"/>
+              <a:t>Reinforcement</a:t>
+            </a:r>
+            <a:r>
+              <a:rPr lang="hu-HU" dirty="0"/>
+              <a:t> </a:t>
+            </a:r>
+            <a:r>
+              <a:rPr lang="hu-HU" dirty="0" err="1"/>
+              <a:t>learning</a:t>
+            </a:r>
+            <a:r>
+              <a:rPr lang="hu-HU" dirty="0"/>
+              <a:t> módszert </a:t>
+            </a:r>
+          </a:p>
+          <a:p>
+            <a:r>
+              <a:rPr lang="hu-HU" dirty="0"/>
+              <a:t>Egyre elterjedtebb gépi tanuló algoritmus</a:t>
+            </a:r>
+          </a:p>
+          <a:p>
+            <a:r>
+              <a:rPr lang="hu-HU" dirty="0" err="1"/>
+              <a:t>Snake</a:t>
+            </a:r>
+            <a:r>
+              <a:rPr lang="hu-HU" dirty="0"/>
+              <a:t> egy közismert, viszonylag egyszerű környezettel rendelkező játék </a:t>
+            </a:r>
+            <a:r>
+              <a:rPr lang="hu-HU" dirty="0">
+                <a:sym typeface="Wingdings" panose="05000000000000000000" pitchFamily="2" charset="2"/>
+              </a:rPr>
+              <a:t> könnyen implementálható</a:t>
+            </a:r>
+            <a:endParaRPr lang="hu-HU" dirty="0"/>
+          </a:p>
+        </p:txBody>
+      </p:sp>
+    </p:spTree>
+    <p:extLst>
+      <p:ext uri="{BB962C8B-B14F-4D97-AF65-F5344CB8AC3E}">
+        <p14:creationId xmlns:p14="http://schemas.microsoft.com/office/powerpoint/2010/main" val="2053312059"/>
+      </p:ext>
+    </p:extLst>
+  </p:cSld>
+  <p:clrMapOvr>
+    <a:masterClrMapping/>
+  </p:clrMapOvr>
+</p:sld>
+</file>
+
+<file path=ppt/slides/slide3.xml><?xml version="1.0" encoding="utf-8"?>
+<p:sld xmlns:a="http://schemas.openxmlformats.org/drawingml/2006/main" xmlns:r="http://schemas.openxmlformats.org/officeDocument/2006/relationships" xmlns:p="http://schemas.openxmlformats.org/presentationml/2006/main">
+  <p:cSld>
+    <p:spTree>
+      <p:nvGrpSpPr>
+        <p:cNvPr id="1" name=""/>
+        <p:cNvGrpSpPr/>
+        <p:nvPr/>
+      </p:nvGrpSpPr>
+      <p:grpSpPr>
+        <a:xfrm>
+          <a:off x="0" y="0"/>
+          <a:ext cx="0" cy="0"/>
+          <a:chOff x="0" y="0"/>
+          <a:chExt cx="0" cy="0"/>
+        </a:xfrm>
+      </p:grpSpPr>
+      <p:sp>
+        <p:nvSpPr>
+          <p:cNvPr id="2" name="Cím 1">
+            <a:extLst>
+              <a:ext uri="{FF2B5EF4-FFF2-40B4-BE49-F238E27FC236}">
+                <a16:creationId xmlns:a16="http://schemas.microsoft.com/office/drawing/2014/main" id="{087CA754-6718-4359-AA8D-D442A68EC48B}"/>
+              </a:ext>
+            </a:extLst>
+          </p:cNvPr>
+          <p:cNvSpPr>
+            <a:spLocks noGrp="1"/>
+          </p:cNvSpPr>
+          <p:nvPr>
+            <p:ph type="title"/>
+          </p:nvPr>
+        </p:nvSpPr>
+        <p:spPr/>
+        <p:txBody>
+          <a:bodyPr/>
+          <a:lstStyle/>
+          <a:p>
+            <a:r>
+              <a:rPr lang="hu-HU" dirty="0"/>
+              <a:t>Annak, aki még nem ismerné</a:t>
+            </a:r>
+          </a:p>
+        </p:txBody>
+      </p:sp>
+      <p:sp>
+        <p:nvSpPr>
+          <p:cNvPr id="3" name="Tartalom helye 2">
+            <a:extLst>
+              <a:ext uri="{FF2B5EF4-FFF2-40B4-BE49-F238E27FC236}">
+                <a16:creationId xmlns:a16="http://schemas.microsoft.com/office/drawing/2014/main" id="{6220BA2F-AD87-4414-B7CA-9CE294280C30}"/>
+              </a:ext>
+            </a:extLst>
+          </p:cNvPr>
+          <p:cNvSpPr>
+            <a:spLocks noGrp="1"/>
+          </p:cNvSpPr>
+          <p:nvPr>
+            <p:ph idx="1"/>
+          </p:nvPr>
+        </p:nvSpPr>
+        <p:spPr/>
+        <p:txBody>
+          <a:bodyPr/>
+          <a:lstStyle/>
+          <a:p>
+            <a:r>
+              <a:rPr lang="hu-HU" dirty="0"/>
+              <a:t>Alap verzió ismertetése, majd ezek alapján a többi verzió ismertetése</a:t>
+            </a:r>
+          </a:p>
+          <a:p>
+            <a:r>
+              <a:rPr lang="hu-HU" dirty="0"/>
+              <a:t>Elsőnek csináltunk egy általunk irányítható verziót is, mielőtt alkalmaztuk volna a környezetre az </a:t>
+            </a:r>
+            <a:r>
+              <a:rPr lang="hu-HU" dirty="0" err="1"/>
+              <a:t>reinforcement</a:t>
+            </a:r>
+            <a:r>
+              <a:rPr lang="hu-HU" dirty="0"/>
+              <a:t> </a:t>
+            </a:r>
+            <a:r>
+              <a:rPr lang="hu-HU" dirty="0" err="1"/>
+              <a:t>learninget</a:t>
+            </a:r>
+            <a:endParaRPr lang="hu-HU" dirty="0"/>
+          </a:p>
+          <a:p>
+            <a:r>
+              <a:rPr lang="hu-HU" dirty="0"/>
+              <a:t>Ide jön mindegyikről egy video</a:t>
+            </a:r>
+          </a:p>
+        </p:txBody>
+      </p:sp>
+    </p:spTree>
+    <p:extLst>
+      <p:ext uri="{BB962C8B-B14F-4D97-AF65-F5344CB8AC3E}">
+        <p14:creationId xmlns:p14="http://schemas.microsoft.com/office/powerpoint/2010/main" val="2791193958"/>
+      </p:ext>
+    </p:extLst>
+  </p:cSld>
+  <p:clrMapOvr>
+    <a:masterClrMapping/>
+  </p:clrMapOvr>
+  <mc:AlternateContent xmlns:mc="http://schemas.openxmlformats.org/markup-compatibility/2006" xmlns:p14="http://schemas.microsoft.com/office/powerpoint/2010/main">
+    <mc:Choice Requires="p14">
+      <p:transition spd="slow" p14:dur="2000" advTm="23500"/>
+    </mc:Choice>
+    <mc:Fallback xmlns="">
+      <p:transition spd="slow" advTm="23500"/>
+    </mc:Fallback>
+  </mc:AlternateContent>
+</p:sld>
+</file>
+
+<file path=ppt/slides/slide4.xml><?xml version="1.0" encoding="utf-8"?>
+<p:sld xmlns:a="http://schemas.openxmlformats.org/drawingml/2006/main" xmlns:r="http://schemas.openxmlformats.org/officeDocument/2006/relationships" xmlns:p="http://schemas.openxmlformats.org/presentationml/2006/main">
+  <p:cSld>
+    <p:spTree>
+      <p:nvGrpSpPr>
+        <p:cNvPr id="1" name=""/>
+        <p:cNvGrpSpPr/>
+        <p:nvPr/>
+      </p:nvGrpSpPr>
+      <p:grpSpPr>
+        <a:xfrm>
+          <a:off x="0" y="0"/>
+          <a:ext cx="0" cy="0"/>
+          <a:chOff x="0" y="0"/>
+          <a:chExt cx="0" cy="0"/>
+        </a:xfrm>
+      </p:grpSpPr>
+      <p:sp>
+        <p:nvSpPr>
+          <p:cNvPr id="2" name="Cím 1">
+            <a:extLst>
+              <a:ext uri="{FF2B5EF4-FFF2-40B4-BE49-F238E27FC236}">
+                <a16:creationId xmlns:a16="http://schemas.microsoft.com/office/drawing/2014/main" id="{BB141445-C64B-4707-84E9-E4E525E48D73}"/>
+              </a:ext>
+            </a:extLst>
+          </p:cNvPr>
+          <p:cNvSpPr>
+            <a:spLocks noGrp="1"/>
+          </p:cNvSpPr>
+          <p:nvPr>
+            <p:ph type="title"/>
+          </p:nvPr>
+        </p:nvSpPr>
+        <p:spPr/>
+        <p:txBody>
+          <a:bodyPr/>
+          <a:lstStyle/>
+          <a:p>
+            <a:r>
+              <a:rPr lang="hu-HU" dirty="0" err="1"/>
+              <a:t>Reinforcement</a:t>
+            </a:r>
+            <a:r>
+              <a:rPr lang="hu-HU" dirty="0"/>
+              <a:t> </a:t>
+            </a:r>
+            <a:r>
+              <a:rPr lang="hu-HU" dirty="0" err="1"/>
+              <a:t>learning</a:t>
+            </a:r>
+            <a:r>
+              <a:rPr lang="hu-HU" dirty="0"/>
+              <a:t>	</a:t>
+            </a:r>
+          </a:p>
+        </p:txBody>
+      </p:sp>
+      <p:sp>
+        <p:nvSpPr>
+          <p:cNvPr id="3" name="Tartalom helye 2">
+            <a:extLst>
+              <a:ext uri="{FF2B5EF4-FFF2-40B4-BE49-F238E27FC236}">
+                <a16:creationId xmlns:a16="http://schemas.microsoft.com/office/drawing/2014/main" id="{E419A174-CD1A-4DAD-B81F-CECD06B34DA5}"/>
+              </a:ext>
+            </a:extLst>
+          </p:cNvPr>
+          <p:cNvSpPr>
+            <a:spLocks noGrp="1"/>
+          </p:cNvSpPr>
+          <p:nvPr>
+            <p:ph idx="1"/>
+          </p:nvPr>
+        </p:nvSpPr>
+        <p:spPr>
+          <a:xfrm>
+            <a:off x="838200" y="1825625"/>
+            <a:ext cx="10515600" cy="4351338"/>
+          </a:xfrm>
+        </p:spPr>
+        <p:txBody>
+          <a:bodyPr/>
+          <a:lstStyle/>
+          <a:p>
+            <a:r>
+              <a:rPr lang="hu-HU" dirty="0"/>
+              <a:t>Nincs adathalmaz </a:t>
+            </a:r>
+            <a:r>
+              <a:rPr lang="hu-HU" dirty="0">
+                <a:sym typeface="Wingdings" panose="05000000000000000000" pitchFamily="2" charset="2"/>
+              </a:rPr>
+              <a:t> mi generáljuk</a:t>
+            </a:r>
+          </a:p>
+          <a:p>
+            <a:r>
+              <a:rPr lang="hu-HU" dirty="0">
+                <a:sym typeface="Wingdings" panose="05000000000000000000" pitchFamily="2" charset="2"/>
+              </a:rPr>
+              <a:t>Random felfedezés mielőtt az ágens hozná a döntéseket</a:t>
+            </a:r>
+          </a:p>
+          <a:p>
+            <a:r>
+              <a:rPr lang="hu-HU" dirty="0" err="1">
+                <a:sym typeface="Wingdings" panose="05000000000000000000" pitchFamily="2" charset="2"/>
+              </a:rPr>
+              <a:t>Markov</a:t>
+            </a:r>
+            <a:r>
+              <a:rPr lang="hu-HU" dirty="0">
+                <a:sym typeface="Wingdings" panose="05000000000000000000" pitchFamily="2" charset="2"/>
+              </a:rPr>
+              <a:t>-tulajdonság</a:t>
+            </a:r>
+          </a:p>
+          <a:p>
+            <a:r>
+              <a:rPr lang="hu-HU" dirty="0">
+                <a:sym typeface="Wingdings" panose="05000000000000000000" pitchFamily="2" charset="2"/>
+              </a:rPr>
+              <a:t>Jutalmazás segítségével tanítjuk az ágenst</a:t>
+            </a:r>
+          </a:p>
+          <a:p>
+            <a:r>
+              <a:rPr lang="hu-HU" dirty="0">
+                <a:sym typeface="Wingdings" panose="05000000000000000000" pitchFamily="2" charset="2"/>
+              </a:rPr>
+              <a:t>Általunk használ jutalmazások </a:t>
+            </a:r>
+          </a:p>
+          <a:p>
+            <a:endParaRPr lang="hu-HU" dirty="0"/>
+          </a:p>
+        </p:txBody>
+      </p:sp>
+      <p:pic>
+        <p:nvPicPr>
+          <p:cNvPr id="5" name="Kép 4">
+            <a:extLst>
+              <a:ext uri="{FF2B5EF4-FFF2-40B4-BE49-F238E27FC236}">
+                <a16:creationId xmlns:a16="http://schemas.microsoft.com/office/drawing/2014/main" id="{9CC05A99-AECE-4FFC-990E-F6BF745F81B4}"/>
+              </a:ext>
+            </a:extLst>
+          </p:cNvPr>
+          <p:cNvPicPr>
+            <a:picLocks noChangeAspect="1"/>
+          </p:cNvPicPr>
+          <p:nvPr/>
+        </p:nvPicPr>
+        <p:blipFill>
+          <a:blip r:embed="rId2">
+            <a:extLst>
+              <a:ext uri="{28A0092B-C50C-407E-A947-70E740481C1C}">
+                <a14:useLocalDpi xmlns:a14="http://schemas.microsoft.com/office/drawing/2010/main" val="0"/>
+              </a:ext>
+            </a:extLst>
+          </a:blip>
+          <a:stretch>
+            <a:fillRect/>
+          </a:stretch>
+        </p:blipFill>
+        <p:spPr>
+          <a:xfrm>
+            <a:off x="6667500" y="0"/>
+            <a:ext cx="5334000" cy="2057400"/>
+          </a:xfrm>
+          <a:prstGeom prst="rect">
+            <a:avLst/>
+          </a:prstGeom>
+        </p:spPr>
+      </p:pic>
+    </p:spTree>
+    <p:extLst>
+      <p:ext uri="{BB962C8B-B14F-4D97-AF65-F5344CB8AC3E}">
+        <p14:creationId xmlns:p14="http://schemas.microsoft.com/office/powerpoint/2010/main" val="1558687829"/>
+      </p:ext>
+    </p:extLst>
+  </p:cSld>
+  <p:clrMapOvr>
+    <a:masterClrMapping/>
+  </p:clrMapOvr>
+  <mc:AlternateContent xmlns:mc="http://schemas.openxmlformats.org/markup-compatibility/2006" xmlns:p14="http://schemas.microsoft.com/office/powerpoint/2010/main">
+    <mc:Choice Requires="p14">
+      <p:transition spd="slow" p14:dur="2000" advTm="12800"/>
+    </mc:Choice>
+    <mc:Fallback xmlns="">
+      <p:transition spd="slow" advTm="12800"/>
+    </mc:Fallback>
+  </mc:AlternateContent>
+</p:sld>
+</file>
+
+<file path=ppt/slides/slide5.xml><?xml version="1.0" encoding="utf-8"?>
+<p:sld xmlns:a="http://schemas.openxmlformats.org/drawingml/2006/main" xmlns:r="http://schemas.openxmlformats.org/officeDocument/2006/relationships" xmlns:p="http://schemas.openxmlformats.org/presentationml/2006/main">
+  <p:cSld>
+    <p:spTree>
+      <p:nvGrpSpPr>
+        <p:cNvPr id="1" name=""/>
+        <p:cNvGrpSpPr/>
+        <p:nvPr/>
+      </p:nvGrpSpPr>
+      <p:grpSpPr>
+        <a:xfrm>
+          <a:off x="0" y="0"/>
+          <a:ext cx="0" cy="0"/>
+          <a:chOff x="0" y="0"/>
+          <a:chExt cx="0" cy="0"/>
+        </a:xfrm>
+      </p:grpSpPr>
+    </p:spTree>
+    <p:extLst>
+      <p:ext uri="{BB962C8B-B14F-4D97-AF65-F5344CB8AC3E}">
+        <p14:creationId xmlns:p14="http://schemas.microsoft.com/office/powerpoint/2010/main" val="3231826278"/>
+      </p:ext>
+    </p:extLst>
+  </p:cSld>
+  <p:clrMapOvr>
+    <a:masterClrMapping/>
+  </p:clrMapOvr>
+</p:sld>
+</file>
+
 <file path=ppt/theme/theme1.xml><?xml version="1.0" encoding="utf-8"?>
 <a:theme xmlns:a="http://schemas.openxmlformats.org/drawingml/2006/main" name="Office-téma">
   <a:themeElements>

--- a/Projektmunka_KarlJanos_KunMatyas.pptx
+++ b/Projektmunka_KarlJanos_KunMatyas.pptx
@@ -10,6 +10,13 @@
     <p:sldId id="258" r:id="rId4"/>
     <p:sldId id="259" r:id="rId5"/>
     <p:sldId id="260" r:id="rId6"/>
+    <p:sldId id="261" r:id="rId7"/>
+    <p:sldId id="262" r:id="rId8"/>
+    <p:sldId id="263" r:id="rId9"/>
+    <p:sldId id="264" r:id="rId10"/>
+    <p:sldId id="265" r:id="rId11"/>
+    <p:sldId id="266" r:id="rId12"/>
+    <p:sldId id="267" r:id="rId13"/>
   </p:sldIdLst>
   <p:sldSz cx="12192000" cy="6858000"/>
   <p:notesSz cx="6858000" cy="9144000"/>
@@ -108,11 +115,6 @@
       </a:defRPr>
     </a:lvl9pPr>
   </p:defaultTextStyle>
-  <p:extLst>
-    <p:ext uri="{EFAFB233-063F-42B5-8137-9DF3F51BA10A}">
-      <p15:sldGuideLst xmlns:p15="http://schemas.microsoft.com/office/powerpoint/2012/main"/>
-    </p:ext>
-  </p:extLst>
 </p:presentation>
 </file>
 
@@ -3426,6 +3428,355 @@
 </p:sld>
 </file>
 
+<file path=ppt/slides/slide10.xml><?xml version="1.0" encoding="utf-8"?>
+<p:sld xmlns:a="http://schemas.openxmlformats.org/drawingml/2006/main" xmlns:r="http://schemas.openxmlformats.org/officeDocument/2006/relationships" xmlns:p="http://schemas.openxmlformats.org/presentationml/2006/main">
+  <p:cSld>
+    <p:spTree>
+      <p:nvGrpSpPr>
+        <p:cNvPr id="1" name=""/>
+        <p:cNvGrpSpPr/>
+        <p:nvPr/>
+      </p:nvGrpSpPr>
+      <p:grpSpPr>
+        <a:xfrm>
+          <a:off x="0" y="0"/>
+          <a:ext cx="0" cy="0"/>
+          <a:chOff x="0" y="0"/>
+          <a:chExt cx="0" cy="0"/>
+        </a:xfrm>
+      </p:grpSpPr>
+      <p:sp>
+        <p:nvSpPr>
+          <p:cNvPr id="2" name="Cím 1">
+            <a:extLst>
+              <a:ext uri="{FF2B5EF4-FFF2-40B4-BE49-F238E27FC236}">
+                <a16:creationId xmlns:a16="http://schemas.microsoft.com/office/drawing/2014/main" id="{26804469-777E-4F59-89B5-AE6059AF24C6}"/>
+              </a:ext>
+            </a:extLst>
+          </p:cNvPr>
+          <p:cNvSpPr>
+            <a:spLocks noGrp="1"/>
+          </p:cNvSpPr>
+          <p:nvPr>
+            <p:ph type="title"/>
+          </p:nvPr>
+        </p:nvSpPr>
+        <p:spPr/>
+        <p:txBody>
+          <a:bodyPr/>
+          <a:lstStyle/>
+          <a:p>
+            <a:r>
+              <a:rPr lang="hu-HU" dirty="0" err="1"/>
+              <a:t>Konvolúciós</a:t>
+            </a:r>
+            <a:r>
+              <a:rPr lang="hu-HU" dirty="0"/>
+              <a:t> háló</a:t>
+            </a:r>
+          </a:p>
+        </p:txBody>
+      </p:sp>
+      <p:sp>
+        <p:nvSpPr>
+          <p:cNvPr id="3" name="Tartalom helye 2">
+            <a:extLst>
+              <a:ext uri="{FF2B5EF4-FFF2-40B4-BE49-F238E27FC236}">
+                <a16:creationId xmlns:a16="http://schemas.microsoft.com/office/drawing/2014/main" id="{0611050F-AD1D-49D3-9C97-A460E8CA5D73}"/>
+              </a:ext>
+            </a:extLst>
+          </p:cNvPr>
+          <p:cNvSpPr>
+            <a:spLocks noGrp="1"/>
+          </p:cNvSpPr>
+          <p:nvPr>
+            <p:ph idx="1"/>
+          </p:nvPr>
+        </p:nvSpPr>
+        <p:spPr/>
+        <p:txBody>
+          <a:bodyPr>
+            <a:normAutofit/>
+          </a:bodyPr>
+          <a:lstStyle/>
+          <a:p>
+            <a:r>
+              <a:rPr lang="hu-HU" sz="2400" dirty="0"/>
+              <a:t>Nem magát a kijelzőn megjelenített képet használtuk tanításhoz, hanem egy 2 dimenziós mátrixot, ahol pálya=0, test=1, fal=2, fej=3 és étel=4 értékeket használtuk. (pont ahogy a korábban bemutatott </a:t>
+            </a:r>
+            <a:r>
+              <a:rPr lang="hu-HU" sz="2400" dirty="0" err="1"/>
+              <a:t>full_map_state</a:t>
+            </a:r>
+            <a:r>
+              <a:rPr lang="hu-HU" sz="2400" dirty="0"/>
+              <a:t>)</a:t>
+            </a:r>
+          </a:p>
+          <a:p>
+            <a:r>
+              <a:rPr lang="hu-HU" sz="2400" dirty="0"/>
+              <a:t>Próbálkoztunk 3 </a:t>
+            </a:r>
+            <a:r>
+              <a:rPr lang="hu-HU" sz="2400" dirty="0" err="1"/>
+              <a:t>konvolúciós</a:t>
+            </a:r>
+            <a:r>
+              <a:rPr lang="hu-HU" sz="2400" dirty="0"/>
+              <a:t> réteggel és 2 lineárissal, valamint 2 </a:t>
+            </a:r>
+            <a:r>
+              <a:rPr lang="hu-HU" sz="2400" dirty="0" err="1"/>
+              <a:t>konvolúcióssal</a:t>
+            </a:r>
+            <a:r>
+              <a:rPr lang="hu-HU" sz="2400" dirty="0"/>
+              <a:t> 2 </a:t>
+            </a:r>
+            <a:r>
+              <a:rPr lang="hu-HU" sz="2400" dirty="0" err="1"/>
+              <a:t>maxpoolingal</a:t>
+            </a:r>
+            <a:r>
+              <a:rPr lang="hu-HU" sz="2400" dirty="0"/>
+              <a:t> és 2 lineárissal.</a:t>
+            </a:r>
+          </a:p>
+          <a:p>
+            <a:r>
+              <a:rPr lang="hu-HU" sz="2400" dirty="0"/>
+              <a:t>Mivel az eredeti hálóhoz képest így jóval megnövekedett a neurális hálónk, ezért több random mozgással és több játék futtatással próbálkozunk</a:t>
+            </a:r>
+          </a:p>
+          <a:p>
+            <a:r>
+              <a:rPr lang="hu-HU" sz="2400" dirty="0"/>
+              <a:t>Semmi felmutathatót nem sikerült elérni… (10000 játé után a </a:t>
+            </a:r>
+            <a:r>
+              <a:rPr lang="hu-HU" sz="2400" dirty="0" err="1"/>
+              <a:t>max</a:t>
+            </a:r>
+            <a:r>
+              <a:rPr lang="hu-HU" sz="2400" dirty="0"/>
+              <a:t>.: 3 pont)</a:t>
+            </a:r>
+          </a:p>
+          <a:p>
+            <a:pPr marL="0" indent="0">
+              <a:buNone/>
+            </a:pPr>
+            <a:endParaRPr lang="hu-HU" sz="2400" dirty="0"/>
+          </a:p>
+          <a:p>
+            <a:endParaRPr lang="hu-HU" sz="2400" dirty="0"/>
+          </a:p>
+        </p:txBody>
+      </p:sp>
+    </p:spTree>
+    <p:extLst>
+      <p:ext uri="{BB962C8B-B14F-4D97-AF65-F5344CB8AC3E}">
+        <p14:creationId xmlns:p14="http://schemas.microsoft.com/office/powerpoint/2010/main" val="3633356065"/>
+      </p:ext>
+    </p:extLst>
+  </p:cSld>
+  <p:clrMapOvr>
+    <a:masterClrMapping/>
+  </p:clrMapOvr>
+</p:sld>
+</file>
+
+<file path=ppt/slides/slide11.xml><?xml version="1.0" encoding="utf-8"?>
+<p:sld xmlns:a="http://schemas.openxmlformats.org/drawingml/2006/main" xmlns:r="http://schemas.openxmlformats.org/officeDocument/2006/relationships" xmlns:p="http://schemas.openxmlformats.org/presentationml/2006/main">
+  <p:cSld>
+    <p:spTree>
+      <p:nvGrpSpPr>
+        <p:cNvPr id="1" name=""/>
+        <p:cNvGrpSpPr/>
+        <p:nvPr/>
+      </p:nvGrpSpPr>
+      <p:grpSpPr>
+        <a:xfrm>
+          <a:off x="0" y="0"/>
+          <a:ext cx="0" cy="0"/>
+          <a:chOff x="0" y="0"/>
+          <a:chExt cx="0" cy="0"/>
+        </a:xfrm>
+      </p:grpSpPr>
+      <p:sp>
+        <p:nvSpPr>
+          <p:cNvPr id="2" name="Cím 1">
+            <a:extLst>
+              <a:ext uri="{FF2B5EF4-FFF2-40B4-BE49-F238E27FC236}">
+                <a16:creationId xmlns:a16="http://schemas.microsoft.com/office/drawing/2014/main" id="{6F0A0F4E-4564-4214-9AF2-FC8FD9FAD26C}"/>
+              </a:ext>
+            </a:extLst>
+          </p:cNvPr>
+          <p:cNvSpPr>
+            <a:spLocks noGrp="1"/>
+          </p:cNvSpPr>
+          <p:nvPr>
+            <p:ph type="title"/>
+          </p:nvPr>
+        </p:nvSpPr>
+        <p:spPr/>
+        <p:txBody>
+          <a:bodyPr/>
+          <a:lstStyle/>
+          <a:p>
+            <a:r>
+              <a:rPr lang="hu-HU" dirty="0"/>
+              <a:t>Betanított háló másik verzión futtatva</a:t>
+            </a:r>
+          </a:p>
+        </p:txBody>
+      </p:sp>
+      <p:sp>
+        <p:nvSpPr>
+          <p:cNvPr id="3" name="Tartalom helye 2">
+            <a:extLst>
+              <a:ext uri="{FF2B5EF4-FFF2-40B4-BE49-F238E27FC236}">
+                <a16:creationId xmlns:a16="http://schemas.microsoft.com/office/drawing/2014/main" id="{D9A7084F-3195-4211-994D-B2A6AA620EE8}"/>
+              </a:ext>
+            </a:extLst>
+          </p:cNvPr>
+          <p:cNvSpPr>
+            <a:spLocks noGrp="1"/>
+          </p:cNvSpPr>
+          <p:nvPr>
+            <p:ph idx="1"/>
+          </p:nvPr>
+        </p:nvSpPr>
+        <p:spPr/>
+        <p:txBody>
+          <a:bodyPr/>
+          <a:lstStyle/>
+          <a:p>
+            <a:r>
+              <a:rPr lang="hu-HU" dirty="0"/>
+              <a:t>Érdekességből próbálkoztunk betanított hálók más verziókon való futtatásával is</a:t>
+            </a:r>
+          </a:p>
+          <a:p>
+            <a:r>
+              <a:rPr lang="hu-HU" dirty="0"/>
+              <a:t>Az eredeti állapottal és eredeti játék verzióval betanított hálót fal nélküli verzión futtatva (és ugyanezt visszafelé)</a:t>
+            </a:r>
+          </a:p>
+          <a:p>
+            <a:r>
+              <a:rPr lang="hu-HU" dirty="0"/>
+              <a:t>Úgy, hogy közben folytatjuk a háló tanítását</a:t>
+            </a:r>
+          </a:p>
+          <a:p>
+            <a:r>
+              <a:rPr lang="hu-HU" dirty="0"/>
+              <a:t>Konklúziók:</a:t>
+            </a:r>
+          </a:p>
+          <a:p>
+            <a:endParaRPr lang="hu-HU" dirty="0"/>
+          </a:p>
+        </p:txBody>
+      </p:sp>
+    </p:spTree>
+    <p:extLst>
+      <p:ext uri="{BB962C8B-B14F-4D97-AF65-F5344CB8AC3E}">
+        <p14:creationId xmlns:p14="http://schemas.microsoft.com/office/powerpoint/2010/main" val="1871124617"/>
+      </p:ext>
+    </p:extLst>
+  </p:cSld>
+  <p:clrMapOvr>
+    <a:masterClrMapping/>
+  </p:clrMapOvr>
+</p:sld>
+</file>
+
+<file path=ppt/slides/slide12.xml><?xml version="1.0" encoding="utf-8"?>
+<p:sld xmlns:a="http://schemas.openxmlformats.org/drawingml/2006/main" xmlns:r="http://schemas.openxmlformats.org/officeDocument/2006/relationships" xmlns:p="http://schemas.openxmlformats.org/presentationml/2006/main">
+  <p:cSld>
+    <p:spTree>
+      <p:nvGrpSpPr>
+        <p:cNvPr id="1" name=""/>
+        <p:cNvGrpSpPr/>
+        <p:nvPr/>
+      </p:nvGrpSpPr>
+      <p:grpSpPr>
+        <a:xfrm>
+          <a:off x="0" y="0"/>
+          <a:ext cx="0" cy="0"/>
+          <a:chOff x="0" y="0"/>
+          <a:chExt cx="0" cy="0"/>
+        </a:xfrm>
+      </p:grpSpPr>
+      <p:sp>
+        <p:nvSpPr>
+          <p:cNvPr id="2" name="Cím 1">
+            <a:extLst>
+              <a:ext uri="{FF2B5EF4-FFF2-40B4-BE49-F238E27FC236}">
+                <a16:creationId xmlns:a16="http://schemas.microsoft.com/office/drawing/2014/main" id="{4E803B03-581A-441E-86C3-2E29C64731C8}"/>
+              </a:ext>
+            </a:extLst>
+          </p:cNvPr>
+          <p:cNvSpPr>
+            <a:spLocks noGrp="1"/>
+          </p:cNvSpPr>
+          <p:nvPr>
+            <p:ph type="title"/>
+          </p:nvPr>
+        </p:nvSpPr>
+        <p:spPr/>
+        <p:txBody>
+          <a:bodyPr/>
+          <a:lstStyle/>
+          <a:p>
+            <a:r>
+              <a:rPr lang="hu-HU" dirty="0"/>
+              <a:t>Záró gondolatok</a:t>
+            </a:r>
+          </a:p>
+        </p:txBody>
+      </p:sp>
+      <p:sp>
+        <p:nvSpPr>
+          <p:cNvPr id="3" name="Tartalom helye 2">
+            <a:extLst>
+              <a:ext uri="{FF2B5EF4-FFF2-40B4-BE49-F238E27FC236}">
+                <a16:creationId xmlns:a16="http://schemas.microsoft.com/office/drawing/2014/main" id="{C40F59EA-092A-45E6-BC5C-CC875CDCB13A}"/>
+              </a:ext>
+            </a:extLst>
+          </p:cNvPr>
+          <p:cNvSpPr>
+            <a:spLocks noGrp="1"/>
+          </p:cNvSpPr>
+          <p:nvPr>
+            <p:ph idx="1"/>
+          </p:nvPr>
+        </p:nvSpPr>
+        <p:spPr/>
+        <p:txBody>
+          <a:bodyPr/>
+          <a:lstStyle/>
+          <a:p>
+            <a:endParaRPr lang="hu-HU" dirty="0"/>
+          </a:p>
+        </p:txBody>
+      </p:sp>
+    </p:spTree>
+    <p:extLst>
+      <p:ext uri="{BB962C8B-B14F-4D97-AF65-F5344CB8AC3E}">
+        <p14:creationId xmlns:p14="http://schemas.microsoft.com/office/powerpoint/2010/main" val="1553931252"/>
+      </p:ext>
+    </p:extLst>
+  </p:cSld>
+  <p:clrMapOvr>
+    <a:masterClrMapping/>
+  </p:clrMapOvr>
+</p:sld>
+</file>
+
 <file path=ppt/slides/slide2.xml><?xml version="1.0" encoding="utf-8"?>
 <p:sld xmlns:a="http://schemas.openxmlformats.org/drawingml/2006/main" xmlns:r="http://schemas.openxmlformats.org/officeDocument/2006/relationships" xmlns:p="http://schemas.openxmlformats.org/presentationml/2006/main">
   <p:cSld>
@@ -3489,68 +3840,70 @@
         </p:nvSpPr>
         <p:spPr/>
         <p:txBody>
-          <a:bodyPr/>
-          <a:lstStyle/>
-          <a:p>
-            <a:r>
-              <a:rPr lang="hu-HU" dirty="0"/>
-              <a:t>Még nem alkalmaztuk egyszer sem a </a:t>
-            </a:r>
-            <a:r>
-              <a:rPr lang="hu-HU" dirty="0" err="1"/>
+          <a:bodyPr>
+            <a:normAutofit/>
+          </a:bodyPr>
+          <a:lstStyle/>
+          <a:p>
+            <a:r>
+              <a:rPr lang="hu-HU" sz="2400" dirty="0"/>
+              <a:t>Még nem alkalmaztuk sem a </a:t>
+            </a:r>
+            <a:r>
+              <a:rPr lang="hu-HU" sz="2400" dirty="0" err="1"/>
               <a:t>BSc</a:t>
             </a:r>
             <a:r>
-              <a:rPr lang="hu-HU" dirty="0"/>
-              <a:t> alatt és az </a:t>
-            </a:r>
-            <a:r>
-              <a:rPr lang="hu-HU" dirty="0" err="1"/>
+              <a:rPr lang="hu-HU" sz="2400" dirty="0"/>
+              <a:t> alatt sem </a:t>
+            </a:r>
+            <a:r>
+              <a:rPr lang="hu-HU" sz="2400" dirty="0" err="1"/>
               <a:t>MSc</a:t>
             </a:r>
             <a:r>
-              <a:rPr lang="hu-HU" dirty="0"/>
+              <a:rPr lang="hu-HU" sz="2400" dirty="0"/>
               <a:t> alatt a </a:t>
             </a:r>
             <a:r>
-              <a:rPr lang="hu-HU" dirty="0" err="1"/>
+              <a:rPr lang="hu-HU" sz="2400" dirty="0" err="1"/>
               <a:t>Reinforcement</a:t>
             </a:r>
             <a:r>
-              <a:rPr lang="hu-HU" dirty="0"/>
+              <a:rPr lang="hu-HU" sz="2400" dirty="0"/>
               <a:t> </a:t>
             </a:r>
             <a:r>
-              <a:rPr lang="hu-HU" dirty="0" err="1"/>
+              <a:rPr lang="hu-HU" sz="2400" dirty="0" err="1"/>
               <a:t>learning</a:t>
             </a:r>
             <a:r>
-              <a:rPr lang="hu-HU" dirty="0"/>
+              <a:rPr lang="hu-HU" sz="2400" dirty="0"/>
               <a:t> módszert </a:t>
             </a:r>
           </a:p>
           <a:p>
             <a:r>
-              <a:rPr lang="hu-HU" dirty="0"/>
+              <a:rPr lang="hu-HU" sz="2400" dirty="0"/>
               <a:t>Egyre elterjedtebb gépi tanuló algoritmus</a:t>
             </a:r>
           </a:p>
           <a:p>
             <a:r>
-              <a:rPr lang="hu-HU" dirty="0" err="1"/>
+              <a:rPr lang="hu-HU" sz="2400" dirty="0" err="1"/>
               <a:t>Snake</a:t>
             </a:r>
             <a:r>
-              <a:rPr lang="hu-HU" dirty="0"/>
+              <a:rPr lang="hu-HU" sz="2400" dirty="0"/>
               <a:t> egy közismert, viszonylag egyszerű környezettel rendelkező játék </a:t>
             </a:r>
             <a:r>
-              <a:rPr lang="hu-HU" dirty="0">
+              <a:rPr lang="hu-HU" sz="2400" dirty="0">
                 <a:sym typeface="Wingdings" panose="05000000000000000000" pitchFamily="2" charset="2"/>
               </a:rPr>
               <a:t> könnyen implementálható</a:t>
             </a:r>
-            <a:endParaRPr lang="hu-HU" dirty="0"/>
+            <a:endParaRPr lang="hu-HU" sz="2400" dirty="0"/>
           </a:p>
         </p:txBody>
       </p:sp>
@@ -3600,14 +3953,27 @@
             <p:ph type="title"/>
           </p:nvPr>
         </p:nvSpPr>
-        <p:spPr/>
+        <p:spPr>
+          <a:xfrm>
+            <a:off x="838200" y="75189"/>
+            <a:ext cx="10515600" cy="1325563"/>
+          </a:xfrm>
+        </p:spPr>
         <p:txBody>
           <a:bodyPr/>
           <a:lstStyle/>
           <a:p>
             <a:r>
               <a:rPr lang="hu-HU" dirty="0"/>
-              <a:t>Annak, aki még nem ismerné</a:t>
+              <a:t>Hogyan is zajlik a </a:t>
+            </a:r>
+            <a:r>
+              <a:rPr lang="hu-HU" dirty="0" err="1"/>
+              <a:t>Snake</a:t>
+            </a:r>
+            <a:r>
+              <a:rPr lang="hu-HU" dirty="0"/>
+              <a:t> játék</a:t>
             </a:r>
           </a:p>
         </p:txBody>
@@ -3628,39 +3994,46 @@
             <p:ph idx="1"/>
           </p:nvPr>
         </p:nvSpPr>
-        <p:spPr/>
-        <p:txBody>
-          <a:bodyPr/>
-          <a:lstStyle/>
-          <a:p>
-            <a:r>
-              <a:rPr lang="hu-HU" dirty="0"/>
-              <a:t>Alap verzió ismertetése, majd ezek alapján a többi verzió ismertetése</a:t>
-            </a:r>
-          </a:p>
-          <a:p>
-            <a:r>
-              <a:rPr lang="hu-HU" dirty="0"/>
-              <a:t>Elsőnek csináltunk egy általunk irányítható verziót is, mielőtt alkalmaztuk volna a környezetre az </a:t>
-            </a:r>
-            <a:r>
-              <a:rPr lang="hu-HU" dirty="0" err="1"/>
+        <p:spPr>
+          <a:xfrm>
+            <a:off x="838200" y="1400753"/>
+            <a:ext cx="10515600" cy="2118302"/>
+          </a:xfrm>
+        </p:spPr>
+        <p:txBody>
+          <a:bodyPr>
+            <a:normAutofit/>
+          </a:bodyPr>
+          <a:lstStyle/>
+          <a:p>
+            <a:r>
+              <a:rPr lang="hu-HU" sz="2400" dirty="0"/>
+              <a:t>Elsőnek csináltunk egy felhasználó által irányítható verziót is, mielőtt alkalmaztuk volna a környezetre az </a:t>
+            </a:r>
+            <a:r>
+              <a:rPr lang="hu-HU" sz="2400" dirty="0" err="1"/>
               <a:t>reinforcement</a:t>
             </a:r>
             <a:r>
-              <a:rPr lang="hu-HU" dirty="0"/>
+              <a:rPr lang="hu-HU" sz="2400" dirty="0"/>
               <a:t> </a:t>
             </a:r>
             <a:r>
-              <a:rPr lang="hu-HU" dirty="0" err="1"/>
+              <a:rPr lang="hu-HU" sz="2400" dirty="0" err="1"/>
               <a:t>learninget</a:t>
             </a:r>
-            <a:endParaRPr lang="hu-HU" dirty="0"/>
-          </a:p>
-          <a:p>
-            <a:r>
-              <a:rPr lang="hu-HU" dirty="0"/>
-              <a:t>Ide jön mindegyikről egy video</a:t>
+            <a:endParaRPr lang="hu-HU" sz="2400" dirty="0"/>
+          </a:p>
+          <a:p>
+            <a:r>
+              <a:rPr lang="hu-HU" sz="2400" dirty="0"/>
+              <a:t>Amiket kipróbáltunk: alap verzió, két ételes verzió és fal nélküli verzió</a:t>
+            </a:r>
+          </a:p>
+          <a:p>
+            <a:r>
+              <a:rPr lang="hu-HU" sz="2400" dirty="0"/>
+              <a:t>Verziók megírásában rejlő nehézségek</a:t>
             </a:r>
           </a:p>
         </p:txBody>
@@ -3675,11 +4048,11 @@
   <p:clrMapOvr>
     <a:masterClrMapping/>
   </p:clrMapOvr>
-  <mc:AlternateContent xmlns:mc="http://schemas.openxmlformats.org/markup-compatibility/2006" xmlns:p14="http://schemas.microsoft.com/office/powerpoint/2010/main">
-    <mc:Choice Requires="p14">
+  <mc:AlternateContent xmlns:mc="http://schemas.openxmlformats.org/markup-compatibility/2006">
+    <mc:Choice xmlns:p14="http://schemas.microsoft.com/office/powerpoint/2010/main" Requires="p14">
       <p:transition spd="slow" p14:dur="2000" advTm="23500"/>
     </mc:Choice>
-    <mc:Fallback xmlns="">
+    <mc:Fallback>
       <p:transition spd="slow" advTm="23500"/>
     </mc:Fallback>
   </mc:AlternateContent>
@@ -3770,11 +4143,11 @@
           <a:lstStyle/>
           <a:p>
             <a:r>
-              <a:rPr lang="hu-HU" dirty="0"/>
+              <a:rPr lang="hu-HU" sz="2400" dirty="0"/>
               <a:t>Nincs adathalmaz </a:t>
             </a:r>
             <a:r>
-              <a:rPr lang="hu-HU" dirty="0">
+              <a:rPr lang="hu-HU" sz="2400" dirty="0">
                 <a:sym typeface="Wingdings" panose="05000000000000000000" pitchFamily="2" charset="2"/>
               </a:rPr>
               <a:t> mi generáljuk</a:t>
@@ -3782,21 +4155,21 @@
           </a:p>
           <a:p>
             <a:r>
-              <a:rPr lang="hu-HU" dirty="0">
+              <a:rPr lang="hu-HU" sz="2400" dirty="0">
                 <a:sym typeface="Wingdings" panose="05000000000000000000" pitchFamily="2" charset="2"/>
               </a:rPr>
-              <a:t>Random felfedezés mielőtt az ágens hozná a döntéseket</a:t>
-            </a:r>
-          </a:p>
-          <a:p>
-            <a:r>
-              <a:rPr lang="hu-HU" dirty="0" err="1">
+              <a:t>Random felfedezés, mielőtt az ágens hozná a döntéseket</a:t>
+            </a:r>
+          </a:p>
+          <a:p>
+            <a:r>
+              <a:rPr lang="hu-HU" sz="2400" dirty="0" err="1">
                 <a:sym typeface="Wingdings" panose="05000000000000000000" pitchFamily="2" charset="2"/>
               </a:rPr>
               <a:t>Markov</a:t>
             </a:r>
             <a:r>
-              <a:rPr lang="hu-HU" dirty="0">
+              <a:rPr lang="hu-HU" sz="2400" dirty="0">
                 <a:sym typeface="Wingdings" panose="05000000000000000000" pitchFamily="2" charset="2"/>
               </a:rPr>
               <a:t>-tulajdonság</a:t>
@@ -3804,7 +4177,7 @@
           </a:p>
           <a:p>
             <a:r>
-              <a:rPr lang="hu-HU" dirty="0">
+              <a:rPr lang="hu-HU" sz="2400" dirty="0">
                 <a:sym typeface="Wingdings" panose="05000000000000000000" pitchFamily="2" charset="2"/>
               </a:rPr>
               <a:t>Jutalmazás segítségével tanítjuk az ágenst</a:t>
@@ -3812,11 +4185,28 @@
           </a:p>
           <a:p>
             <a:r>
-              <a:rPr lang="hu-HU" dirty="0">
+              <a:rPr lang="hu-HU" sz="2400" dirty="0">
                 <a:sym typeface="Wingdings" panose="05000000000000000000" pitchFamily="2" charset="2"/>
               </a:rPr>
-              <a:t>Általunk használ jutalmazások </a:t>
-            </a:r>
+              <a:t>Általunk használt jutalmazások </a:t>
+            </a:r>
+          </a:p>
+          <a:p>
+            <a:r>
+              <a:rPr lang="hu-HU" sz="2400" dirty="0">
+                <a:sym typeface="Wingdings" panose="05000000000000000000" pitchFamily="2" charset="2"/>
+              </a:rPr>
+              <a:t>Deep Q </a:t>
+            </a:r>
+            <a:r>
+              <a:rPr lang="hu-HU" sz="2400" dirty="0" err="1">
+                <a:sym typeface="Wingdings" panose="05000000000000000000" pitchFamily="2" charset="2"/>
+              </a:rPr>
+              <a:t>learning</a:t>
+            </a:r>
+            <a:endParaRPr lang="hu-HU" sz="2400" dirty="0">
+              <a:sym typeface="Wingdings" panose="05000000000000000000" pitchFamily="2" charset="2"/>
+            </a:endParaRPr>
           </a:p>
           <a:p>
             <a:endParaRPr lang="hu-HU" dirty="0"/>
@@ -3869,11 +4259,11 @@
   <p:clrMapOvr>
     <a:masterClrMapping/>
   </p:clrMapOvr>
-  <mc:AlternateContent xmlns:mc="http://schemas.openxmlformats.org/markup-compatibility/2006" xmlns:p14="http://schemas.microsoft.com/office/powerpoint/2010/main">
-    <mc:Choice Requires="p14">
+  <mc:AlternateContent xmlns:mc="http://schemas.openxmlformats.org/markup-compatibility/2006">
+    <mc:Choice xmlns:p14="http://schemas.microsoft.com/office/powerpoint/2010/main" Requires="p14">
       <p:transition spd="slow" p14:dur="2000" advTm="12800"/>
     </mc:Choice>
-    <mc:Fallback xmlns="">
+    <mc:Fallback>
       <p:transition spd="slow" advTm="12800"/>
     </mc:Fallback>
   </mc:AlternateContent>
@@ -3897,10 +4287,1614 @@
           <a:chExt cx="0" cy="0"/>
         </a:xfrm>
       </p:grpSpPr>
+      <p:sp>
+        <p:nvSpPr>
+          <p:cNvPr id="2" name="Cím 1">
+            <a:extLst>
+              <a:ext uri="{FF2B5EF4-FFF2-40B4-BE49-F238E27FC236}">
+                <a16:creationId xmlns:a16="http://schemas.microsoft.com/office/drawing/2014/main" id="{7ECA438D-AC5F-49C8-AB01-91C7EC614EF4}"/>
+              </a:ext>
+            </a:extLst>
+          </p:cNvPr>
+          <p:cNvSpPr>
+            <a:spLocks noGrp="1"/>
+          </p:cNvSpPr>
+          <p:nvPr>
+            <p:ph type="title"/>
+          </p:nvPr>
+        </p:nvSpPr>
+        <p:spPr/>
+        <p:txBody>
+          <a:bodyPr/>
+          <a:lstStyle/>
+          <a:p>
+            <a:r>
+              <a:rPr lang="hu-HU" dirty="0" err="1"/>
+              <a:t>Kölönböző</a:t>
+            </a:r>
+            <a:r>
+              <a:rPr lang="hu-HU" dirty="0"/>
+              <a:t> állapotok</a:t>
+            </a:r>
+          </a:p>
+        </p:txBody>
+      </p:sp>
+      <p:sp>
+        <p:nvSpPr>
+          <p:cNvPr id="3" name="Tartalom helye 2">
+            <a:extLst>
+              <a:ext uri="{FF2B5EF4-FFF2-40B4-BE49-F238E27FC236}">
+                <a16:creationId xmlns:a16="http://schemas.microsoft.com/office/drawing/2014/main" id="{7F251ACF-8945-4B33-843B-6205767D48ED}"/>
+              </a:ext>
+            </a:extLst>
+          </p:cNvPr>
+          <p:cNvSpPr>
+            <a:spLocks noGrp="1"/>
+          </p:cNvSpPr>
+          <p:nvPr>
+            <p:ph idx="1"/>
+          </p:nvPr>
+        </p:nvSpPr>
+        <p:spPr>
+          <a:xfrm>
+            <a:off x="838200" y="1825625"/>
+            <a:ext cx="10515600" cy="1887393"/>
+          </a:xfrm>
+        </p:spPr>
+        <p:txBody>
+          <a:bodyPr/>
+          <a:lstStyle/>
+          <a:p>
+            <a:r>
+              <a:rPr lang="hu-HU" sz="2400" dirty="0"/>
+              <a:t>Mivel a kígyó nem tudott egy bizonyos eredménynél tovább jutni a játékban felmerült bennünk a kérdés, hogy segítené-e ha máshogy definiálnánk a játék egyes állapotait</a:t>
+            </a:r>
+          </a:p>
+          <a:p>
+            <a:r>
+              <a:rPr lang="hu-HU" sz="2400" dirty="0"/>
+              <a:t>Több különböző fajtát írtunk neki, ezekből a legeredményesebbeket mutatjuk be</a:t>
+            </a:r>
+          </a:p>
+          <a:p>
+            <a:endParaRPr lang="hu-HU" dirty="0"/>
+          </a:p>
+        </p:txBody>
+      </p:sp>
     </p:spTree>
     <p:extLst>
       <p:ext uri="{BB962C8B-B14F-4D97-AF65-F5344CB8AC3E}">
-        <p14:creationId xmlns:p14="http://schemas.microsoft.com/office/powerpoint/2010/main" val="3231826278"/>
+        <p14:creationId xmlns:p14="http://schemas.microsoft.com/office/powerpoint/2010/main" val="2361940339"/>
+      </p:ext>
+    </p:extLst>
+  </p:cSld>
+  <p:clrMapOvr>
+    <a:masterClrMapping/>
+  </p:clrMapOvr>
+</p:sld>
+</file>
+
+<file path=ppt/slides/slide6.xml><?xml version="1.0" encoding="utf-8"?>
+<p:sld xmlns:a="http://schemas.openxmlformats.org/drawingml/2006/main" xmlns:r="http://schemas.openxmlformats.org/officeDocument/2006/relationships" xmlns:p="http://schemas.openxmlformats.org/presentationml/2006/main">
+  <p:cSld>
+    <p:bg>
+      <p:bgPr>
+        <a:solidFill>
+          <a:schemeClr val="bg1"/>
+        </a:solidFill>
+        <a:effectLst/>
+      </p:bgPr>
+    </p:bg>
+    <p:spTree>
+      <p:nvGrpSpPr>
+        <p:cNvPr id="1" name=""/>
+        <p:cNvGrpSpPr/>
+        <p:nvPr/>
+      </p:nvGrpSpPr>
+      <p:grpSpPr>
+        <a:xfrm>
+          <a:off x="0" y="0"/>
+          <a:ext cx="0" cy="0"/>
+          <a:chOff x="0" y="0"/>
+          <a:chExt cx="0" cy="0"/>
+        </a:xfrm>
+      </p:grpSpPr>
+      <p:sp useBgFill="1">
+        <p:nvSpPr>
+          <p:cNvPr id="20" name="Rectangle 19">
+            <a:extLst>
+              <a:ext uri="{FF2B5EF4-FFF2-40B4-BE49-F238E27FC236}">
+                <a16:creationId xmlns:a16="http://schemas.microsoft.com/office/drawing/2014/main" id="{33E72FA3-BD00-444A-AD9B-E6C3D069CDE3}"/>
+              </a:ext>
+              <a:ext uri="{C183D7F6-B498-43B3-948B-1728B52AA6E4}">
+                <adec:decorative xmlns:adec="http://schemas.microsoft.com/office/drawing/2017/decorative" val="1"/>
+              </a:ext>
+            </a:extLst>
+          </p:cNvPr>
+          <p:cNvSpPr>
+            <a:spLocks noGrp="1" noRot="1" noChangeAspect="1" noMove="1" noResize="1" noEditPoints="1" noAdjustHandles="1" noChangeArrowheads="1" noChangeShapeType="1" noTextEdit="1"/>
+          </p:cNvSpPr>
+          <p:nvPr>
+            <p:extLst>
+              <p:ext uri="{386F3935-93C4-4BCD-93E2-E3B085C9AB24}">
+                <p16:designElem xmlns:p16="http://schemas.microsoft.com/office/powerpoint/2015/main" val="1"/>
+              </p:ext>
+            </p:extLst>
+          </p:nvPr>
+        </p:nvSpPr>
+        <p:spPr>
+          <a:xfrm>
+            <a:off x="-50801" y="0"/>
+            <a:ext cx="12188952" cy="6858000"/>
+          </a:xfrm>
+          <a:prstGeom prst="rect">
+            <a:avLst/>
+          </a:prstGeom>
+          <a:ln>
+            <a:noFill/>
+          </a:ln>
+        </p:spPr>
+        <p:style>
+          <a:lnRef idx="2">
+            <a:schemeClr val="accent1">
+              <a:shade val="50000"/>
+            </a:schemeClr>
+          </a:lnRef>
+          <a:fillRef idx="1">
+            <a:schemeClr val="accent1"/>
+          </a:fillRef>
+          <a:effectRef idx="0">
+            <a:schemeClr val="accent1"/>
+          </a:effectRef>
+          <a:fontRef idx="minor">
+            <a:schemeClr val="lt1"/>
+          </a:fontRef>
+        </p:style>
+        <p:txBody>
+          <a:bodyPr rtlCol="0" anchor="ctr"/>
+          <a:lstStyle/>
+          <a:p>
+            <a:pPr algn="ctr"/>
+            <a:endParaRPr lang="en-US"/>
+          </a:p>
+        </p:txBody>
+      </p:sp>
+      <p:sp>
+        <p:nvSpPr>
+          <p:cNvPr id="2" name="Cím 1">
+            <a:extLst>
+              <a:ext uri="{FF2B5EF4-FFF2-40B4-BE49-F238E27FC236}">
+                <a16:creationId xmlns:a16="http://schemas.microsoft.com/office/drawing/2014/main" id="{4B843A6B-DA03-4C59-B387-02A5FCE89DB3}"/>
+              </a:ext>
+            </a:extLst>
+          </p:cNvPr>
+          <p:cNvSpPr>
+            <a:spLocks noGrp="1"/>
+          </p:cNvSpPr>
+          <p:nvPr>
+            <p:ph type="title"/>
+          </p:nvPr>
+        </p:nvSpPr>
+        <p:spPr>
+          <a:xfrm>
+            <a:off x="414173" y="182125"/>
+            <a:ext cx="11353800" cy="1110537"/>
+          </a:xfrm>
+        </p:spPr>
+        <p:txBody>
+          <a:bodyPr vert="horz" lIns="91440" tIns="45720" rIns="91440" bIns="45720" rtlCol="0" anchor="ctr">
+            <a:noAutofit/>
+          </a:bodyPr>
+          <a:lstStyle/>
+          <a:p>
+            <a:r>
+              <a:rPr lang="hu-HU" dirty="0"/>
+              <a:t>Eredeti verzió eredményei különböző állapotokkal</a:t>
+            </a:r>
+            <a:endParaRPr lang="en-US" kern="1200" dirty="0">
+              <a:solidFill>
+                <a:schemeClr val="tx1"/>
+              </a:solidFill>
+              <a:latin typeface="+mj-lt"/>
+              <a:ea typeface="+mj-ea"/>
+              <a:cs typeface="+mj-cs"/>
+            </a:endParaRPr>
+          </a:p>
+        </p:txBody>
+      </p:sp>
+      <p:pic>
+        <p:nvPicPr>
+          <p:cNvPr id="7" name="Kép 6">
+            <a:extLst>
+              <a:ext uri="{FF2B5EF4-FFF2-40B4-BE49-F238E27FC236}">
+                <a16:creationId xmlns:a16="http://schemas.microsoft.com/office/drawing/2014/main" id="{A99357DA-6B14-4D5B-9D58-704A29C4FABA}"/>
+              </a:ext>
+            </a:extLst>
+          </p:cNvPr>
+          <p:cNvPicPr>
+            <a:picLocks noChangeAspect="1"/>
+          </p:cNvPicPr>
+          <p:nvPr/>
+        </p:nvPicPr>
+        <p:blipFill>
+          <a:blip r:embed="rId2">
+            <a:extLst>
+              <a:ext uri="{28A0092B-C50C-407E-A947-70E740481C1C}">
+                <a14:useLocalDpi xmlns:a14="http://schemas.microsoft.com/office/drawing/2010/main" val="0"/>
+              </a:ext>
+            </a:extLst>
+          </a:blip>
+          <a:stretch>
+            <a:fillRect/>
+          </a:stretch>
+        </p:blipFill>
+        <p:spPr>
+          <a:xfrm>
+            <a:off x="565788" y="1999727"/>
+            <a:ext cx="3058699" cy="2056976"/>
+          </a:xfrm>
+          <a:prstGeom prst="rect">
+            <a:avLst/>
+          </a:prstGeom>
+        </p:spPr>
+      </p:pic>
+      <p:pic>
+        <p:nvPicPr>
+          <p:cNvPr id="11" name="Kép 10">
+            <a:extLst>
+              <a:ext uri="{FF2B5EF4-FFF2-40B4-BE49-F238E27FC236}">
+                <a16:creationId xmlns:a16="http://schemas.microsoft.com/office/drawing/2014/main" id="{191C7281-2260-4DF7-9728-0A67753491C6}"/>
+              </a:ext>
+            </a:extLst>
+          </p:cNvPr>
+          <p:cNvPicPr>
+            <a:picLocks noChangeAspect="1"/>
+          </p:cNvPicPr>
+          <p:nvPr/>
+        </p:nvPicPr>
+        <p:blipFill>
+          <a:blip r:embed="rId3">
+            <a:extLst>
+              <a:ext uri="{28A0092B-C50C-407E-A947-70E740481C1C}">
+                <a14:useLocalDpi xmlns:a14="http://schemas.microsoft.com/office/drawing/2010/main" val="0"/>
+              </a:ext>
+            </a:extLst>
+          </a:blip>
+          <a:stretch>
+            <a:fillRect/>
+          </a:stretch>
+        </p:blipFill>
+        <p:spPr>
+          <a:xfrm>
+            <a:off x="4538637" y="1999727"/>
+            <a:ext cx="3104869" cy="2056976"/>
+          </a:xfrm>
+          <a:prstGeom prst="rect">
+            <a:avLst/>
+          </a:prstGeom>
+        </p:spPr>
+      </p:pic>
+      <p:pic>
+        <p:nvPicPr>
+          <p:cNvPr id="13" name="Kép 12">
+            <a:extLst>
+              <a:ext uri="{FF2B5EF4-FFF2-40B4-BE49-F238E27FC236}">
+                <a16:creationId xmlns:a16="http://schemas.microsoft.com/office/drawing/2014/main" id="{839076CC-6B73-4AC7-B536-5145D63159E4}"/>
+              </a:ext>
+            </a:extLst>
+          </p:cNvPr>
+          <p:cNvPicPr>
+            <a:picLocks noChangeAspect="1"/>
+          </p:cNvPicPr>
+          <p:nvPr/>
+        </p:nvPicPr>
+        <p:blipFill>
+          <a:blip r:embed="rId4">
+            <a:extLst>
+              <a:ext uri="{28A0092B-C50C-407E-A947-70E740481C1C}">
+                <a14:useLocalDpi xmlns:a14="http://schemas.microsoft.com/office/drawing/2010/main" val="0"/>
+              </a:ext>
+            </a:extLst>
+          </a:blip>
+          <a:stretch>
+            <a:fillRect/>
+          </a:stretch>
+        </p:blipFill>
+        <p:spPr>
+          <a:xfrm>
+            <a:off x="8489874" y="1999727"/>
+            <a:ext cx="3189110" cy="2056976"/>
+          </a:xfrm>
+          <a:prstGeom prst="rect">
+            <a:avLst/>
+          </a:prstGeom>
+        </p:spPr>
+      </p:pic>
+      <p:pic>
+        <p:nvPicPr>
+          <p:cNvPr id="5" name="Tartalom helye 4">
+            <a:extLst>
+              <a:ext uri="{FF2B5EF4-FFF2-40B4-BE49-F238E27FC236}">
+                <a16:creationId xmlns:a16="http://schemas.microsoft.com/office/drawing/2014/main" id="{582B6C46-6A2A-423D-882A-FD3647E3343D}"/>
+              </a:ext>
+            </a:extLst>
+          </p:cNvPr>
+          <p:cNvPicPr>
+            <a:picLocks noGrp="1" noChangeAspect="1"/>
+          </p:cNvPicPr>
+          <p:nvPr>
+            <p:ph idx="1"/>
+          </p:nvPr>
+        </p:nvPicPr>
+        <p:blipFill>
+          <a:blip r:embed="rId5">
+            <a:extLst>
+              <a:ext uri="{28A0092B-C50C-407E-A947-70E740481C1C}">
+                <a14:useLocalDpi xmlns:a14="http://schemas.microsoft.com/office/drawing/2010/main" val="0"/>
+              </a:ext>
+            </a:extLst>
+          </a:blip>
+          <a:stretch>
+            <a:fillRect/>
+          </a:stretch>
+        </p:blipFill>
+        <p:spPr>
+          <a:xfrm>
+            <a:off x="442949" y="4618899"/>
+            <a:ext cx="3304378" cy="2056976"/>
+          </a:xfrm>
+          <a:prstGeom prst="rect">
+            <a:avLst/>
+          </a:prstGeom>
+        </p:spPr>
+      </p:pic>
+      <p:pic>
+        <p:nvPicPr>
+          <p:cNvPr id="9" name="Kép 8">
+            <a:extLst>
+              <a:ext uri="{FF2B5EF4-FFF2-40B4-BE49-F238E27FC236}">
+                <a16:creationId xmlns:a16="http://schemas.microsoft.com/office/drawing/2014/main" id="{0C6661A1-F600-4FF9-A781-8A45C7E597FF}"/>
+              </a:ext>
+            </a:extLst>
+          </p:cNvPr>
+          <p:cNvPicPr>
+            <a:picLocks noChangeAspect="1"/>
+          </p:cNvPicPr>
+          <p:nvPr/>
+        </p:nvPicPr>
+        <p:blipFill>
+          <a:blip r:embed="rId6">
+            <a:extLst>
+              <a:ext uri="{28A0092B-C50C-407E-A947-70E740481C1C}">
+                <a14:useLocalDpi xmlns:a14="http://schemas.microsoft.com/office/drawing/2010/main" val="0"/>
+              </a:ext>
+            </a:extLst>
+          </a:blip>
+          <a:stretch>
+            <a:fillRect/>
+          </a:stretch>
+        </p:blipFill>
+        <p:spPr>
+          <a:xfrm>
+            <a:off x="4398088" y="4618899"/>
+            <a:ext cx="3385969" cy="2056976"/>
+          </a:xfrm>
+          <a:prstGeom prst="rect">
+            <a:avLst/>
+          </a:prstGeom>
+        </p:spPr>
+      </p:pic>
+      <p:pic>
+        <p:nvPicPr>
+          <p:cNvPr id="15" name="Kép 14">
+            <a:extLst>
+              <a:ext uri="{FF2B5EF4-FFF2-40B4-BE49-F238E27FC236}">
+                <a16:creationId xmlns:a16="http://schemas.microsoft.com/office/drawing/2014/main" id="{A830AF51-ED23-45E6-8973-47D84DE0BF57}"/>
+              </a:ext>
+            </a:extLst>
+          </p:cNvPr>
+          <p:cNvPicPr>
+            <a:picLocks noChangeAspect="1"/>
+          </p:cNvPicPr>
+          <p:nvPr/>
+        </p:nvPicPr>
+        <p:blipFill>
+          <a:blip r:embed="rId7">
+            <a:extLst>
+              <a:ext uri="{28A0092B-C50C-407E-A947-70E740481C1C}">
+                <a14:useLocalDpi xmlns:a14="http://schemas.microsoft.com/office/drawing/2010/main" val="0"/>
+              </a:ext>
+            </a:extLst>
+          </a:blip>
+          <a:stretch>
+            <a:fillRect/>
+          </a:stretch>
+        </p:blipFill>
+        <p:spPr>
+          <a:xfrm>
+            <a:off x="8363082" y="4586567"/>
+            <a:ext cx="3385969" cy="2056976"/>
+          </a:xfrm>
+          <a:prstGeom prst="rect">
+            <a:avLst/>
+          </a:prstGeom>
+        </p:spPr>
+      </p:pic>
+      <p:sp>
+        <p:nvSpPr>
+          <p:cNvPr id="16" name="Szövegdoboz 15">
+            <a:extLst>
+              <a:ext uri="{FF2B5EF4-FFF2-40B4-BE49-F238E27FC236}">
+                <a16:creationId xmlns:a16="http://schemas.microsoft.com/office/drawing/2014/main" id="{70AC21C8-3324-4BD5-B2EE-E21445159486}"/>
+              </a:ext>
+            </a:extLst>
+          </p:cNvPr>
+          <p:cNvSpPr txBox="1"/>
+          <p:nvPr/>
+        </p:nvSpPr>
+        <p:spPr>
+          <a:xfrm>
+            <a:off x="8391445" y="4331732"/>
+            <a:ext cx="3385969" cy="369332"/>
+          </a:xfrm>
+          <a:prstGeom prst="rect">
+            <a:avLst/>
+          </a:prstGeom>
+          <a:noFill/>
+        </p:spPr>
+        <p:txBody>
+          <a:bodyPr wrap="square" rtlCol="0">
+            <a:spAutoFit/>
+          </a:bodyPr>
+          <a:lstStyle/>
+          <a:p>
+            <a:pPr algn="ctr"/>
+            <a:r>
+              <a:rPr lang="hu-HU" dirty="0" err="1"/>
+              <a:t>Rectangle</a:t>
+            </a:r>
+            <a:r>
+              <a:rPr lang="hu-HU" dirty="0"/>
+              <a:t> </a:t>
+            </a:r>
+            <a:r>
+              <a:rPr lang="hu-HU" dirty="0" err="1"/>
+              <a:t>neighborhood</a:t>
+            </a:r>
+            <a:endParaRPr lang="hu-HU" dirty="0"/>
+          </a:p>
+        </p:txBody>
+      </p:sp>
+      <p:sp>
+        <p:nvSpPr>
+          <p:cNvPr id="17" name="Szövegdoboz 16">
+            <a:extLst>
+              <a:ext uri="{FF2B5EF4-FFF2-40B4-BE49-F238E27FC236}">
+                <a16:creationId xmlns:a16="http://schemas.microsoft.com/office/drawing/2014/main" id="{CA62EAB3-FD77-4175-A4BD-3E1F987B9298}"/>
+              </a:ext>
+            </a:extLst>
+          </p:cNvPr>
+          <p:cNvSpPr txBox="1"/>
+          <p:nvPr/>
+        </p:nvSpPr>
+        <p:spPr>
+          <a:xfrm>
+            <a:off x="8622858" y="1630395"/>
+            <a:ext cx="2923141" cy="369332"/>
+          </a:xfrm>
+          <a:prstGeom prst="rect">
+            <a:avLst/>
+          </a:prstGeom>
+          <a:noFill/>
+        </p:spPr>
+        <p:txBody>
+          <a:bodyPr wrap="square" rtlCol="0">
+            <a:spAutoFit/>
+          </a:bodyPr>
+          <a:lstStyle/>
+          <a:p>
+            <a:pPr algn="ctr"/>
+            <a:r>
+              <a:rPr lang="hu-HU" dirty="0"/>
+              <a:t>Körben</a:t>
+            </a:r>
+          </a:p>
+        </p:txBody>
+      </p:sp>
+      <p:sp>
+        <p:nvSpPr>
+          <p:cNvPr id="18" name="Szövegdoboz 17">
+            <a:extLst>
+              <a:ext uri="{FF2B5EF4-FFF2-40B4-BE49-F238E27FC236}">
+                <a16:creationId xmlns:a16="http://schemas.microsoft.com/office/drawing/2014/main" id="{8E202F65-5E8D-4BF9-B457-A2B150B91042}"/>
+              </a:ext>
+            </a:extLst>
+          </p:cNvPr>
+          <p:cNvSpPr txBox="1"/>
+          <p:nvPr/>
+        </p:nvSpPr>
+        <p:spPr>
+          <a:xfrm>
+            <a:off x="4839855" y="1629165"/>
+            <a:ext cx="2678545" cy="369332"/>
+          </a:xfrm>
+          <a:prstGeom prst="rect">
+            <a:avLst/>
+          </a:prstGeom>
+          <a:noFill/>
+        </p:spPr>
+        <p:txBody>
+          <a:bodyPr wrap="square" rtlCol="0">
+            <a:spAutoFit/>
+          </a:bodyPr>
+          <a:lstStyle/>
+          <a:p>
+            <a:pPr algn="ctr"/>
+            <a:r>
+              <a:rPr lang="hu-HU" dirty="0" err="1"/>
+              <a:t>Full</a:t>
+            </a:r>
+            <a:r>
+              <a:rPr lang="hu-HU" dirty="0"/>
+              <a:t> map</a:t>
+            </a:r>
+          </a:p>
+        </p:txBody>
+      </p:sp>
+      <p:sp>
+        <p:nvSpPr>
+          <p:cNvPr id="19" name="Szövegdoboz 18">
+            <a:extLst>
+              <a:ext uri="{FF2B5EF4-FFF2-40B4-BE49-F238E27FC236}">
+                <a16:creationId xmlns:a16="http://schemas.microsoft.com/office/drawing/2014/main" id="{5B3775F2-45FD-467C-B207-DCA15CFA54AC}"/>
+              </a:ext>
+            </a:extLst>
+          </p:cNvPr>
+          <p:cNvSpPr txBox="1"/>
+          <p:nvPr/>
+        </p:nvSpPr>
+        <p:spPr>
+          <a:xfrm>
+            <a:off x="4731784" y="4331732"/>
+            <a:ext cx="2733964" cy="369332"/>
+          </a:xfrm>
+          <a:prstGeom prst="rect">
+            <a:avLst/>
+          </a:prstGeom>
+          <a:noFill/>
+        </p:spPr>
+        <p:txBody>
+          <a:bodyPr wrap="square" rtlCol="0">
+            <a:spAutoFit/>
+          </a:bodyPr>
+          <a:lstStyle/>
+          <a:p>
+            <a:pPr algn="ctr"/>
+            <a:r>
+              <a:rPr lang="hu-HU" dirty="0" err="1"/>
+              <a:t>Food</a:t>
+            </a:r>
+            <a:r>
+              <a:rPr lang="hu-HU" dirty="0"/>
+              <a:t> </a:t>
+            </a:r>
+            <a:r>
+              <a:rPr lang="hu-HU" dirty="0" err="1"/>
+              <a:t>direction</a:t>
+            </a:r>
+            <a:endParaRPr lang="hu-HU" dirty="0"/>
+          </a:p>
+        </p:txBody>
+      </p:sp>
+      <p:sp>
+        <p:nvSpPr>
+          <p:cNvPr id="21" name="Szövegdoboz 20">
+            <a:extLst>
+              <a:ext uri="{FF2B5EF4-FFF2-40B4-BE49-F238E27FC236}">
+                <a16:creationId xmlns:a16="http://schemas.microsoft.com/office/drawing/2014/main" id="{A853B121-A4C0-4F62-8798-1CF571594DBF}"/>
+              </a:ext>
+            </a:extLst>
+          </p:cNvPr>
+          <p:cNvSpPr txBox="1"/>
+          <p:nvPr/>
+        </p:nvSpPr>
+        <p:spPr>
+          <a:xfrm>
+            <a:off x="968034" y="1725597"/>
+            <a:ext cx="2142836" cy="369332"/>
+          </a:xfrm>
+          <a:prstGeom prst="rect">
+            <a:avLst/>
+          </a:prstGeom>
+          <a:noFill/>
+        </p:spPr>
+        <p:txBody>
+          <a:bodyPr wrap="square" rtlCol="0">
+            <a:spAutoFit/>
+          </a:bodyPr>
+          <a:lstStyle/>
+          <a:p>
+            <a:pPr algn="ctr"/>
+            <a:r>
+              <a:rPr lang="hu-HU" dirty="0"/>
+              <a:t>Eredeti modell</a:t>
+            </a:r>
+          </a:p>
+        </p:txBody>
+      </p:sp>
+      <p:sp>
+        <p:nvSpPr>
+          <p:cNvPr id="22" name="Szövegdoboz 21">
+            <a:extLst>
+              <a:ext uri="{FF2B5EF4-FFF2-40B4-BE49-F238E27FC236}">
+                <a16:creationId xmlns:a16="http://schemas.microsoft.com/office/drawing/2014/main" id="{A0734AB9-868E-484E-BD43-C5689B137D5E}"/>
+              </a:ext>
+            </a:extLst>
+          </p:cNvPr>
+          <p:cNvSpPr txBox="1"/>
+          <p:nvPr/>
+        </p:nvSpPr>
+        <p:spPr>
+          <a:xfrm>
+            <a:off x="656966" y="4330833"/>
+            <a:ext cx="2876342" cy="369332"/>
+          </a:xfrm>
+          <a:prstGeom prst="rect">
+            <a:avLst/>
+          </a:prstGeom>
+          <a:noFill/>
+        </p:spPr>
+        <p:txBody>
+          <a:bodyPr wrap="square" rtlCol="0">
+            <a:spAutoFit/>
+          </a:bodyPr>
+          <a:lstStyle/>
+          <a:p>
+            <a:pPr algn="ctr"/>
+            <a:r>
+              <a:rPr lang="hu-HU" dirty="0" err="1"/>
+              <a:t>Danger</a:t>
+            </a:r>
+            <a:r>
+              <a:rPr lang="hu-HU" dirty="0"/>
+              <a:t> </a:t>
+            </a:r>
+            <a:r>
+              <a:rPr lang="hu-HU" dirty="0" err="1"/>
+              <a:t>direction</a:t>
+            </a:r>
+            <a:r>
+              <a:rPr lang="hu-HU" dirty="0"/>
+              <a:t> line modell</a:t>
+            </a:r>
+          </a:p>
+        </p:txBody>
+      </p:sp>
+    </p:spTree>
+    <p:extLst>
+      <p:ext uri="{BB962C8B-B14F-4D97-AF65-F5344CB8AC3E}">
+        <p14:creationId xmlns:p14="http://schemas.microsoft.com/office/powerpoint/2010/main" val="2941192732"/>
+      </p:ext>
+    </p:extLst>
+  </p:cSld>
+  <p:clrMapOvr>
+    <a:masterClrMapping/>
+  </p:clrMapOvr>
+</p:sld>
+</file>
+
+<file path=ppt/slides/slide7.xml><?xml version="1.0" encoding="utf-8"?>
+<p:sld xmlns:a="http://schemas.openxmlformats.org/drawingml/2006/main" xmlns:r="http://schemas.openxmlformats.org/officeDocument/2006/relationships" xmlns:p="http://schemas.openxmlformats.org/presentationml/2006/main">
+  <p:cSld>
+    <p:bg>
+      <p:bgPr>
+        <a:solidFill>
+          <a:schemeClr val="bg1"/>
+        </a:solidFill>
+        <a:effectLst/>
+      </p:bgPr>
+    </p:bg>
+    <p:spTree>
+      <p:nvGrpSpPr>
+        <p:cNvPr id="1" name=""/>
+        <p:cNvGrpSpPr/>
+        <p:nvPr/>
+      </p:nvGrpSpPr>
+      <p:grpSpPr>
+        <a:xfrm>
+          <a:off x="0" y="0"/>
+          <a:ext cx="0" cy="0"/>
+          <a:chOff x="0" y="0"/>
+          <a:chExt cx="0" cy="0"/>
+        </a:xfrm>
+      </p:grpSpPr>
+      <p:sp useBgFill="1">
+        <p:nvSpPr>
+          <p:cNvPr id="29" name="Rectangle 28">
+            <a:extLst>
+              <a:ext uri="{FF2B5EF4-FFF2-40B4-BE49-F238E27FC236}">
+                <a16:creationId xmlns:a16="http://schemas.microsoft.com/office/drawing/2014/main" id="{70155189-D96C-4527-B0EC-654B946BE615}"/>
+              </a:ext>
+              <a:ext uri="{C183D7F6-B498-43B3-948B-1728B52AA6E4}">
+                <adec:decorative xmlns:adec="http://schemas.microsoft.com/office/drawing/2017/decorative" val="1"/>
+              </a:ext>
+            </a:extLst>
+          </p:cNvPr>
+          <p:cNvSpPr>
+            <a:spLocks noGrp="1" noRot="1" noChangeAspect="1" noMove="1" noResize="1" noEditPoints="1" noAdjustHandles="1" noChangeArrowheads="1" noChangeShapeType="1" noTextEdit="1"/>
+          </p:cNvSpPr>
+          <p:nvPr>
+            <p:extLst>
+              <p:ext uri="{386F3935-93C4-4BCD-93E2-E3B085C9AB24}">
+                <p16:designElem xmlns:p16="http://schemas.microsoft.com/office/powerpoint/2015/main" val="1"/>
+              </p:ext>
+            </p:extLst>
+          </p:nvPr>
+        </p:nvSpPr>
+        <p:spPr>
+          <a:xfrm>
+            <a:off x="-1" y="0"/>
+            <a:ext cx="12188952" cy="6858000"/>
+          </a:xfrm>
+          <a:prstGeom prst="rect">
+            <a:avLst/>
+          </a:prstGeom>
+          <a:ln>
+            <a:noFill/>
+          </a:ln>
+        </p:spPr>
+        <p:style>
+          <a:lnRef idx="2">
+            <a:schemeClr val="accent1">
+              <a:shade val="50000"/>
+            </a:schemeClr>
+          </a:lnRef>
+          <a:fillRef idx="1">
+            <a:schemeClr val="accent1"/>
+          </a:fillRef>
+          <a:effectRef idx="0">
+            <a:schemeClr val="accent1"/>
+          </a:effectRef>
+          <a:fontRef idx="minor">
+            <a:schemeClr val="lt1"/>
+          </a:fontRef>
+        </p:style>
+        <p:txBody>
+          <a:bodyPr rtlCol="0" anchor="ctr"/>
+          <a:lstStyle/>
+          <a:p>
+            <a:pPr algn="ctr"/>
+            <a:endParaRPr lang="en-US"/>
+          </a:p>
+        </p:txBody>
+      </p:sp>
+      <p:sp>
+        <p:nvSpPr>
+          <p:cNvPr id="2" name="Cím 1">
+            <a:extLst>
+              <a:ext uri="{FF2B5EF4-FFF2-40B4-BE49-F238E27FC236}">
+                <a16:creationId xmlns:a16="http://schemas.microsoft.com/office/drawing/2014/main" id="{19770EDE-73AE-49DC-8661-E1E45D9C081C}"/>
+              </a:ext>
+            </a:extLst>
+          </p:cNvPr>
+          <p:cNvSpPr>
+            <a:spLocks noGrp="1"/>
+          </p:cNvSpPr>
+          <p:nvPr>
+            <p:ph type="title"/>
+          </p:nvPr>
+        </p:nvSpPr>
+        <p:spPr>
+          <a:xfrm>
+            <a:off x="1198181" y="557189"/>
+            <a:ext cx="9795637" cy="1104857"/>
+          </a:xfrm>
+        </p:spPr>
+        <p:txBody>
+          <a:bodyPr vert="horz" lIns="91440" tIns="45720" rIns="91440" bIns="45720" rtlCol="0" anchor="b">
+            <a:normAutofit fontScale="90000"/>
+          </a:bodyPr>
+          <a:lstStyle/>
+          <a:p>
+            <a:pPr algn="ctr"/>
+            <a:r>
+              <a:rPr lang="hu-HU" sz="4000" dirty="0"/>
+              <a:t>Fal nélküli</a:t>
+            </a:r>
+            <a:r>
+              <a:rPr lang="en-US" sz="4000" dirty="0"/>
+              <a:t> </a:t>
+            </a:r>
+            <a:r>
+              <a:rPr lang="en-US" sz="4000" dirty="0" err="1"/>
+              <a:t>verzió</a:t>
+            </a:r>
+            <a:r>
+              <a:rPr lang="en-US" sz="4000" dirty="0"/>
+              <a:t> </a:t>
+            </a:r>
+            <a:r>
+              <a:rPr lang="en-US" sz="4000" dirty="0" err="1"/>
+              <a:t>eredménye</a:t>
+            </a:r>
+            <a:r>
+              <a:rPr lang="en-US" sz="4000" dirty="0"/>
+              <a:t> </a:t>
+            </a:r>
+            <a:r>
+              <a:rPr lang="en-US" sz="4000" dirty="0" err="1"/>
+              <a:t>különböző</a:t>
+            </a:r>
+            <a:r>
+              <a:rPr lang="en-US" sz="4000" dirty="0"/>
+              <a:t> </a:t>
+            </a:r>
+            <a:r>
+              <a:rPr lang="en-US" sz="4000" dirty="0" err="1"/>
+              <a:t>állapotokra</a:t>
+            </a:r>
+            <a:endParaRPr lang="en-US" sz="4000" dirty="0"/>
+          </a:p>
+        </p:txBody>
+      </p:sp>
+      <p:pic>
+        <p:nvPicPr>
+          <p:cNvPr id="24" name="Kép 23">
+            <a:extLst>
+              <a:ext uri="{FF2B5EF4-FFF2-40B4-BE49-F238E27FC236}">
+                <a16:creationId xmlns:a16="http://schemas.microsoft.com/office/drawing/2014/main" id="{7A9B55F5-C5A4-4152-AF98-EEA46328A587}"/>
+              </a:ext>
+            </a:extLst>
+          </p:cNvPr>
+          <p:cNvPicPr>
+            <a:picLocks noChangeAspect="1"/>
+          </p:cNvPicPr>
+          <p:nvPr/>
+        </p:nvPicPr>
+        <p:blipFill>
+          <a:blip r:embed="rId2">
+            <a:extLst>
+              <a:ext uri="{28A0092B-C50C-407E-A947-70E740481C1C}">
+                <a14:useLocalDpi xmlns:a14="http://schemas.microsoft.com/office/drawing/2010/main" val="0"/>
+              </a:ext>
+            </a:extLst>
+          </a:blip>
+          <a:stretch>
+            <a:fillRect/>
+          </a:stretch>
+        </p:blipFill>
+        <p:spPr>
+          <a:xfrm>
+            <a:off x="194099" y="3342406"/>
+            <a:ext cx="3797536" cy="2401942"/>
+          </a:xfrm>
+          <a:prstGeom prst="rect">
+            <a:avLst/>
+          </a:prstGeom>
+        </p:spPr>
+      </p:pic>
+      <p:pic>
+        <p:nvPicPr>
+          <p:cNvPr id="20" name="Tartalom helye 19">
+            <a:extLst>
+              <a:ext uri="{FF2B5EF4-FFF2-40B4-BE49-F238E27FC236}">
+                <a16:creationId xmlns:a16="http://schemas.microsoft.com/office/drawing/2014/main" id="{D7336080-37A1-48A0-99C3-0CEABC36FDD0}"/>
+              </a:ext>
+            </a:extLst>
+          </p:cNvPr>
+          <p:cNvPicPr>
+            <a:picLocks noGrp="1" noChangeAspect="1"/>
+          </p:cNvPicPr>
+          <p:nvPr>
+            <p:ph idx="1"/>
+          </p:nvPr>
+        </p:nvPicPr>
+        <p:blipFill>
+          <a:blip r:embed="rId3">
+            <a:extLst>
+              <a:ext uri="{28A0092B-C50C-407E-A947-70E740481C1C}">
+                <a14:useLocalDpi xmlns:a14="http://schemas.microsoft.com/office/drawing/2010/main" val="0"/>
+              </a:ext>
+            </a:extLst>
+          </a:blip>
+          <a:stretch>
+            <a:fillRect/>
+          </a:stretch>
+        </p:blipFill>
+        <p:spPr>
+          <a:xfrm>
+            <a:off x="4193386" y="3361394"/>
+            <a:ext cx="3797536" cy="2363966"/>
+          </a:xfrm>
+          <a:prstGeom prst="rect">
+            <a:avLst/>
+          </a:prstGeom>
+        </p:spPr>
+      </p:pic>
+      <p:pic>
+        <p:nvPicPr>
+          <p:cNvPr id="22" name="Kép 21">
+            <a:extLst>
+              <a:ext uri="{FF2B5EF4-FFF2-40B4-BE49-F238E27FC236}">
+                <a16:creationId xmlns:a16="http://schemas.microsoft.com/office/drawing/2014/main" id="{3873B1B7-3040-42C7-847F-46B3ABA16B33}"/>
+              </a:ext>
+            </a:extLst>
+          </p:cNvPr>
+          <p:cNvPicPr>
+            <a:picLocks noChangeAspect="1"/>
+          </p:cNvPicPr>
+          <p:nvPr/>
+        </p:nvPicPr>
+        <p:blipFill>
+          <a:blip r:embed="rId4">
+            <a:extLst>
+              <a:ext uri="{28A0092B-C50C-407E-A947-70E740481C1C}">
+                <a14:useLocalDpi xmlns:a14="http://schemas.microsoft.com/office/drawing/2010/main" val="0"/>
+              </a:ext>
+            </a:extLst>
+          </a:blip>
+          <a:stretch>
+            <a:fillRect/>
+          </a:stretch>
+        </p:blipFill>
+        <p:spPr>
+          <a:xfrm>
+            <a:off x="8192673" y="3446839"/>
+            <a:ext cx="3797536" cy="2193076"/>
+          </a:xfrm>
+          <a:prstGeom prst="rect">
+            <a:avLst/>
+          </a:prstGeom>
+        </p:spPr>
+      </p:pic>
+      <p:sp>
+        <p:nvSpPr>
+          <p:cNvPr id="26" name="Szövegdoboz 25">
+            <a:extLst>
+              <a:ext uri="{FF2B5EF4-FFF2-40B4-BE49-F238E27FC236}">
+                <a16:creationId xmlns:a16="http://schemas.microsoft.com/office/drawing/2014/main" id="{B1732B3E-1272-42EF-8FF5-9A2C45810A01}"/>
+              </a:ext>
+            </a:extLst>
+          </p:cNvPr>
+          <p:cNvSpPr txBox="1"/>
+          <p:nvPr/>
+        </p:nvSpPr>
+        <p:spPr>
+          <a:xfrm>
+            <a:off x="573485" y="3019240"/>
+            <a:ext cx="3038764" cy="646331"/>
+          </a:xfrm>
+          <a:prstGeom prst="rect">
+            <a:avLst/>
+          </a:prstGeom>
+          <a:noFill/>
+        </p:spPr>
+        <p:txBody>
+          <a:bodyPr wrap="square" rtlCol="0">
+            <a:spAutoFit/>
+          </a:bodyPr>
+          <a:lstStyle/>
+          <a:p>
+            <a:pPr algn="ctr"/>
+            <a:r>
+              <a:rPr lang="hu-HU" dirty="0" err="1"/>
+              <a:t>Danger</a:t>
+            </a:r>
+            <a:r>
+              <a:rPr lang="hu-HU" dirty="0"/>
+              <a:t> </a:t>
+            </a:r>
+            <a:r>
+              <a:rPr lang="hu-HU" dirty="0" err="1"/>
+              <a:t>direction</a:t>
+            </a:r>
+            <a:r>
+              <a:rPr lang="hu-HU" dirty="0"/>
+              <a:t> line modell</a:t>
+            </a:r>
+          </a:p>
+          <a:p>
+            <a:pPr algn="ctr"/>
+            <a:endParaRPr lang="hu-HU" dirty="0"/>
+          </a:p>
+        </p:txBody>
+      </p:sp>
+      <p:sp>
+        <p:nvSpPr>
+          <p:cNvPr id="27" name="Szövegdoboz 26">
+            <a:extLst>
+              <a:ext uri="{FF2B5EF4-FFF2-40B4-BE49-F238E27FC236}">
+                <a16:creationId xmlns:a16="http://schemas.microsoft.com/office/drawing/2014/main" id="{CA1104A1-F1ED-492F-87CC-0633BF88C481}"/>
+              </a:ext>
+            </a:extLst>
+          </p:cNvPr>
+          <p:cNvSpPr txBox="1"/>
+          <p:nvPr/>
+        </p:nvSpPr>
+        <p:spPr>
+          <a:xfrm>
+            <a:off x="8570554" y="3019649"/>
+            <a:ext cx="3038764" cy="369332"/>
+          </a:xfrm>
+          <a:prstGeom prst="rect">
+            <a:avLst/>
+          </a:prstGeom>
+          <a:noFill/>
+        </p:spPr>
+        <p:txBody>
+          <a:bodyPr wrap="square" rtlCol="0">
+            <a:spAutoFit/>
+          </a:bodyPr>
+          <a:lstStyle/>
+          <a:p>
+            <a:pPr algn="ctr"/>
+            <a:r>
+              <a:rPr lang="hu-HU" dirty="0"/>
+              <a:t>Eredeti modell</a:t>
+            </a:r>
+          </a:p>
+        </p:txBody>
+      </p:sp>
+      <p:sp>
+        <p:nvSpPr>
+          <p:cNvPr id="28" name="Szövegdoboz 27">
+            <a:extLst>
+              <a:ext uri="{FF2B5EF4-FFF2-40B4-BE49-F238E27FC236}">
+                <a16:creationId xmlns:a16="http://schemas.microsoft.com/office/drawing/2014/main" id="{693237E1-8111-4C34-81FD-D84D519FE14B}"/>
+              </a:ext>
+            </a:extLst>
+          </p:cNvPr>
+          <p:cNvSpPr txBox="1"/>
+          <p:nvPr/>
+        </p:nvSpPr>
+        <p:spPr>
+          <a:xfrm>
+            <a:off x="4448119" y="3019649"/>
+            <a:ext cx="3288069" cy="369332"/>
+          </a:xfrm>
+          <a:prstGeom prst="rect">
+            <a:avLst/>
+          </a:prstGeom>
+          <a:noFill/>
+        </p:spPr>
+        <p:txBody>
+          <a:bodyPr wrap="square" rtlCol="0">
+            <a:spAutoFit/>
+          </a:bodyPr>
+          <a:lstStyle/>
+          <a:p>
+            <a:pPr algn="ctr"/>
+            <a:r>
+              <a:rPr lang="hu-HU" dirty="0" err="1"/>
+              <a:t>Rectangle</a:t>
+            </a:r>
+            <a:r>
+              <a:rPr lang="hu-HU" dirty="0"/>
+              <a:t> </a:t>
+            </a:r>
+            <a:r>
+              <a:rPr lang="hu-HU" dirty="0" err="1"/>
+              <a:t>neighborhood</a:t>
+            </a:r>
+            <a:r>
+              <a:rPr lang="hu-HU" dirty="0"/>
+              <a:t> modell</a:t>
+            </a:r>
+          </a:p>
+        </p:txBody>
+      </p:sp>
+    </p:spTree>
+    <p:extLst>
+      <p:ext uri="{BB962C8B-B14F-4D97-AF65-F5344CB8AC3E}">
+        <p14:creationId xmlns:p14="http://schemas.microsoft.com/office/powerpoint/2010/main" val="2862819139"/>
+      </p:ext>
+    </p:extLst>
+  </p:cSld>
+  <p:clrMapOvr>
+    <a:masterClrMapping/>
+  </p:clrMapOvr>
+</p:sld>
+</file>
+
+<file path=ppt/slides/slide8.xml><?xml version="1.0" encoding="utf-8"?>
+<p:sld xmlns:a="http://schemas.openxmlformats.org/drawingml/2006/main" xmlns:r="http://schemas.openxmlformats.org/officeDocument/2006/relationships" xmlns:p="http://schemas.openxmlformats.org/presentationml/2006/main">
+  <p:cSld>
+    <p:spTree>
+      <p:nvGrpSpPr>
+        <p:cNvPr id="1" name=""/>
+        <p:cNvGrpSpPr/>
+        <p:nvPr/>
+      </p:nvGrpSpPr>
+      <p:grpSpPr>
+        <a:xfrm>
+          <a:off x="0" y="0"/>
+          <a:ext cx="0" cy="0"/>
+          <a:chOff x="0" y="0"/>
+          <a:chExt cx="0" cy="0"/>
+        </a:xfrm>
+      </p:grpSpPr>
+      <p:sp>
+        <p:nvSpPr>
+          <p:cNvPr id="2" name="Cím 1">
+            <a:extLst>
+              <a:ext uri="{FF2B5EF4-FFF2-40B4-BE49-F238E27FC236}">
+                <a16:creationId xmlns:a16="http://schemas.microsoft.com/office/drawing/2014/main" id="{CE215B27-1338-46AB-9D19-6D70509B3D6A}"/>
+              </a:ext>
+            </a:extLst>
+          </p:cNvPr>
+          <p:cNvSpPr>
+            <a:spLocks noGrp="1"/>
+          </p:cNvSpPr>
+          <p:nvPr>
+            <p:ph type="title"/>
+          </p:nvPr>
+        </p:nvSpPr>
+        <p:spPr/>
+        <p:txBody>
+          <a:bodyPr/>
+          <a:lstStyle/>
+          <a:p>
+            <a:r>
+              <a:rPr lang="hu-HU" dirty="0"/>
+              <a:t>2 ételes verzió</a:t>
+            </a:r>
+          </a:p>
+        </p:txBody>
+      </p:sp>
+      <p:sp>
+        <p:nvSpPr>
+          <p:cNvPr id="3" name="Tartalom helye 2">
+            <a:extLst>
+              <a:ext uri="{FF2B5EF4-FFF2-40B4-BE49-F238E27FC236}">
+                <a16:creationId xmlns:a16="http://schemas.microsoft.com/office/drawing/2014/main" id="{4D22B604-8323-4731-BA4D-13CF169F99A6}"/>
+              </a:ext>
+            </a:extLst>
+          </p:cNvPr>
+          <p:cNvSpPr>
+            <a:spLocks noGrp="1"/>
+          </p:cNvSpPr>
+          <p:nvPr>
+            <p:ph idx="1"/>
+          </p:nvPr>
+        </p:nvSpPr>
+        <p:spPr/>
+        <p:txBody>
+          <a:bodyPr>
+            <a:normAutofit/>
+          </a:bodyPr>
+          <a:lstStyle/>
+          <a:p>
+            <a:r>
+              <a:rPr lang="hu-HU" sz="2400" dirty="0"/>
+              <a:t>Mivel ennek az állapotában külön meg kell adni mindkét ételtől való távolságát nehezebb lett volna módosítani</a:t>
+            </a:r>
+          </a:p>
+          <a:p>
+            <a:r>
+              <a:rPr lang="hu-HU" sz="2400" dirty="0"/>
+              <a:t>Pontszám szempontjából sem volt jelentős eltérés az eredetiverzióhoz képest</a:t>
+            </a:r>
+          </a:p>
+        </p:txBody>
+      </p:sp>
+      <p:pic>
+        <p:nvPicPr>
+          <p:cNvPr id="5" name="Kép 4">
+            <a:extLst>
+              <a:ext uri="{FF2B5EF4-FFF2-40B4-BE49-F238E27FC236}">
+                <a16:creationId xmlns:a16="http://schemas.microsoft.com/office/drawing/2014/main" id="{78357BD0-3745-4622-B6DD-928245596C2A}"/>
+              </a:ext>
+            </a:extLst>
+          </p:cNvPr>
+          <p:cNvPicPr>
+            <a:picLocks noChangeAspect="1"/>
+          </p:cNvPicPr>
+          <p:nvPr/>
+        </p:nvPicPr>
+        <p:blipFill>
+          <a:blip r:embed="rId2">
+            <a:extLst>
+              <a:ext uri="{28A0092B-C50C-407E-A947-70E740481C1C}">
+                <a14:useLocalDpi xmlns:a14="http://schemas.microsoft.com/office/drawing/2010/main" val="0"/>
+              </a:ext>
+            </a:extLst>
+          </a:blip>
+          <a:stretch>
+            <a:fillRect/>
+          </a:stretch>
+        </p:blipFill>
+        <p:spPr>
+          <a:xfrm>
+            <a:off x="2531739" y="3127241"/>
+            <a:ext cx="5852172" cy="3730759"/>
+          </a:xfrm>
+          <a:prstGeom prst="rect">
+            <a:avLst/>
+          </a:prstGeom>
+        </p:spPr>
+      </p:pic>
+    </p:spTree>
+    <p:extLst>
+      <p:ext uri="{BB962C8B-B14F-4D97-AF65-F5344CB8AC3E}">
+        <p14:creationId xmlns:p14="http://schemas.microsoft.com/office/powerpoint/2010/main" val="317494579"/>
+      </p:ext>
+    </p:extLst>
+  </p:cSld>
+  <p:clrMapOvr>
+    <a:masterClrMapping/>
+  </p:clrMapOvr>
+</p:sld>
+</file>
+
+<file path=ppt/slides/slide9.xml><?xml version="1.0" encoding="utf-8"?>
+<p:sld xmlns:a="http://schemas.openxmlformats.org/drawingml/2006/main" xmlns:r="http://schemas.openxmlformats.org/officeDocument/2006/relationships" xmlns:p="http://schemas.openxmlformats.org/presentationml/2006/main">
+  <p:cSld>
+    <p:spTree>
+      <p:nvGrpSpPr>
+        <p:cNvPr id="1" name=""/>
+        <p:cNvGrpSpPr/>
+        <p:nvPr/>
+      </p:nvGrpSpPr>
+      <p:grpSpPr>
+        <a:xfrm>
+          <a:off x="0" y="0"/>
+          <a:ext cx="0" cy="0"/>
+          <a:chOff x="0" y="0"/>
+          <a:chExt cx="0" cy="0"/>
+        </a:xfrm>
+      </p:grpSpPr>
+      <p:sp>
+        <p:nvSpPr>
+          <p:cNvPr id="2" name="Cím 1">
+            <a:extLst>
+              <a:ext uri="{FF2B5EF4-FFF2-40B4-BE49-F238E27FC236}">
+                <a16:creationId xmlns:a16="http://schemas.microsoft.com/office/drawing/2014/main" id="{264D4E31-7FC6-4006-A96C-36223843EECF}"/>
+              </a:ext>
+            </a:extLst>
+          </p:cNvPr>
+          <p:cNvSpPr>
+            <a:spLocks noGrp="1"/>
+          </p:cNvSpPr>
+          <p:nvPr>
+            <p:ph type="title"/>
+          </p:nvPr>
+        </p:nvSpPr>
+        <p:spPr/>
+        <p:txBody>
+          <a:bodyPr/>
+          <a:lstStyle/>
+          <a:p>
+            <a:r>
+              <a:rPr lang="hu-HU" dirty="0" err="1"/>
+              <a:t>Reward</a:t>
+            </a:r>
+            <a:r>
+              <a:rPr lang="hu-HU" dirty="0"/>
+              <a:t> értékek változtatása</a:t>
+            </a:r>
+          </a:p>
+        </p:txBody>
+      </p:sp>
+      <p:pic>
+        <p:nvPicPr>
+          <p:cNvPr id="5" name="Tartalom helye 4">
+            <a:extLst>
+              <a:ext uri="{FF2B5EF4-FFF2-40B4-BE49-F238E27FC236}">
+                <a16:creationId xmlns:a16="http://schemas.microsoft.com/office/drawing/2014/main" id="{809759A9-E646-418B-A673-6D38CFE41681}"/>
+              </a:ext>
+            </a:extLst>
+          </p:cNvPr>
+          <p:cNvPicPr>
+            <a:picLocks noGrp="1" noChangeAspect="1"/>
+          </p:cNvPicPr>
+          <p:nvPr>
+            <p:ph idx="1"/>
+          </p:nvPr>
+        </p:nvPicPr>
+        <p:blipFill>
+          <a:blip r:embed="rId2">
+            <a:extLst>
+              <a:ext uri="{28A0092B-C50C-407E-A947-70E740481C1C}">
+                <a14:useLocalDpi xmlns:a14="http://schemas.microsoft.com/office/drawing/2010/main" val="0"/>
+              </a:ext>
+            </a:extLst>
+          </a:blip>
+          <a:stretch>
+            <a:fillRect/>
+          </a:stretch>
+        </p:blipFill>
+        <p:spPr>
+          <a:xfrm>
+            <a:off x="4056589" y="3752852"/>
+            <a:ext cx="4140198" cy="3105148"/>
+          </a:xfrm>
+        </p:spPr>
+      </p:pic>
+      <p:pic>
+        <p:nvPicPr>
+          <p:cNvPr id="7" name="Kép 6">
+            <a:extLst>
+              <a:ext uri="{FF2B5EF4-FFF2-40B4-BE49-F238E27FC236}">
+                <a16:creationId xmlns:a16="http://schemas.microsoft.com/office/drawing/2014/main" id="{7641B002-1875-468C-8D24-EF71E293162B}"/>
+              </a:ext>
+            </a:extLst>
+          </p:cNvPr>
+          <p:cNvPicPr>
+            <a:picLocks noChangeAspect="1"/>
+          </p:cNvPicPr>
+          <p:nvPr/>
+        </p:nvPicPr>
+        <p:blipFill>
+          <a:blip r:embed="rId3">
+            <a:extLst>
+              <a:ext uri="{28A0092B-C50C-407E-A947-70E740481C1C}">
+                <a14:useLocalDpi xmlns:a14="http://schemas.microsoft.com/office/drawing/2010/main" val="0"/>
+              </a:ext>
+            </a:extLst>
+          </a:blip>
+          <a:stretch>
+            <a:fillRect/>
+          </a:stretch>
+        </p:blipFill>
+        <p:spPr>
+          <a:xfrm>
+            <a:off x="0" y="3752850"/>
+            <a:ext cx="4140199" cy="3105150"/>
+          </a:xfrm>
+          <a:prstGeom prst="rect">
+            <a:avLst/>
+          </a:prstGeom>
+        </p:spPr>
+      </p:pic>
+      <p:pic>
+        <p:nvPicPr>
+          <p:cNvPr id="9" name="Kép 8">
+            <a:extLst>
+              <a:ext uri="{FF2B5EF4-FFF2-40B4-BE49-F238E27FC236}">
+                <a16:creationId xmlns:a16="http://schemas.microsoft.com/office/drawing/2014/main" id="{AF6FCB43-16A1-4410-83CA-2AF601F36B01}"/>
+              </a:ext>
+            </a:extLst>
+          </p:cNvPr>
+          <p:cNvPicPr>
+            <a:picLocks noChangeAspect="1"/>
+          </p:cNvPicPr>
+          <p:nvPr/>
+        </p:nvPicPr>
+        <p:blipFill>
+          <a:blip r:embed="rId4">
+            <a:extLst>
+              <a:ext uri="{28A0092B-C50C-407E-A947-70E740481C1C}">
+                <a14:useLocalDpi xmlns:a14="http://schemas.microsoft.com/office/drawing/2010/main" val="0"/>
+              </a:ext>
+            </a:extLst>
+          </a:blip>
+          <a:stretch>
+            <a:fillRect/>
+          </a:stretch>
+        </p:blipFill>
+        <p:spPr>
+          <a:xfrm>
+            <a:off x="8051801" y="3752850"/>
+            <a:ext cx="4140199" cy="3105150"/>
+          </a:xfrm>
+          <a:prstGeom prst="rect">
+            <a:avLst/>
+          </a:prstGeom>
+        </p:spPr>
+      </p:pic>
+      <p:sp>
+        <p:nvSpPr>
+          <p:cNvPr id="11" name="Szövegdoboz 10">
+            <a:extLst>
+              <a:ext uri="{FF2B5EF4-FFF2-40B4-BE49-F238E27FC236}">
+                <a16:creationId xmlns:a16="http://schemas.microsoft.com/office/drawing/2014/main" id="{4A84A36F-7D85-499C-8EFD-7BE25CE11E72}"/>
+              </a:ext>
+            </a:extLst>
+          </p:cNvPr>
+          <p:cNvSpPr txBox="1"/>
+          <p:nvPr/>
+        </p:nvSpPr>
+        <p:spPr>
+          <a:xfrm>
+            <a:off x="665161" y="3516868"/>
+            <a:ext cx="2809875" cy="369332"/>
+          </a:xfrm>
+          <a:prstGeom prst="rect">
+            <a:avLst/>
+          </a:prstGeom>
+          <a:noFill/>
+        </p:spPr>
+        <p:txBody>
+          <a:bodyPr wrap="square" rtlCol="0">
+            <a:spAutoFit/>
+          </a:bodyPr>
+          <a:lstStyle/>
+          <a:p>
+            <a:pPr algn="ctr"/>
+            <a:r>
+              <a:rPr lang="hu-HU" dirty="0"/>
+              <a:t>Standard </a:t>
+            </a:r>
+            <a:r>
+              <a:rPr lang="hu-HU" dirty="0" err="1"/>
+              <a:t>reward</a:t>
+            </a:r>
+            <a:r>
+              <a:rPr lang="hu-HU" dirty="0"/>
+              <a:t> értékek</a:t>
+            </a:r>
+          </a:p>
+        </p:txBody>
+      </p:sp>
+      <p:sp>
+        <p:nvSpPr>
+          <p:cNvPr id="12" name="Szövegdoboz 11">
+            <a:extLst>
+              <a:ext uri="{FF2B5EF4-FFF2-40B4-BE49-F238E27FC236}">
+                <a16:creationId xmlns:a16="http://schemas.microsoft.com/office/drawing/2014/main" id="{D4DE5C73-C9C9-49E4-A2F1-2003511D80E0}"/>
+              </a:ext>
+            </a:extLst>
+          </p:cNvPr>
+          <p:cNvSpPr txBox="1"/>
+          <p:nvPr/>
+        </p:nvSpPr>
+        <p:spPr>
+          <a:xfrm>
+            <a:off x="4533415" y="3516868"/>
+            <a:ext cx="3186546" cy="369332"/>
+          </a:xfrm>
+          <a:prstGeom prst="rect">
+            <a:avLst/>
+          </a:prstGeom>
+          <a:noFill/>
+        </p:spPr>
+        <p:txBody>
+          <a:bodyPr wrap="square" rtlCol="0">
+            <a:spAutoFit/>
+          </a:bodyPr>
+          <a:lstStyle/>
+          <a:p>
+            <a:pPr algn="ctr"/>
+            <a:r>
+              <a:rPr lang="hu-HU" dirty="0"/>
+              <a:t>Jutalom 100, </a:t>
+            </a:r>
+            <a:r>
+              <a:rPr lang="hu-HU" dirty="0" err="1"/>
+              <a:t>bűntetés</a:t>
+            </a:r>
+            <a:r>
+              <a:rPr lang="hu-HU" dirty="0"/>
+              <a:t> -10</a:t>
+            </a:r>
+          </a:p>
+        </p:txBody>
+      </p:sp>
+      <p:sp>
+        <p:nvSpPr>
+          <p:cNvPr id="13" name="Szövegdoboz 12">
+            <a:extLst>
+              <a:ext uri="{FF2B5EF4-FFF2-40B4-BE49-F238E27FC236}">
+                <a16:creationId xmlns:a16="http://schemas.microsoft.com/office/drawing/2014/main" id="{107009AB-88F7-4653-9DCA-1C88753AD357}"/>
+              </a:ext>
+            </a:extLst>
+          </p:cNvPr>
+          <p:cNvSpPr txBox="1"/>
+          <p:nvPr/>
+        </p:nvSpPr>
+        <p:spPr>
+          <a:xfrm>
+            <a:off x="8459354" y="3516868"/>
+            <a:ext cx="3325091" cy="369332"/>
+          </a:xfrm>
+          <a:prstGeom prst="rect">
+            <a:avLst/>
+          </a:prstGeom>
+          <a:noFill/>
+        </p:spPr>
+        <p:txBody>
+          <a:bodyPr wrap="square" rtlCol="0">
+            <a:spAutoFit/>
+          </a:bodyPr>
+          <a:lstStyle/>
+          <a:p>
+            <a:pPr algn="ctr"/>
+            <a:r>
+              <a:rPr lang="hu-HU" dirty="0" err="1"/>
+              <a:t>Jut_vmi</a:t>
+            </a:r>
+            <a:endParaRPr lang="hu-HU" dirty="0"/>
+          </a:p>
+        </p:txBody>
+      </p:sp>
+      <p:sp>
+        <p:nvSpPr>
+          <p:cNvPr id="14" name="Szövegdoboz 13">
+            <a:extLst>
+              <a:ext uri="{FF2B5EF4-FFF2-40B4-BE49-F238E27FC236}">
+                <a16:creationId xmlns:a16="http://schemas.microsoft.com/office/drawing/2014/main" id="{06560D3D-DE77-417A-A80C-5E4D73C37232}"/>
+              </a:ext>
+            </a:extLst>
+          </p:cNvPr>
+          <p:cNvSpPr txBox="1"/>
+          <p:nvPr/>
+        </p:nvSpPr>
+        <p:spPr>
+          <a:xfrm>
+            <a:off x="665161" y="1450109"/>
+            <a:ext cx="10991130" cy="1938992"/>
+          </a:xfrm>
+          <a:prstGeom prst="rect">
+            <a:avLst/>
+          </a:prstGeom>
+          <a:noFill/>
+        </p:spPr>
+        <p:txBody>
+          <a:bodyPr wrap="square" rtlCol="0">
+            <a:spAutoFit/>
+          </a:bodyPr>
+          <a:lstStyle/>
+          <a:p>
+            <a:pPr marL="285750" indent="-285750">
+              <a:buFont typeface="Arial" panose="020B0604020202020204" pitchFamily="34" charset="0"/>
+              <a:buChar char="•"/>
+            </a:pPr>
+            <a:r>
+              <a:rPr lang="hu-HU" sz="2400" dirty="0"/>
+              <a:t>Standard </a:t>
+            </a:r>
+            <a:r>
+              <a:rPr lang="hu-HU" sz="2400" dirty="0" err="1"/>
+              <a:t>reward</a:t>
+            </a:r>
+            <a:r>
+              <a:rPr lang="hu-HU" sz="2400" dirty="0"/>
+              <a:t> értékek: 10-t kap, ha összeszed egy ételt, 0-t ha nem történi semmi, és -10-t ha meghal</a:t>
+            </a:r>
+          </a:p>
+          <a:p>
+            <a:pPr marL="285750" indent="-285750">
+              <a:buFont typeface="Arial" panose="020B0604020202020204" pitchFamily="34" charset="0"/>
+              <a:buChar char="•"/>
+            </a:pPr>
+            <a:r>
+              <a:rPr lang="hu-HU" sz="2400" dirty="0"/>
+              <a:t>Ezt próbáltuk különböző féle </a:t>
+            </a:r>
+            <a:r>
+              <a:rPr lang="hu-HU" sz="2400" dirty="0" err="1"/>
+              <a:t>képpen</a:t>
+            </a:r>
+            <a:r>
+              <a:rPr lang="hu-HU" sz="2400" dirty="0"/>
+              <a:t> módosítgatni, azonban egyik változtatással sem értünk el nagyobb javulást az eredeti értékeknél </a:t>
+            </a:r>
+            <a:r>
+              <a:rPr lang="hu-HU" sz="2400" dirty="0">
+                <a:sym typeface="Wingdings" panose="05000000000000000000" pitchFamily="2" charset="2"/>
+              </a:rPr>
+              <a:t> finom hangolásra jó</a:t>
+            </a:r>
+          </a:p>
+          <a:p>
+            <a:pPr marL="285750" indent="-285750">
+              <a:buFont typeface="Arial" panose="020B0604020202020204" pitchFamily="34" charset="0"/>
+              <a:buChar char="•"/>
+            </a:pPr>
+            <a:r>
+              <a:rPr lang="hu-HU" sz="2400" dirty="0">
+                <a:sym typeface="Wingdings" panose="05000000000000000000" pitchFamily="2" charset="2"/>
+              </a:rPr>
+              <a:t>Amiket próbáltunk: 2. kép; minden lépés -1; szét szedve két ütközés fajtát</a:t>
+            </a:r>
+            <a:endParaRPr lang="hu-HU" sz="2400" dirty="0"/>
+          </a:p>
+        </p:txBody>
+      </p:sp>
+    </p:spTree>
+    <p:extLst>
+      <p:ext uri="{BB962C8B-B14F-4D97-AF65-F5344CB8AC3E}">
+        <p14:creationId xmlns:p14="http://schemas.microsoft.com/office/powerpoint/2010/main" val="2439524180"/>
       </p:ext>
     </p:extLst>
   </p:cSld>

--- a/Projektmunka_KarlJanos_KunMatyas.pptx
+++ b/Projektmunka_KarlJanos_KunMatyas.pptx
@@ -9,14 +9,16 @@
     <p:sldId id="257" r:id="rId3"/>
     <p:sldId id="258" r:id="rId4"/>
     <p:sldId id="259" r:id="rId5"/>
-    <p:sldId id="260" r:id="rId6"/>
-    <p:sldId id="261" r:id="rId7"/>
-    <p:sldId id="262" r:id="rId8"/>
-    <p:sldId id="263" r:id="rId9"/>
-    <p:sldId id="264" r:id="rId10"/>
-    <p:sldId id="265" r:id="rId11"/>
-    <p:sldId id="266" r:id="rId12"/>
-    <p:sldId id="267" r:id="rId13"/>
+    <p:sldId id="268" r:id="rId6"/>
+    <p:sldId id="260" r:id="rId7"/>
+    <p:sldId id="261" r:id="rId8"/>
+    <p:sldId id="262" r:id="rId9"/>
+    <p:sldId id="263" r:id="rId10"/>
+    <p:sldId id="264" r:id="rId11"/>
+    <p:sldId id="265" r:id="rId12"/>
+    <p:sldId id="266" r:id="rId13"/>
+    <p:sldId id="267" r:id="rId14"/>
+    <p:sldId id="269" r:id="rId15"/>
   </p:sldIdLst>
   <p:sldSz cx="12192000" cy="6858000"/>
   <p:notesSz cx="6858000" cy="9144000"/>
@@ -115,6 +117,11 @@
       </a:defRPr>
     </a:lvl9pPr>
   </p:defaultTextStyle>
+  <p:extLst>
+    <p:ext uri="{EFAFB233-063F-42B5-8137-9DF3F51BA10A}">
+      <p15:sldGuideLst xmlns:p15="http://schemas.microsoft.com/office/powerpoint/2012/main"/>
+    </p:ext>
+  </p:extLst>
 </p:presentation>
 </file>
 
@@ -3450,7 +3457,7 @@
           <p:cNvPr id="2" name="Cím 1">
             <a:extLst>
               <a:ext uri="{FF2B5EF4-FFF2-40B4-BE49-F238E27FC236}">
-                <a16:creationId xmlns:a16="http://schemas.microsoft.com/office/drawing/2014/main" id="{26804469-777E-4F59-89B5-AE6059AF24C6}"/>
+                <a16:creationId xmlns:a16="http://schemas.microsoft.com/office/drawing/2014/main" id="{264D4E31-7FC6-4006-A96C-36223843EECF}"/>
               </a:ext>
             </a:extLst>
           </p:cNvPr>
@@ -3468,108 +3475,333 @@
           <a:p>
             <a:r>
               <a:rPr lang="hu-HU" dirty="0" err="1"/>
-              <a:t>Konvolúciós</a:t>
+              <a:t>Reward</a:t>
             </a:r>
             <a:r>
               <a:rPr lang="hu-HU" dirty="0"/>
-              <a:t> háló</a:t>
-            </a:r>
-          </a:p>
-        </p:txBody>
-      </p:sp>
-      <p:sp>
-        <p:nvSpPr>
-          <p:cNvPr id="3" name="Tartalom helye 2">
-            <a:extLst>
-              <a:ext uri="{FF2B5EF4-FFF2-40B4-BE49-F238E27FC236}">
-                <a16:creationId xmlns:a16="http://schemas.microsoft.com/office/drawing/2014/main" id="{0611050F-AD1D-49D3-9C97-A460E8CA5D73}"/>
-              </a:ext>
-            </a:extLst>
-          </p:cNvPr>
-          <p:cNvSpPr>
-            <a:spLocks noGrp="1"/>
-          </p:cNvSpPr>
+              <a:t> értékek változtatása</a:t>
+            </a:r>
+          </a:p>
+        </p:txBody>
+      </p:sp>
+      <p:pic>
+        <p:nvPicPr>
+          <p:cNvPr id="5" name="Tartalom helye 4">
+            <a:extLst>
+              <a:ext uri="{FF2B5EF4-FFF2-40B4-BE49-F238E27FC236}">
+                <a16:creationId xmlns:a16="http://schemas.microsoft.com/office/drawing/2014/main" id="{809759A9-E646-418B-A673-6D38CFE41681}"/>
+              </a:ext>
+            </a:extLst>
+          </p:cNvPr>
+          <p:cNvPicPr>
+            <a:picLocks noGrp="1" noChangeAspect="1"/>
+          </p:cNvPicPr>
           <p:nvPr>
             <p:ph idx="1"/>
           </p:nvPr>
-        </p:nvSpPr>
-        <p:spPr/>
-        <p:txBody>
-          <a:bodyPr>
-            <a:normAutofit/>
+        </p:nvPicPr>
+        <p:blipFill>
+          <a:blip r:embed="rId2">
+            <a:extLst>
+              <a:ext uri="{28A0092B-C50C-407E-A947-70E740481C1C}">
+                <a14:useLocalDpi xmlns:a14="http://schemas.microsoft.com/office/drawing/2010/main" val="0"/>
+              </a:ext>
+            </a:extLst>
+          </a:blip>
+          <a:stretch>
+            <a:fillRect/>
+          </a:stretch>
+        </p:blipFill>
+        <p:spPr>
+          <a:xfrm>
+            <a:off x="4056589" y="3752852"/>
+            <a:ext cx="4140198" cy="3105148"/>
+          </a:xfrm>
+        </p:spPr>
+      </p:pic>
+      <p:pic>
+        <p:nvPicPr>
+          <p:cNvPr id="7" name="Kép 6">
+            <a:extLst>
+              <a:ext uri="{FF2B5EF4-FFF2-40B4-BE49-F238E27FC236}">
+                <a16:creationId xmlns:a16="http://schemas.microsoft.com/office/drawing/2014/main" id="{7641B002-1875-468C-8D24-EF71E293162B}"/>
+              </a:ext>
+            </a:extLst>
+          </p:cNvPr>
+          <p:cNvPicPr>
+            <a:picLocks noChangeAspect="1"/>
+          </p:cNvPicPr>
+          <p:nvPr/>
+        </p:nvPicPr>
+        <p:blipFill>
+          <a:blip r:embed="rId3">
+            <a:extLst>
+              <a:ext uri="{28A0092B-C50C-407E-A947-70E740481C1C}">
+                <a14:useLocalDpi xmlns:a14="http://schemas.microsoft.com/office/drawing/2010/main" val="0"/>
+              </a:ext>
+            </a:extLst>
+          </a:blip>
+          <a:stretch>
+            <a:fillRect/>
+          </a:stretch>
+        </p:blipFill>
+        <p:spPr>
+          <a:xfrm>
+            <a:off x="0" y="3752850"/>
+            <a:ext cx="4140199" cy="3105150"/>
+          </a:xfrm>
+          <a:prstGeom prst="rect">
+            <a:avLst/>
+          </a:prstGeom>
+        </p:spPr>
+      </p:pic>
+      <p:pic>
+        <p:nvPicPr>
+          <p:cNvPr id="9" name="Kép 8">
+            <a:extLst>
+              <a:ext uri="{FF2B5EF4-FFF2-40B4-BE49-F238E27FC236}">
+                <a16:creationId xmlns:a16="http://schemas.microsoft.com/office/drawing/2014/main" id="{AF6FCB43-16A1-4410-83CA-2AF601F36B01}"/>
+              </a:ext>
+            </a:extLst>
+          </p:cNvPr>
+          <p:cNvPicPr>
+            <a:picLocks noChangeAspect="1"/>
+          </p:cNvPicPr>
+          <p:nvPr/>
+        </p:nvPicPr>
+        <p:blipFill>
+          <a:blip r:embed="rId4">
+            <a:extLst>
+              <a:ext uri="{28A0092B-C50C-407E-A947-70E740481C1C}">
+                <a14:useLocalDpi xmlns:a14="http://schemas.microsoft.com/office/drawing/2010/main" val="0"/>
+              </a:ext>
+            </a:extLst>
+          </a:blip>
+          <a:stretch>
+            <a:fillRect/>
+          </a:stretch>
+        </p:blipFill>
+        <p:spPr>
+          <a:xfrm>
+            <a:off x="8051801" y="3752850"/>
+            <a:ext cx="4140199" cy="3105150"/>
+          </a:xfrm>
+          <a:prstGeom prst="rect">
+            <a:avLst/>
+          </a:prstGeom>
+        </p:spPr>
+      </p:pic>
+      <p:sp>
+        <p:nvSpPr>
+          <p:cNvPr id="11" name="Szövegdoboz 10">
+            <a:extLst>
+              <a:ext uri="{FF2B5EF4-FFF2-40B4-BE49-F238E27FC236}">
+                <a16:creationId xmlns:a16="http://schemas.microsoft.com/office/drawing/2014/main" id="{4A84A36F-7D85-499C-8EFD-7BE25CE11E72}"/>
+              </a:ext>
+            </a:extLst>
+          </p:cNvPr>
+          <p:cNvSpPr txBox="1"/>
+          <p:nvPr/>
+        </p:nvSpPr>
+        <p:spPr>
+          <a:xfrm>
+            <a:off x="665161" y="3516868"/>
+            <a:ext cx="2809875" cy="369332"/>
+          </a:xfrm>
+          <a:prstGeom prst="rect">
+            <a:avLst/>
+          </a:prstGeom>
+          <a:noFill/>
+        </p:spPr>
+        <p:txBody>
+          <a:bodyPr wrap="square" rtlCol="0">
+            <a:spAutoFit/>
           </a:bodyPr>
           <a:lstStyle/>
           <a:p>
+            <a:pPr algn="ctr"/>
+            <a:r>
+              <a:rPr lang="hu-HU" dirty="0"/>
+              <a:t>Standard </a:t>
+            </a:r>
+            <a:r>
+              <a:rPr lang="hu-HU" dirty="0" err="1"/>
+              <a:t>reward</a:t>
+            </a:r>
+            <a:r>
+              <a:rPr lang="hu-HU" dirty="0"/>
+              <a:t> értékek</a:t>
+            </a:r>
+          </a:p>
+        </p:txBody>
+      </p:sp>
+      <p:sp>
+        <p:nvSpPr>
+          <p:cNvPr id="12" name="Szövegdoboz 11">
+            <a:extLst>
+              <a:ext uri="{FF2B5EF4-FFF2-40B4-BE49-F238E27FC236}">
+                <a16:creationId xmlns:a16="http://schemas.microsoft.com/office/drawing/2014/main" id="{D4DE5C73-C9C9-49E4-A2F1-2003511D80E0}"/>
+              </a:ext>
+            </a:extLst>
+          </p:cNvPr>
+          <p:cNvSpPr txBox="1"/>
+          <p:nvPr/>
+        </p:nvSpPr>
+        <p:spPr>
+          <a:xfrm>
+            <a:off x="4533415" y="3516868"/>
+            <a:ext cx="3186546" cy="369332"/>
+          </a:xfrm>
+          <a:prstGeom prst="rect">
+            <a:avLst/>
+          </a:prstGeom>
+          <a:noFill/>
+        </p:spPr>
+        <p:txBody>
+          <a:bodyPr wrap="square" rtlCol="0">
+            <a:spAutoFit/>
+          </a:bodyPr>
+          <a:lstStyle/>
+          <a:p>
+            <a:pPr algn="ctr"/>
+            <a:r>
+              <a:rPr lang="hu-HU" dirty="0"/>
+              <a:t>Jutalom 100, </a:t>
+            </a:r>
+            <a:r>
+              <a:rPr lang="hu-HU" dirty="0" err="1"/>
+              <a:t>bűntetés</a:t>
+            </a:r>
+            <a:r>
+              <a:rPr lang="hu-HU" dirty="0"/>
+              <a:t> -10</a:t>
+            </a:r>
+          </a:p>
+        </p:txBody>
+      </p:sp>
+      <p:sp>
+        <p:nvSpPr>
+          <p:cNvPr id="13" name="Szövegdoboz 12">
+            <a:extLst>
+              <a:ext uri="{FF2B5EF4-FFF2-40B4-BE49-F238E27FC236}">
+                <a16:creationId xmlns:a16="http://schemas.microsoft.com/office/drawing/2014/main" id="{107009AB-88F7-4653-9DCA-1C88753AD357}"/>
+              </a:ext>
+            </a:extLst>
+          </p:cNvPr>
+          <p:cNvSpPr txBox="1"/>
+          <p:nvPr/>
+        </p:nvSpPr>
+        <p:spPr>
+          <a:xfrm>
+            <a:off x="8459354" y="3378368"/>
+            <a:ext cx="3325091" cy="646331"/>
+          </a:xfrm>
+          <a:prstGeom prst="rect">
+            <a:avLst/>
+          </a:prstGeom>
+          <a:noFill/>
+        </p:spPr>
+        <p:txBody>
+          <a:bodyPr wrap="square" rtlCol="0">
+            <a:spAutoFit/>
+          </a:bodyPr>
+          <a:lstStyle/>
+          <a:p>
+            <a:pPr algn="ctr"/>
+            <a:r>
+              <a:rPr lang="hu-HU" dirty="0"/>
+              <a:t>Falnak ütközés: -20</a:t>
+            </a:r>
+          </a:p>
+          <a:p>
+            <a:pPr algn="ctr"/>
+            <a:r>
+              <a:rPr lang="hu-HU" dirty="0"/>
+              <a:t> Önmagába ütközés: -10</a:t>
+            </a:r>
+          </a:p>
+        </p:txBody>
+      </p:sp>
+      <p:sp>
+        <p:nvSpPr>
+          <p:cNvPr id="14" name="Szövegdoboz 13">
+            <a:extLst>
+              <a:ext uri="{FF2B5EF4-FFF2-40B4-BE49-F238E27FC236}">
+                <a16:creationId xmlns:a16="http://schemas.microsoft.com/office/drawing/2014/main" id="{06560D3D-DE77-417A-A80C-5E4D73C37232}"/>
+              </a:ext>
+            </a:extLst>
+          </p:cNvPr>
+          <p:cNvSpPr txBox="1"/>
+          <p:nvPr/>
+        </p:nvSpPr>
+        <p:spPr>
+          <a:xfrm>
+            <a:off x="665161" y="1450109"/>
+            <a:ext cx="10991130" cy="1938992"/>
+          </a:xfrm>
+          <a:prstGeom prst="rect">
+            <a:avLst/>
+          </a:prstGeom>
+          <a:noFill/>
+        </p:spPr>
+        <p:txBody>
+          <a:bodyPr wrap="square" rtlCol="0">
+            <a:spAutoFit/>
+          </a:bodyPr>
+          <a:lstStyle/>
+          <a:p>
+            <a:pPr marL="285750" indent="-285750">
+              <a:buFont typeface="Arial" panose="020B0604020202020204" pitchFamily="34" charset="0"/>
+              <a:buChar char="•"/>
+            </a:pPr>
             <a:r>
               <a:rPr lang="hu-HU" sz="2400" dirty="0"/>
-              <a:t>Nem magát a kijelzőn megjelenített képet használtuk tanításhoz, hanem egy 2 dimenziós mátrixot, ahol pálya=0, test=1, fal=2, fej=3 és étel=4 értékeket használtuk. (pont ahogy a korábban bemutatott </a:t>
+              <a:t>Standard </a:t>
             </a:r>
             <a:r>
               <a:rPr lang="hu-HU" sz="2400" dirty="0" err="1"/>
-              <a:t>full_map_state</a:t>
+              <a:t>reward</a:t>
             </a:r>
             <a:r>
               <a:rPr lang="hu-HU" sz="2400" dirty="0"/>
-              <a:t>)</a:t>
-            </a:r>
-          </a:p>
-          <a:p>
+              <a:t> értékek: 10-et kap, ha összeszed egy ételt, 0-t ha nem történik semmi, és -10-et ha meghal</a:t>
+            </a:r>
+          </a:p>
+          <a:p>
+            <a:pPr marL="285750" indent="-285750">
+              <a:buFont typeface="Arial" panose="020B0604020202020204" pitchFamily="34" charset="0"/>
+              <a:buChar char="•"/>
+            </a:pPr>
             <a:r>
               <a:rPr lang="hu-HU" sz="2400" dirty="0"/>
-              <a:t>Próbálkoztunk 3 </a:t>
+              <a:t>Ezt próbáltuk különböző féle </a:t>
             </a:r>
             <a:r>
               <a:rPr lang="hu-HU" sz="2400" dirty="0" err="1"/>
-              <a:t>konvolúciós</a:t>
+              <a:t>képpen</a:t>
             </a:r>
             <a:r>
               <a:rPr lang="hu-HU" sz="2400" dirty="0"/>
-              <a:t> réteggel és 2 lineárissal, valamint 2 </a:t>
-            </a:r>
-            <a:r>
-              <a:rPr lang="hu-HU" sz="2400" dirty="0" err="1"/>
-              <a:t>konvolúcióssal</a:t>
-            </a:r>
-            <a:r>
-              <a:rPr lang="hu-HU" sz="2400" dirty="0"/>
-              <a:t> 2 </a:t>
-            </a:r>
-            <a:r>
-              <a:rPr lang="hu-HU" sz="2400" dirty="0" err="1"/>
-              <a:t>maxpoolingal</a:t>
-            </a:r>
-            <a:r>
-              <a:rPr lang="hu-HU" sz="2400" dirty="0"/>
-              <a:t> és 2 lineárissal.</a:t>
-            </a:r>
-          </a:p>
-          <a:p>
-            <a:r>
-              <a:rPr lang="hu-HU" sz="2400" dirty="0"/>
-              <a:t>Mivel az eredeti hálóhoz képest így jóval megnövekedett a neurális hálónk, ezért több random mozgással és több játék futtatással próbálkozunk</a:t>
-            </a:r>
-          </a:p>
-          <a:p>
-            <a:r>
-              <a:rPr lang="hu-HU" sz="2400" dirty="0"/>
-              <a:t>Semmi felmutathatót nem sikerült elérni… (10000 játé után a </a:t>
-            </a:r>
-            <a:r>
-              <a:rPr lang="hu-HU" sz="2400" dirty="0" err="1"/>
-              <a:t>max</a:t>
-            </a:r>
-            <a:r>
-              <a:rPr lang="hu-HU" sz="2400" dirty="0"/>
-              <a:t>.: 3 pont)</a:t>
-            </a:r>
-          </a:p>
-          <a:p>
-            <a:pPr marL="0" indent="0">
-              <a:buNone/>
+              <a:t> módosítgatni, azonban egyik változtatással sem értünk el nagyobb javulást az eredeti értékeknél </a:t>
+            </a:r>
+            <a:r>
+              <a:rPr lang="hu-HU" sz="2400" dirty="0">
+                <a:sym typeface="Wingdings" panose="05000000000000000000" pitchFamily="2" charset="2"/>
+              </a:rPr>
+              <a:t> finom hangolásra jó</a:t>
+            </a:r>
+          </a:p>
+          <a:p>
+            <a:pPr marL="285750" indent="-285750">
+              <a:buFont typeface="Arial" panose="020B0604020202020204" pitchFamily="34" charset="0"/>
+              <a:buChar char="•"/>
             </a:pPr>
-            <a:endParaRPr lang="hu-HU" sz="2400" dirty="0"/>
-          </a:p>
-          <a:p>
+            <a:r>
+              <a:rPr lang="hu-HU" sz="2400" dirty="0">
+                <a:sym typeface="Wingdings" panose="05000000000000000000" pitchFamily="2" charset="2"/>
+              </a:rPr>
+              <a:t>Amiket próbáltunk: 2. kép; minden lépés -1; szétszedve a két ütközés fajtát</a:t>
+            </a:r>
             <a:endParaRPr lang="hu-HU" sz="2400" dirty="0"/>
           </a:p>
         </p:txBody>
@@ -3577,7 +3809,7 @@
     </p:spTree>
     <p:extLst>
       <p:ext uri="{BB962C8B-B14F-4D97-AF65-F5344CB8AC3E}">
-        <p14:creationId xmlns:p14="http://schemas.microsoft.com/office/powerpoint/2010/main" val="3633356065"/>
+        <p14:creationId xmlns:p14="http://schemas.microsoft.com/office/powerpoint/2010/main" val="2439524180"/>
       </p:ext>
     </p:extLst>
   </p:cSld>
@@ -3609,7 +3841,7 @@
           <p:cNvPr id="2" name="Cím 1">
             <a:extLst>
               <a:ext uri="{FF2B5EF4-FFF2-40B4-BE49-F238E27FC236}">
-                <a16:creationId xmlns:a16="http://schemas.microsoft.com/office/drawing/2014/main" id="{6F0A0F4E-4564-4214-9AF2-FC8FD9FAD26C}"/>
+                <a16:creationId xmlns:a16="http://schemas.microsoft.com/office/drawing/2014/main" id="{26804469-777E-4F59-89B5-AE6059AF24C6}"/>
               </a:ext>
             </a:extLst>
           </p:cNvPr>
@@ -3626,8 +3858,12 @@
           <a:lstStyle/>
           <a:p>
             <a:r>
+              <a:rPr lang="hu-HU" dirty="0" err="1"/>
+              <a:t>Konvolúciós</a:t>
+            </a:r>
+            <a:r>
               <a:rPr lang="hu-HU" dirty="0"/>
-              <a:t>Betanított háló másik verzión futtatva</a:t>
+              <a:t> háló</a:t>
             </a:r>
           </a:p>
         </p:txBody>
@@ -3637,7 +3873,7 @@
           <p:cNvPr id="3" name="Tartalom helye 2">
             <a:extLst>
               <a:ext uri="{FF2B5EF4-FFF2-40B4-BE49-F238E27FC236}">
-                <a16:creationId xmlns:a16="http://schemas.microsoft.com/office/drawing/2014/main" id="{D9A7084F-3195-4211-994D-B2A6AA620EE8}"/>
+                <a16:creationId xmlns:a16="http://schemas.microsoft.com/office/drawing/2014/main" id="{0611050F-AD1D-49D3-9C97-A460E8CA5D73}"/>
               </a:ext>
             </a:extLst>
           </p:cNvPr>
@@ -3650,41 +3886,89 @@
         </p:nvSpPr>
         <p:spPr/>
         <p:txBody>
-          <a:bodyPr/>
-          <a:lstStyle/>
-          <a:p>
-            <a:r>
-              <a:rPr lang="hu-HU" dirty="0"/>
-              <a:t>Érdekességből próbálkoztunk betanított hálók más verziókon való futtatásával is</a:t>
-            </a:r>
-          </a:p>
-          <a:p>
-            <a:r>
-              <a:rPr lang="hu-HU" dirty="0"/>
-              <a:t>Az eredeti állapottal és eredeti játék verzióval betanított hálót fal nélküli verzión futtatva (és ugyanezt visszafelé)</a:t>
-            </a:r>
-          </a:p>
-          <a:p>
-            <a:r>
-              <a:rPr lang="hu-HU" dirty="0"/>
-              <a:t>Úgy, hogy közben folytatjuk a háló tanítását</a:t>
-            </a:r>
-          </a:p>
-          <a:p>
-            <a:r>
-              <a:rPr lang="hu-HU" dirty="0"/>
-              <a:t>Konklúziók:</a:t>
-            </a:r>
-          </a:p>
-          <a:p>
-            <a:endParaRPr lang="hu-HU" dirty="0"/>
+          <a:bodyPr>
+            <a:normAutofit/>
+          </a:bodyPr>
+          <a:lstStyle/>
+          <a:p>
+            <a:r>
+              <a:rPr lang="hu-HU" sz="2400" dirty="0"/>
+              <a:t>Nem magát a kijelzőn megjelenített képet használtuk tanításhoz, hanem egy 2 dimenziós mátrixot, ahol pálya=0, test=1, fal=2, fej=3 és étel=4 értékeket használtuk (pont ahogy a korábban bemutatott </a:t>
+            </a:r>
+            <a:r>
+              <a:rPr lang="hu-HU" sz="2400" dirty="0" err="1"/>
+              <a:t>full_map_state</a:t>
+            </a:r>
+            <a:r>
+              <a:rPr lang="hu-HU" sz="2400" dirty="0"/>
+              <a:t>)</a:t>
+            </a:r>
+          </a:p>
+          <a:p>
+            <a:r>
+              <a:rPr lang="hu-HU" sz="2400" dirty="0"/>
+              <a:t>Próbálkoztunk 3 </a:t>
+            </a:r>
+            <a:r>
+              <a:rPr lang="hu-HU" sz="2400" dirty="0" err="1"/>
+              <a:t>konvolúciós</a:t>
+            </a:r>
+            <a:r>
+              <a:rPr lang="hu-HU" sz="2400" dirty="0"/>
+              <a:t> réteggel és 2 lineárissal, valamint 2 </a:t>
+            </a:r>
+            <a:r>
+              <a:rPr lang="hu-HU" sz="2400" dirty="0" err="1"/>
+              <a:t>konvolúcióssal</a:t>
+            </a:r>
+            <a:r>
+              <a:rPr lang="hu-HU" sz="2400" dirty="0"/>
+              <a:t> 2 </a:t>
+            </a:r>
+            <a:r>
+              <a:rPr lang="hu-HU" sz="2400" dirty="0" err="1"/>
+              <a:t>maxpoolingal</a:t>
+            </a:r>
+            <a:r>
+              <a:rPr lang="hu-HU" sz="2400" dirty="0"/>
+              <a:t> és 2 lineárissal</a:t>
+            </a:r>
+          </a:p>
+          <a:p>
+            <a:r>
+              <a:rPr lang="hu-HU" sz="2400" dirty="0"/>
+              <a:t>Mivel az eredeti hálóhoz képest így jóval megnövekedett a neurális hálónk, ezért több random mozgással és több játék futtatással próbálkoztunk</a:t>
+            </a:r>
+          </a:p>
+          <a:p>
+            <a:r>
+              <a:rPr lang="hu-HU" sz="2400" dirty="0"/>
+              <a:t>Semmi felmutathatót nem sikerült elérni… (10000 játé után a </a:t>
+            </a:r>
+            <a:r>
+              <a:rPr lang="hu-HU" sz="2400" dirty="0" err="1"/>
+              <a:t>max</a:t>
+            </a:r>
+            <a:r>
+              <a:rPr lang="hu-HU" sz="2400" dirty="0"/>
+              <a:t>.: 3 pont)</a:t>
+            </a:r>
+          </a:p>
+          <a:p>
+            <a:pPr marL="0" indent="0">
+              <a:buNone/>
+            </a:pPr>
+            <a:endParaRPr lang="hu-HU" sz="2400" dirty="0"/>
+          </a:p>
+          <a:p>
+            <a:endParaRPr lang="hu-HU" sz="2400" dirty="0"/>
           </a:p>
         </p:txBody>
       </p:sp>
     </p:spTree>
     <p:extLst>
       <p:ext uri="{BB962C8B-B14F-4D97-AF65-F5344CB8AC3E}">
-        <p14:creationId xmlns:p14="http://schemas.microsoft.com/office/powerpoint/2010/main" val="1871124617"/>
+        <p14:creationId xmlns:p14="http://schemas.microsoft.com/office/powerpoint/2010/main" val="3633356065"/>
       </p:ext>
     </p:extLst>
   </p:cSld>
@@ -3716,6 +4000,113 @@
           <p:cNvPr id="2" name="Cím 1">
             <a:extLst>
               <a:ext uri="{FF2B5EF4-FFF2-40B4-BE49-F238E27FC236}">
+                <a16:creationId xmlns:a16="http://schemas.microsoft.com/office/drawing/2014/main" id="{6F0A0F4E-4564-4214-9AF2-FC8FD9FAD26C}"/>
+              </a:ext>
+            </a:extLst>
+          </p:cNvPr>
+          <p:cNvSpPr>
+            <a:spLocks noGrp="1"/>
+          </p:cNvSpPr>
+          <p:nvPr>
+            <p:ph type="title"/>
+          </p:nvPr>
+        </p:nvSpPr>
+        <p:spPr/>
+        <p:txBody>
+          <a:bodyPr/>
+          <a:lstStyle/>
+          <a:p>
+            <a:r>
+              <a:rPr lang="hu-HU" dirty="0"/>
+              <a:t>Betanított háló másik verzión futtatva</a:t>
+            </a:r>
+          </a:p>
+        </p:txBody>
+      </p:sp>
+      <p:sp>
+        <p:nvSpPr>
+          <p:cNvPr id="3" name="Tartalom helye 2">
+            <a:extLst>
+              <a:ext uri="{FF2B5EF4-FFF2-40B4-BE49-F238E27FC236}">
+                <a16:creationId xmlns:a16="http://schemas.microsoft.com/office/drawing/2014/main" id="{D9A7084F-3195-4211-994D-B2A6AA620EE8}"/>
+              </a:ext>
+            </a:extLst>
+          </p:cNvPr>
+          <p:cNvSpPr>
+            <a:spLocks noGrp="1"/>
+          </p:cNvSpPr>
+          <p:nvPr>
+            <p:ph idx="1"/>
+          </p:nvPr>
+        </p:nvSpPr>
+        <p:spPr/>
+        <p:txBody>
+          <a:bodyPr/>
+          <a:lstStyle/>
+          <a:p>
+            <a:r>
+              <a:rPr lang="hu-HU" sz="2400" dirty="0"/>
+              <a:t>Érdekességből próbálkoztunk betanított hálók más verziókon való futtatásával is</a:t>
+            </a:r>
+          </a:p>
+          <a:p>
+            <a:r>
+              <a:rPr lang="hu-HU" sz="2400" dirty="0"/>
+              <a:t>Az eredeti állapottal és eredeti játék verzióval betanított hálót fal nélküli verzión futtatva (és ugyanezt visszafelé)</a:t>
+            </a:r>
+          </a:p>
+          <a:p>
+            <a:r>
+              <a:rPr lang="hu-HU" sz="2400" dirty="0"/>
+              <a:t>Úgy, hogy közben folytatjuk a háló tanítását</a:t>
+            </a:r>
+          </a:p>
+          <a:p>
+            <a:r>
+              <a:rPr lang="hu-HU" sz="2400" dirty="0"/>
+              <a:t>Konklúziók:</a:t>
+            </a:r>
+          </a:p>
+          <a:p>
+            <a:endParaRPr lang="hu-HU" dirty="0"/>
+          </a:p>
+        </p:txBody>
+      </p:sp>
+    </p:spTree>
+    <p:extLst>
+      <p:ext uri="{BB962C8B-B14F-4D97-AF65-F5344CB8AC3E}">
+        <p14:creationId xmlns:p14="http://schemas.microsoft.com/office/powerpoint/2010/main" val="1871124617"/>
+      </p:ext>
+    </p:extLst>
+  </p:cSld>
+  <p:clrMapOvr>
+    <a:masterClrMapping/>
+  </p:clrMapOvr>
+</p:sld>
+</file>
+
+<file path=ppt/slides/slide13.xml><?xml version="1.0" encoding="utf-8"?>
+<p:sld xmlns:a="http://schemas.openxmlformats.org/drawingml/2006/main" xmlns:r="http://schemas.openxmlformats.org/officeDocument/2006/relationships" xmlns:p="http://schemas.openxmlformats.org/presentationml/2006/main">
+  <p:cSld>
+    <p:spTree>
+      <p:nvGrpSpPr>
+        <p:cNvPr id="1" name=""/>
+        <p:cNvGrpSpPr/>
+        <p:nvPr/>
+      </p:nvGrpSpPr>
+      <p:grpSpPr>
+        <a:xfrm>
+          <a:off x="0" y="0"/>
+          <a:ext cx="0" cy="0"/>
+          <a:chOff x="0" y="0"/>
+          <a:chExt cx="0" cy="0"/>
+        </a:xfrm>
+      </p:grpSpPr>
+      <p:sp>
+        <p:nvSpPr>
+          <p:cNvPr id="2" name="Cím 1">
+            <a:extLst>
+              <a:ext uri="{FF2B5EF4-FFF2-40B4-BE49-F238E27FC236}">
                 <a16:creationId xmlns:a16="http://schemas.microsoft.com/office/drawing/2014/main" id="{4E803B03-581A-441E-86C3-2E29C64731C8}"/>
               </a:ext>
             </a:extLst>
@@ -3759,6 +4150,18 @@
         <p:txBody>
           <a:bodyPr/>
           <a:lstStyle/>
+          <a:p>
+            <a:r>
+              <a:rPr lang="hu-HU" sz="2400" dirty="0"/>
+              <a:t>A projektet sikeresnek véljük, ugyanis sikerült megismerkednünk egy olyan ágával a gépi tanulásnak, amellyel eddig egyetemi órák keretei közt nem gyakran találkoztunk</a:t>
+            </a:r>
+          </a:p>
+          <a:p>
+            <a:r>
+              <a:rPr lang="hu-HU" sz="2400" dirty="0"/>
+              <a:t>A feladatot azonban nem tekintjük teljesen elvégzettnek, ugyanis számos dolgon lehetne még javítani a teljesítményt (pl.: nem csak DQN, és CNN javítása), azonban a feladat nehézsége és az idő szűke miatt eddig tudtunk jutni</a:t>
+            </a:r>
+          </a:p>
           <a:p>
             <a:endParaRPr lang="hu-HU" dirty="0"/>
           </a:p>
@@ -3768,6 +4171,117 @@
     <p:extLst>
       <p:ext uri="{BB962C8B-B14F-4D97-AF65-F5344CB8AC3E}">
         <p14:creationId xmlns:p14="http://schemas.microsoft.com/office/powerpoint/2010/main" val="1553931252"/>
+      </p:ext>
+    </p:extLst>
+  </p:cSld>
+  <p:clrMapOvr>
+    <a:masterClrMapping/>
+  </p:clrMapOvr>
+</p:sld>
+</file>
+
+<file path=ppt/slides/slide14.xml><?xml version="1.0" encoding="utf-8"?>
+<p:sld xmlns:a="http://schemas.openxmlformats.org/drawingml/2006/main" xmlns:r="http://schemas.openxmlformats.org/officeDocument/2006/relationships" xmlns:p="http://schemas.openxmlformats.org/presentationml/2006/main">
+  <p:cSld>
+    <p:spTree>
+      <p:nvGrpSpPr>
+        <p:cNvPr id="1" name=""/>
+        <p:cNvGrpSpPr/>
+        <p:nvPr/>
+      </p:nvGrpSpPr>
+      <p:grpSpPr>
+        <a:xfrm>
+          <a:off x="0" y="0"/>
+          <a:ext cx="0" cy="0"/>
+          <a:chOff x="0" y="0"/>
+          <a:chExt cx="0" cy="0"/>
+        </a:xfrm>
+      </p:grpSpPr>
+      <p:sp>
+        <p:nvSpPr>
+          <p:cNvPr id="2" name="Cím 1">
+            <a:extLst>
+              <a:ext uri="{FF2B5EF4-FFF2-40B4-BE49-F238E27FC236}">
+                <a16:creationId xmlns:a16="http://schemas.microsoft.com/office/drawing/2014/main" id="{B1A914DD-636C-43A0-BBC7-5033B5DFFE73}"/>
+              </a:ext>
+            </a:extLst>
+          </p:cNvPr>
+          <p:cNvSpPr>
+            <a:spLocks noGrp="1"/>
+          </p:cNvSpPr>
+          <p:nvPr>
+            <p:ph type="title"/>
+          </p:nvPr>
+        </p:nvSpPr>
+        <p:spPr>
+          <a:xfrm>
+            <a:off x="838200" y="2766218"/>
+            <a:ext cx="10515600" cy="1325563"/>
+          </a:xfrm>
+        </p:spPr>
+        <p:txBody>
+          <a:bodyPr/>
+          <a:lstStyle/>
+          <a:p>
+            <a:pPr algn="ctr"/>
+            <a:r>
+              <a:rPr lang="hu-HU" dirty="0"/>
+              <a:t>Köszönjük a figyelmet!</a:t>
+            </a:r>
+          </a:p>
+        </p:txBody>
+      </p:sp>
+      <p:pic>
+        <p:nvPicPr>
+          <p:cNvPr id="1026" name="Picture 2" descr="Happy little snake laptop skin - TenStickers">
+            <a:extLst>
+              <a:ext uri="{FF2B5EF4-FFF2-40B4-BE49-F238E27FC236}">
+                <a16:creationId xmlns:a16="http://schemas.microsoft.com/office/drawing/2014/main" id="{8179111C-D0CE-4F09-8FB4-D335D8542C8A}"/>
+              </a:ext>
+            </a:extLst>
+          </p:cNvPr>
+          <p:cNvPicPr>
+            <a:picLocks noChangeAspect="1" noChangeArrowheads="1"/>
+          </p:cNvPicPr>
+          <p:nvPr/>
+        </p:nvPicPr>
+        <p:blipFill>
+          <a:blip r:embed="rId2">
+            <a:extLst>
+              <a:ext uri="{28A0092B-C50C-407E-A947-70E740481C1C}">
+                <a14:useLocalDpi xmlns:a14="http://schemas.microsoft.com/office/drawing/2010/main" val="0"/>
+              </a:ext>
+            </a:extLst>
+          </a:blip>
+          <a:srcRect/>
+          <a:stretch>
+            <a:fillRect/>
+          </a:stretch>
+        </p:blipFill>
+        <p:spPr bwMode="auto">
+          <a:xfrm>
+            <a:off x="5167912" y="4916902"/>
+            <a:ext cx="1856175" cy="1941098"/>
+          </a:xfrm>
+          <a:prstGeom prst="rect">
+            <a:avLst/>
+          </a:prstGeom>
+          <a:noFill/>
+          <a:extLst>
+            <a:ext uri="{909E8E84-426E-40DD-AFC4-6F175D3DCCD1}">
+              <a14:hiddenFill xmlns:a14="http://schemas.microsoft.com/office/drawing/2010/main">
+                <a:solidFill>
+                  <a:srgbClr val="FFFFFF"/>
+                </a:solidFill>
+              </a14:hiddenFill>
+            </a:ext>
+          </a:extLst>
+        </p:spPr>
+      </p:pic>
+    </p:spTree>
+    <p:extLst>
+      <p:ext uri="{BB962C8B-B14F-4D97-AF65-F5344CB8AC3E}">
+        <p14:creationId xmlns:p14="http://schemas.microsoft.com/office/powerpoint/2010/main" val="1830931044"/>
       </p:ext>
     </p:extLst>
   </p:cSld>
@@ -4048,11 +4562,11 @@
   <p:clrMapOvr>
     <a:masterClrMapping/>
   </p:clrMapOvr>
-  <mc:AlternateContent xmlns:mc="http://schemas.openxmlformats.org/markup-compatibility/2006">
-    <mc:Choice xmlns:p14="http://schemas.microsoft.com/office/powerpoint/2010/main" Requires="p14">
+  <mc:AlternateContent xmlns:mc="http://schemas.openxmlformats.org/markup-compatibility/2006" xmlns:p14="http://schemas.microsoft.com/office/powerpoint/2010/main">
+    <mc:Choice Requires="p14">
       <p:transition spd="slow" p14:dur="2000" advTm="23500"/>
     </mc:Choice>
-    <mc:Fallback>
+    <mc:Fallback xmlns="">
       <p:transition spd="slow" advTm="23500"/>
     </mc:Fallback>
   </mc:AlternateContent>
@@ -4192,23 +4706,9 @@
             </a:r>
           </a:p>
           <a:p>
-            <a:r>
-              <a:rPr lang="hu-HU" sz="2400" dirty="0">
-                <a:sym typeface="Wingdings" panose="05000000000000000000" pitchFamily="2" charset="2"/>
-              </a:rPr>
-              <a:t>Deep Q </a:t>
-            </a:r>
-            <a:r>
-              <a:rPr lang="hu-HU" sz="2400" dirty="0" err="1">
-                <a:sym typeface="Wingdings" panose="05000000000000000000" pitchFamily="2" charset="2"/>
-              </a:rPr>
-              <a:t>learning</a:t>
-            </a:r>
-            <a:endParaRPr lang="hu-HU" sz="2400" dirty="0">
-              <a:sym typeface="Wingdings" panose="05000000000000000000" pitchFamily="2" charset="2"/>
-            </a:endParaRPr>
-          </a:p>
-          <a:p>
+            <a:pPr marL="0" indent="0">
+              <a:buNone/>
+            </a:pPr>
             <a:endParaRPr lang="hu-HU" dirty="0"/>
           </a:p>
         </p:txBody>
@@ -4259,11 +4759,11 @@
   <p:clrMapOvr>
     <a:masterClrMapping/>
   </p:clrMapOvr>
-  <mc:AlternateContent xmlns:mc="http://schemas.openxmlformats.org/markup-compatibility/2006">
-    <mc:Choice xmlns:p14="http://schemas.microsoft.com/office/powerpoint/2010/main" Requires="p14">
+  <mc:AlternateContent xmlns:mc="http://schemas.openxmlformats.org/markup-compatibility/2006" xmlns:p14="http://schemas.microsoft.com/office/powerpoint/2010/main">
+    <mc:Choice Requires="p14">
       <p:transition spd="slow" p14:dur="2000" advTm="12800"/>
     </mc:Choice>
-    <mc:Fallback>
+    <mc:Fallback xmlns="">
       <p:transition spd="slow" advTm="12800"/>
     </mc:Fallback>
   </mc:AlternateContent>
@@ -4292,7 +4792,7 @@
           <p:cNvPr id="2" name="Cím 1">
             <a:extLst>
               <a:ext uri="{FF2B5EF4-FFF2-40B4-BE49-F238E27FC236}">
-                <a16:creationId xmlns:a16="http://schemas.microsoft.com/office/drawing/2014/main" id="{7ECA438D-AC5F-49C8-AB01-91C7EC614EF4}"/>
+                <a16:creationId xmlns:a16="http://schemas.microsoft.com/office/drawing/2014/main" id="{0EB31126-98C9-45CB-924D-B5DC35E12BD2}"/>
               </a:ext>
             </a:extLst>
           </p:cNvPr>
@@ -4309,12 +4809,8 @@
           <a:lstStyle/>
           <a:p>
             <a:r>
-              <a:rPr lang="hu-HU" dirty="0" err="1"/>
-              <a:t>Kölönböző</a:t>
-            </a:r>
-            <a:r>
               <a:rPr lang="hu-HU" dirty="0"/>
-              <a:t> állapotok</a:t>
+              <a:t>Deep Q</a:t>
             </a:r>
           </a:p>
         </p:txBody>
@@ -4324,7 +4820,7 @@
           <p:cNvPr id="3" name="Tartalom helye 2">
             <a:extLst>
               <a:ext uri="{FF2B5EF4-FFF2-40B4-BE49-F238E27FC236}">
-                <a16:creationId xmlns:a16="http://schemas.microsoft.com/office/drawing/2014/main" id="{7F251ACF-8945-4B33-843B-6205767D48ED}"/>
+                <a16:creationId xmlns:a16="http://schemas.microsoft.com/office/drawing/2014/main" id="{31895C0D-65DF-4834-A170-7035B85D989E}"/>
               </a:ext>
             </a:extLst>
           </p:cNvPr>
@@ -4335,36 +4831,24 @@
             <p:ph idx="1"/>
           </p:nvPr>
         </p:nvSpPr>
-        <p:spPr>
-          <a:xfrm>
-            <a:off x="838200" y="1825625"/>
-            <a:ext cx="10515600" cy="1887393"/>
-          </a:xfrm>
-        </p:spPr>
-        <p:txBody>
-          <a:bodyPr/>
+        <p:spPr/>
+        <p:txBody>
+          <a:bodyPr>
+            <a:normAutofit/>
+          </a:bodyPr>
           <a:lstStyle/>
           <a:p>
             <a:r>
               <a:rPr lang="hu-HU" sz="2400" dirty="0"/>
-              <a:t>Mivel a kígyó nem tudott egy bizonyos eredménynél tovább jutni a játékban felmerült bennünk a kérdés, hogy segítené-e ha máshogy definiálnánk a játék egyes állapotait</a:t>
-            </a:r>
-          </a:p>
-          <a:p>
-            <a:r>
-              <a:rPr lang="hu-HU" sz="2400" dirty="0"/>
-              <a:t>Több különböző fajtát írtunk neki, ezekből a legeredményesebbeket mutatjuk be</a:t>
-            </a:r>
-          </a:p>
-          <a:p>
-            <a:endParaRPr lang="hu-HU" dirty="0"/>
+              <a:t>Jani ezt megírod?</a:t>
+            </a:r>
           </a:p>
         </p:txBody>
       </p:sp>
     </p:spTree>
     <p:extLst>
       <p:ext uri="{BB962C8B-B14F-4D97-AF65-F5344CB8AC3E}">
-        <p14:creationId xmlns:p14="http://schemas.microsoft.com/office/powerpoint/2010/main" val="2361940339"/>
+        <p14:creationId xmlns:p14="http://schemas.microsoft.com/office/powerpoint/2010/main" val="1137426163"/>
       </p:ext>
     </p:extLst>
   </p:cSld>
@@ -4377,14 +4861,6 @@
 <file path=ppt/slides/slide6.xml><?xml version="1.0" encoding="utf-8"?>
 <p:sld xmlns:a="http://schemas.openxmlformats.org/drawingml/2006/main" xmlns:r="http://schemas.openxmlformats.org/officeDocument/2006/relationships" xmlns:p="http://schemas.openxmlformats.org/presentationml/2006/main">
   <p:cSld>
-    <p:bg>
-      <p:bgPr>
-        <a:solidFill>
-          <a:schemeClr val="bg1"/>
-        </a:solidFill>
-        <a:effectLst/>
-      </p:bgPr>
-    </p:bg>
     <p:spTree>
       <p:nvGrpSpPr>
         <p:cNvPr id="1" name=""/>
@@ -4399,581 +4875,80 @@
           <a:chExt cx="0" cy="0"/>
         </a:xfrm>
       </p:grpSpPr>
-      <p:sp useBgFill="1">
-        <p:nvSpPr>
-          <p:cNvPr id="20" name="Rectangle 19">
-            <a:extLst>
-              <a:ext uri="{FF2B5EF4-FFF2-40B4-BE49-F238E27FC236}">
-                <a16:creationId xmlns:a16="http://schemas.microsoft.com/office/drawing/2014/main" id="{33E72FA3-BD00-444A-AD9B-E6C3D069CDE3}"/>
-              </a:ext>
-              <a:ext uri="{C183D7F6-B498-43B3-948B-1728B52AA6E4}">
-                <adec:decorative xmlns:adec="http://schemas.microsoft.com/office/drawing/2017/decorative" val="1"/>
-              </a:ext>
-            </a:extLst>
-          </p:cNvPr>
-          <p:cNvSpPr>
-            <a:spLocks noGrp="1" noRot="1" noChangeAspect="1" noMove="1" noResize="1" noEditPoints="1" noAdjustHandles="1" noChangeArrowheads="1" noChangeShapeType="1" noTextEdit="1"/>
-          </p:cNvSpPr>
-          <p:nvPr>
-            <p:extLst>
-              <p:ext uri="{386F3935-93C4-4BCD-93E2-E3B085C9AB24}">
-                <p16:designElem xmlns:p16="http://schemas.microsoft.com/office/powerpoint/2015/main" val="1"/>
-              </p:ext>
-            </p:extLst>
+      <p:sp>
+        <p:nvSpPr>
+          <p:cNvPr id="2" name="Cím 1">
+            <a:extLst>
+              <a:ext uri="{FF2B5EF4-FFF2-40B4-BE49-F238E27FC236}">
+                <a16:creationId xmlns:a16="http://schemas.microsoft.com/office/drawing/2014/main" id="{7ECA438D-AC5F-49C8-AB01-91C7EC614EF4}"/>
+              </a:ext>
+            </a:extLst>
+          </p:cNvPr>
+          <p:cNvSpPr>
+            <a:spLocks noGrp="1"/>
+          </p:cNvSpPr>
+          <p:nvPr>
+            <p:ph type="title"/>
+          </p:nvPr>
+        </p:nvSpPr>
+        <p:spPr/>
+        <p:txBody>
+          <a:bodyPr/>
+          <a:lstStyle/>
+          <a:p>
+            <a:r>
+              <a:rPr lang="hu-HU" dirty="0"/>
+              <a:t>Különböző állapotok</a:t>
+            </a:r>
+          </a:p>
+        </p:txBody>
+      </p:sp>
+      <p:sp>
+        <p:nvSpPr>
+          <p:cNvPr id="3" name="Tartalom helye 2">
+            <a:extLst>
+              <a:ext uri="{FF2B5EF4-FFF2-40B4-BE49-F238E27FC236}">
+                <a16:creationId xmlns:a16="http://schemas.microsoft.com/office/drawing/2014/main" id="{7F251ACF-8945-4B33-843B-6205767D48ED}"/>
+              </a:ext>
+            </a:extLst>
+          </p:cNvPr>
+          <p:cNvSpPr>
+            <a:spLocks noGrp="1"/>
+          </p:cNvSpPr>
+          <p:nvPr>
+            <p:ph idx="1"/>
           </p:nvPr>
         </p:nvSpPr>
         <p:spPr>
           <a:xfrm>
-            <a:off x="-50801" y="0"/>
-            <a:ext cx="12188952" cy="6858000"/>
-          </a:xfrm>
-          <a:prstGeom prst="rect">
-            <a:avLst/>
-          </a:prstGeom>
-          <a:ln>
-            <a:noFill/>
-          </a:ln>
-        </p:spPr>
-        <p:style>
-          <a:lnRef idx="2">
-            <a:schemeClr val="accent1">
-              <a:shade val="50000"/>
-            </a:schemeClr>
-          </a:lnRef>
-          <a:fillRef idx="1">
-            <a:schemeClr val="accent1"/>
-          </a:fillRef>
-          <a:effectRef idx="0">
-            <a:schemeClr val="accent1"/>
-          </a:effectRef>
-          <a:fontRef idx="minor">
-            <a:schemeClr val="lt1"/>
-          </a:fontRef>
-        </p:style>
-        <p:txBody>
-          <a:bodyPr rtlCol="0" anchor="ctr"/>
-          <a:lstStyle/>
-          <a:p>
-            <a:pPr algn="ctr"/>
-            <a:endParaRPr lang="en-US"/>
-          </a:p>
-        </p:txBody>
-      </p:sp>
-      <p:sp>
-        <p:nvSpPr>
-          <p:cNvPr id="2" name="Cím 1">
-            <a:extLst>
-              <a:ext uri="{FF2B5EF4-FFF2-40B4-BE49-F238E27FC236}">
-                <a16:creationId xmlns:a16="http://schemas.microsoft.com/office/drawing/2014/main" id="{4B843A6B-DA03-4C59-B387-02A5FCE89DB3}"/>
-              </a:ext>
-            </a:extLst>
-          </p:cNvPr>
-          <p:cNvSpPr>
-            <a:spLocks noGrp="1"/>
-          </p:cNvSpPr>
-          <p:nvPr>
-            <p:ph type="title"/>
-          </p:nvPr>
-        </p:nvSpPr>
-        <p:spPr>
-          <a:xfrm>
-            <a:off x="414173" y="182125"/>
-            <a:ext cx="11353800" cy="1110537"/>
+            <a:off x="838200" y="1825625"/>
+            <a:ext cx="10515600" cy="1887393"/>
           </a:xfrm>
         </p:spPr>
         <p:txBody>
-          <a:bodyPr vert="horz" lIns="91440" tIns="45720" rIns="91440" bIns="45720" rtlCol="0" anchor="ctr">
-            <a:noAutofit/>
-          </a:bodyPr>
-          <a:lstStyle/>
-          <a:p>
-            <a:r>
-              <a:rPr lang="hu-HU" dirty="0"/>
-              <a:t>Eredeti verzió eredményei különböző állapotokkal</a:t>
-            </a:r>
-            <a:endParaRPr lang="en-US" kern="1200" dirty="0">
-              <a:solidFill>
-                <a:schemeClr val="tx1"/>
-              </a:solidFill>
-              <a:latin typeface="+mj-lt"/>
-              <a:ea typeface="+mj-ea"/>
-              <a:cs typeface="+mj-cs"/>
-            </a:endParaRPr>
-          </a:p>
-        </p:txBody>
-      </p:sp>
-      <p:pic>
-        <p:nvPicPr>
-          <p:cNvPr id="7" name="Kép 6">
-            <a:extLst>
-              <a:ext uri="{FF2B5EF4-FFF2-40B4-BE49-F238E27FC236}">
-                <a16:creationId xmlns:a16="http://schemas.microsoft.com/office/drawing/2014/main" id="{A99357DA-6B14-4D5B-9D58-704A29C4FABA}"/>
-              </a:ext>
-            </a:extLst>
-          </p:cNvPr>
-          <p:cNvPicPr>
-            <a:picLocks noChangeAspect="1"/>
-          </p:cNvPicPr>
-          <p:nvPr/>
-        </p:nvPicPr>
-        <p:blipFill>
-          <a:blip r:embed="rId2">
-            <a:extLst>
-              <a:ext uri="{28A0092B-C50C-407E-A947-70E740481C1C}">
-                <a14:useLocalDpi xmlns:a14="http://schemas.microsoft.com/office/drawing/2010/main" val="0"/>
-              </a:ext>
-            </a:extLst>
-          </a:blip>
-          <a:stretch>
-            <a:fillRect/>
-          </a:stretch>
-        </p:blipFill>
-        <p:spPr>
-          <a:xfrm>
-            <a:off x="565788" y="1999727"/>
-            <a:ext cx="3058699" cy="2056976"/>
-          </a:xfrm>
-          <a:prstGeom prst="rect">
-            <a:avLst/>
-          </a:prstGeom>
-        </p:spPr>
-      </p:pic>
-      <p:pic>
-        <p:nvPicPr>
-          <p:cNvPr id="11" name="Kép 10">
-            <a:extLst>
-              <a:ext uri="{FF2B5EF4-FFF2-40B4-BE49-F238E27FC236}">
-                <a16:creationId xmlns:a16="http://schemas.microsoft.com/office/drawing/2014/main" id="{191C7281-2260-4DF7-9728-0A67753491C6}"/>
-              </a:ext>
-            </a:extLst>
-          </p:cNvPr>
-          <p:cNvPicPr>
-            <a:picLocks noChangeAspect="1"/>
-          </p:cNvPicPr>
-          <p:nvPr/>
-        </p:nvPicPr>
-        <p:blipFill>
-          <a:blip r:embed="rId3">
-            <a:extLst>
-              <a:ext uri="{28A0092B-C50C-407E-A947-70E740481C1C}">
-                <a14:useLocalDpi xmlns:a14="http://schemas.microsoft.com/office/drawing/2010/main" val="0"/>
-              </a:ext>
-            </a:extLst>
-          </a:blip>
-          <a:stretch>
-            <a:fillRect/>
-          </a:stretch>
-        </p:blipFill>
-        <p:spPr>
-          <a:xfrm>
-            <a:off x="4538637" y="1999727"/>
-            <a:ext cx="3104869" cy="2056976"/>
-          </a:xfrm>
-          <a:prstGeom prst="rect">
-            <a:avLst/>
-          </a:prstGeom>
-        </p:spPr>
-      </p:pic>
-      <p:pic>
-        <p:nvPicPr>
-          <p:cNvPr id="13" name="Kép 12">
-            <a:extLst>
-              <a:ext uri="{FF2B5EF4-FFF2-40B4-BE49-F238E27FC236}">
-                <a16:creationId xmlns:a16="http://schemas.microsoft.com/office/drawing/2014/main" id="{839076CC-6B73-4AC7-B536-5145D63159E4}"/>
-              </a:ext>
-            </a:extLst>
-          </p:cNvPr>
-          <p:cNvPicPr>
-            <a:picLocks noChangeAspect="1"/>
-          </p:cNvPicPr>
-          <p:nvPr/>
-        </p:nvPicPr>
-        <p:blipFill>
-          <a:blip r:embed="rId4">
-            <a:extLst>
-              <a:ext uri="{28A0092B-C50C-407E-A947-70E740481C1C}">
-                <a14:useLocalDpi xmlns:a14="http://schemas.microsoft.com/office/drawing/2010/main" val="0"/>
-              </a:ext>
-            </a:extLst>
-          </a:blip>
-          <a:stretch>
-            <a:fillRect/>
-          </a:stretch>
-        </p:blipFill>
-        <p:spPr>
-          <a:xfrm>
-            <a:off x="8489874" y="1999727"/>
-            <a:ext cx="3189110" cy="2056976"/>
-          </a:xfrm>
-          <a:prstGeom prst="rect">
-            <a:avLst/>
-          </a:prstGeom>
-        </p:spPr>
-      </p:pic>
-      <p:pic>
-        <p:nvPicPr>
-          <p:cNvPr id="5" name="Tartalom helye 4">
-            <a:extLst>
-              <a:ext uri="{FF2B5EF4-FFF2-40B4-BE49-F238E27FC236}">
-                <a16:creationId xmlns:a16="http://schemas.microsoft.com/office/drawing/2014/main" id="{582B6C46-6A2A-423D-882A-FD3647E3343D}"/>
-              </a:ext>
-            </a:extLst>
-          </p:cNvPr>
-          <p:cNvPicPr>
-            <a:picLocks noGrp="1" noChangeAspect="1"/>
-          </p:cNvPicPr>
-          <p:nvPr>
-            <p:ph idx="1"/>
-          </p:nvPr>
-        </p:nvPicPr>
-        <p:blipFill>
-          <a:blip r:embed="rId5">
-            <a:extLst>
-              <a:ext uri="{28A0092B-C50C-407E-A947-70E740481C1C}">
-                <a14:useLocalDpi xmlns:a14="http://schemas.microsoft.com/office/drawing/2010/main" val="0"/>
-              </a:ext>
-            </a:extLst>
-          </a:blip>
-          <a:stretch>
-            <a:fillRect/>
-          </a:stretch>
-        </p:blipFill>
-        <p:spPr>
-          <a:xfrm>
-            <a:off x="442949" y="4618899"/>
-            <a:ext cx="3304378" cy="2056976"/>
-          </a:xfrm>
-          <a:prstGeom prst="rect">
-            <a:avLst/>
-          </a:prstGeom>
-        </p:spPr>
-      </p:pic>
-      <p:pic>
-        <p:nvPicPr>
-          <p:cNvPr id="9" name="Kép 8">
-            <a:extLst>
-              <a:ext uri="{FF2B5EF4-FFF2-40B4-BE49-F238E27FC236}">
-                <a16:creationId xmlns:a16="http://schemas.microsoft.com/office/drawing/2014/main" id="{0C6661A1-F600-4FF9-A781-8A45C7E597FF}"/>
-              </a:ext>
-            </a:extLst>
-          </p:cNvPr>
-          <p:cNvPicPr>
-            <a:picLocks noChangeAspect="1"/>
-          </p:cNvPicPr>
-          <p:nvPr/>
-        </p:nvPicPr>
-        <p:blipFill>
-          <a:blip r:embed="rId6">
-            <a:extLst>
-              <a:ext uri="{28A0092B-C50C-407E-A947-70E740481C1C}">
-                <a14:useLocalDpi xmlns:a14="http://schemas.microsoft.com/office/drawing/2010/main" val="0"/>
-              </a:ext>
-            </a:extLst>
-          </a:blip>
-          <a:stretch>
-            <a:fillRect/>
-          </a:stretch>
-        </p:blipFill>
-        <p:spPr>
-          <a:xfrm>
-            <a:off x="4398088" y="4618899"/>
-            <a:ext cx="3385969" cy="2056976"/>
-          </a:xfrm>
-          <a:prstGeom prst="rect">
-            <a:avLst/>
-          </a:prstGeom>
-        </p:spPr>
-      </p:pic>
-      <p:pic>
-        <p:nvPicPr>
-          <p:cNvPr id="15" name="Kép 14">
-            <a:extLst>
-              <a:ext uri="{FF2B5EF4-FFF2-40B4-BE49-F238E27FC236}">
-                <a16:creationId xmlns:a16="http://schemas.microsoft.com/office/drawing/2014/main" id="{A830AF51-ED23-45E6-8973-47D84DE0BF57}"/>
-              </a:ext>
-            </a:extLst>
-          </p:cNvPr>
-          <p:cNvPicPr>
-            <a:picLocks noChangeAspect="1"/>
-          </p:cNvPicPr>
-          <p:nvPr/>
-        </p:nvPicPr>
-        <p:blipFill>
-          <a:blip r:embed="rId7">
-            <a:extLst>
-              <a:ext uri="{28A0092B-C50C-407E-A947-70E740481C1C}">
-                <a14:useLocalDpi xmlns:a14="http://schemas.microsoft.com/office/drawing/2010/main" val="0"/>
-              </a:ext>
-            </a:extLst>
-          </a:blip>
-          <a:stretch>
-            <a:fillRect/>
-          </a:stretch>
-        </p:blipFill>
-        <p:spPr>
-          <a:xfrm>
-            <a:off x="8363082" y="4586567"/>
-            <a:ext cx="3385969" cy="2056976"/>
-          </a:xfrm>
-          <a:prstGeom prst="rect">
-            <a:avLst/>
-          </a:prstGeom>
-        </p:spPr>
-      </p:pic>
-      <p:sp>
-        <p:nvSpPr>
-          <p:cNvPr id="16" name="Szövegdoboz 15">
-            <a:extLst>
-              <a:ext uri="{FF2B5EF4-FFF2-40B4-BE49-F238E27FC236}">
-                <a16:creationId xmlns:a16="http://schemas.microsoft.com/office/drawing/2014/main" id="{70AC21C8-3324-4BD5-B2EE-E21445159486}"/>
-              </a:ext>
-            </a:extLst>
-          </p:cNvPr>
-          <p:cNvSpPr txBox="1"/>
-          <p:nvPr/>
-        </p:nvSpPr>
-        <p:spPr>
-          <a:xfrm>
-            <a:off x="8391445" y="4331732"/>
-            <a:ext cx="3385969" cy="369332"/>
-          </a:xfrm>
-          <a:prstGeom prst="rect">
-            <a:avLst/>
-          </a:prstGeom>
-          <a:noFill/>
-        </p:spPr>
-        <p:txBody>
-          <a:bodyPr wrap="square" rtlCol="0">
-            <a:spAutoFit/>
-          </a:bodyPr>
-          <a:lstStyle/>
-          <a:p>
-            <a:pPr algn="ctr"/>
-            <a:r>
-              <a:rPr lang="hu-HU" dirty="0" err="1"/>
-              <a:t>Rectangle</a:t>
-            </a:r>
-            <a:r>
-              <a:rPr lang="hu-HU" dirty="0"/>
-              <a:t> </a:t>
-            </a:r>
-            <a:r>
-              <a:rPr lang="hu-HU" dirty="0" err="1"/>
-              <a:t>neighborhood</a:t>
-            </a:r>
+          <a:bodyPr/>
+          <a:lstStyle/>
+          <a:p>
+            <a:r>
+              <a:rPr lang="hu-HU" sz="2400" dirty="0"/>
+              <a:t>Mivel a kígyó nem tudott egy bizonyos eredménynél tovább jutni a játékban felmerült bennünk a kérdés, hogy segítené-e ha máshogy definiálnánk a játék egyes állapotait</a:t>
+            </a:r>
+          </a:p>
+          <a:p>
+            <a:r>
+              <a:rPr lang="hu-HU" sz="2400" dirty="0"/>
+              <a:t>Több különböző fajtát írtunk neki, ezekből a legeredményesebbeket mutatjuk be</a:t>
+            </a:r>
+          </a:p>
+          <a:p>
             <a:endParaRPr lang="hu-HU" dirty="0"/>
-          </a:p>
-        </p:txBody>
-      </p:sp>
-      <p:sp>
-        <p:nvSpPr>
-          <p:cNvPr id="17" name="Szövegdoboz 16">
-            <a:extLst>
-              <a:ext uri="{FF2B5EF4-FFF2-40B4-BE49-F238E27FC236}">
-                <a16:creationId xmlns:a16="http://schemas.microsoft.com/office/drawing/2014/main" id="{CA62EAB3-FD77-4175-A4BD-3E1F987B9298}"/>
-              </a:ext>
-            </a:extLst>
-          </p:cNvPr>
-          <p:cNvSpPr txBox="1"/>
-          <p:nvPr/>
-        </p:nvSpPr>
-        <p:spPr>
-          <a:xfrm>
-            <a:off x="8622858" y="1630395"/>
-            <a:ext cx="2923141" cy="369332"/>
-          </a:xfrm>
-          <a:prstGeom prst="rect">
-            <a:avLst/>
-          </a:prstGeom>
-          <a:noFill/>
-        </p:spPr>
-        <p:txBody>
-          <a:bodyPr wrap="square" rtlCol="0">
-            <a:spAutoFit/>
-          </a:bodyPr>
-          <a:lstStyle/>
-          <a:p>
-            <a:pPr algn="ctr"/>
-            <a:r>
-              <a:rPr lang="hu-HU" dirty="0"/>
-              <a:t>Körben</a:t>
-            </a:r>
-          </a:p>
-        </p:txBody>
-      </p:sp>
-      <p:sp>
-        <p:nvSpPr>
-          <p:cNvPr id="18" name="Szövegdoboz 17">
-            <a:extLst>
-              <a:ext uri="{FF2B5EF4-FFF2-40B4-BE49-F238E27FC236}">
-                <a16:creationId xmlns:a16="http://schemas.microsoft.com/office/drawing/2014/main" id="{8E202F65-5E8D-4BF9-B457-A2B150B91042}"/>
-              </a:ext>
-            </a:extLst>
-          </p:cNvPr>
-          <p:cNvSpPr txBox="1"/>
-          <p:nvPr/>
-        </p:nvSpPr>
-        <p:spPr>
-          <a:xfrm>
-            <a:off x="4839855" y="1629165"/>
-            <a:ext cx="2678545" cy="369332"/>
-          </a:xfrm>
-          <a:prstGeom prst="rect">
-            <a:avLst/>
-          </a:prstGeom>
-          <a:noFill/>
-        </p:spPr>
-        <p:txBody>
-          <a:bodyPr wrap="square" rtlCol="0">
-            <a:spAutoFit/>
-          </a:bodyPr>
-          <a:lstStyle/>
-          <a:p>
-            <a:pPr algn="ctr"/>
-            <a:r>
-              <a:rPr lang="hu-HU" dirty="0" err="1"/>
-              <a:t>Full</a:t>
-            </a:r>
-            <a:r>
-              <a:rPr lang="hu-HU" dirty="0"/>
-              <a:t> map</a:t>
-            </a:r>
-          </a:p>
-        </p:txBody>
-      </p:sp>
-      <p:sp>
-        <p:nvSpPr>
-          <p:cNvPr id="19" name="Szövegdoboz 18">
-            <a:extLst>
-              <a:ext uri="{FF2B5EF4-FFF2-40B4-BE49-F238E27FC236}">
-                <a16:creationId xmlns:a16="http://schemas.microsoft.com/office/drawing/2014/main" id="{5B3775F2-45FD-467C-B207-DCA15CFA54AC}"/>
-              </a:ext>
-            </a:extLst>
-          </p:cNvPr>
-          <p:cNvSpPr txBox="1"/>
-          <p:nvPr/>
-        </p:nvSpPr>
-        <p:spPr>
-          <a:xfrm>
-            <a:off x="4731784" y="4331732"/>
-            <a:ext cx="2733964" cy="369332"/>
-          </a:xfrm>
-          <a:prstGeom prst="rect">
-            <a:avLst/>
-          </a:prstGeom>
-          <a:noFill/>
-        </p:spPr>
-        <p:txBody>
-          <a:bodyPr wrap="square" rtlCol="0">
-            <a:spAutoFit/>
-          </a:bodyPr>
-          <a:lstStyle/>
-          <a:p>
-            <a:pPr algn="ctr"/>
-            <a:r>
-              <a:rPr lang="hu-HU" dirty="0" err="1"/>
-              <a:t>Food</a:t>
-            </a:r>
-            <a:r>
-              <a:rPr lang="hu-HU" dirty="0"/>
-              <a:t> </a:t>
-            </a:r>
-            <a:r>
-              <a:rPr lang="hu-HU" dirty="0" err="1"/>
-              <a:t>direction</a:t>
-            </a:r>
-            <a:endParaRPr lang="hu-HU" dirty="0"/>
-          </a:p>
-        </p:txBody>
-      </p:sp>
-      <p:sp>
-        <p:nvSpPr>
-          <p:cNvPr id="21" name="Szövegdoboz 20">
-            <a:extLst>
-              <a:ext uri="{FF2B5EF4-FFF2-40B4-BE49-F238E27FC236}">
-                <a16:creationId xmlns:a16="http://schemas.microsoft.com/office/drawing/2014/main" id="{A853B121-A4C0-4F62-8798-1CF571594DBF}"/>
-              </a:ext>
-            </a:extLst>
-          </p:cNvPr>
-          <p:cNvSpPr txBox="1"/>
-          <p:nvPr/>
-        </p:nvSpPr>
-        <p:spPr>
-          <a:xfrm>
-            <a:off x="968034" y="1725597"/>
-            <a:ext cx="2142836" cy="369332"/>
-          </a:xfrm>
-          <a:prstGeom prst="rect">
-            <a:avLst/>
-          </a:prstGeom>
-          <a:noFill/>
-        </p:spPr>
-        <p:txBody>
-          <a:bodyPr wrap="square" rtlCol="0">
-            <a:spAutoFit/>
-          </a:bodyPr>
-          <a:lstStyle/>
-          <a:p>
-            <a:pPr algn="ctr"/>
-            <a:r>
-              <a:rPr lang="hu-HU" dirty="0"/>
-              <a:t>Eredeti modell</a:t>
-            </a:r>
-          </a:p>
-        </p:txBody>
-      </p:sp>
-      <p:sp>
-        <p:nvSpPr>
-          <p:cNvPr id="22" name="Szövegdoboz 21">
-            <a:extLst>
-              <a:ext uri="{FF2B5EF4-FFF2-40B4-BE49-F238E27FC236}">
-                <a16:creationId xmlns:a16="http://schemas.microsoft.com/office/drawing/2014/main" id="{A0734AB9-868E-484E-BD43-C5689B137D5E}"/>
-              </a:ext>
-            </a:extLst>
-          </p:cNvPr>
-          <p:cNvSpPr txBox="1"/>
-          <p:nvPr/>
-        </p:nvSpPr>
-        <p:spPr>
-          <a:xfrm>
-            <a:off x="656966" y="4330833"/>
-            <a:ext cx="2876342" cy="369332"/>
-          </a:xfrm>
-          <a:prstGeom prst="rect">
-            <a:avLst/>
-          </a:prstGeom>
-          <a:noFill/>
-        </p:spPr>
-        <p:txBody>
-          <a:bodyPr wrap="square" rtlCol="0">
-            <a:spAutoFit/>
-          </a:bodyPr>
-          <a:lstStyle/>
-          <a:p>
-            <a:pPr algn="ctr"/>
-            <a:r>
-              <a:rPr lang="hu-HU" dirty="0" err="1"/>
-              <a:t>Danger</a:t>
-            </a:r>
-            <a:r>
-              <a:rPr lang="hu-HU" dirty="0"/>
-              <a:t> </a:t>
-            </a:r>
-            <a:r>
-              <a:rPr lang="hu-HU" dirty="0" err="1"/>
-              <a:t>direction</a:t>
-            </a:r>
-            <a:r>
-              <a:rPr lang="hu-HU" dirty="0"/>
-              <a:t> line modell</a:t>
-            </a:r>
           </a:p>
         </p:txBody>
       </p:sp>
     </p:spTree>
     <p:extLst>
       <p:ext uri="{BB962C8B-B14F-4D97-AF65-F5344CB8AC3E}">
-        <p14:creationId xmlns:p14="http://schemas.microsoft.com/office/powerpoint/2010/main" val="2941192732"/>
+        <p14:creationId xmlns:p14="http://schemas.microsoft.com/office/powerpoint/2010/main" val="2361940339"/>
       </p:ext>
     </p:extLst>
   </p:cSld>
@@ -5010,6 +4985,651 @@
       </p:grpSpPr>
       <p:sp useBgFill="1">
         <p:nvSpPr>
+          <p:cNvPr id="20" name="Rectangle 19">
+            <a:extLst>
+              <a:ext uri="{FF2B5EF4-FFF2-40B4-BE49-F238E27FC236}">
+                <a16:creationId xmlns:a16="http://schemas.microsoft.com/office/drawing/2014/main" id="{33E72FA3-BD00-444A-AD9B-E6C3D069CDE3}"/>
+              </a:ext>
+              <a:ext uri="{C183D7F6-B498-43B3-948B-1728B52AA6E4}">
+                <adec:decorative xmlns:adec="http://schemas.microsoft.com/office/drawing/2017/decorative" val="1"/>
+              </a:ext>
+            </a:extLst>
+          </p:cNvPr>
+          <p:cNvSpPr>
+            <a:spLocks noGrp="1" noRot="1" noChangeAspect="1" noMove="1" noResize="1" noEditPoints="1" noAdjustHandles="1" noChangeArrowheads="1" noChangeShapeType="1" noTextEdit="1"/>
+          </p:cNvSpPr>
+          <p:nvPr>
+            <p:extLst>
+              <p:ext uri="{386F3935-93C4-4BCD-93E2-E3B085C9AB24}">
+                <p16:designElem xmlns:p16="http://schemas.microsoft.com/office/powerpoint/2015/main" val="1"/>
+              </p:ext>
+            </p:extLst>
+          </p:nvPr>
+        </p:nvSpPr>
+        <p:spPr>
+          <a:xfrm>
+            <a:off x="-50801" y="0"/>
+            <a:ext cx="12188952" cy="6858000"/>
+          </a:xfrm>
+          <a:prstGeom prst="rect">
+            <a:avLst/>
+          </a:prstGeom>
+          <a:ln>
+            <a:noFill/>
+          </a:ln>
+        </p:spPr>
+        <p:style>
+          <a:lnRef idx="2">
+            <a:schemeClr val="accent1">
+              <a:shade val="50000"/>
+            </a:schemeClr>
+          </a:lnRef>
+          <a:fillRef idx="1">
+            <a:schemeClr val="accent1"/>
+          </a:fillRef>
+          <a:effectRef idx="0">
+            <a:schemeClr val="accent1"/>
+          </a:effectRef>
+          <a:fontRef idx="minor">
+            <a:schemeClr val="lt1"/>
+          </a:fontRef>
+        </p:style>
+        <p:txBody>
+          <a:bodyPr rtlCol="0" anchor="ctr"/>
+          <a:lstStyle/>
+          <a:p>
+            <a:pPr algn="ctr"/>
+            <a:endParaRPr lang="en-US"/>
+          </a:p>
+        </p:txBody>
+      </p:sp>
+      <p:sp>
+        <p:nvSpPr>
+          <p:cNvPr id="2" name="Cím 1">
+            <a:extLst>
+              <a:ext uri="{FF2B5EF4-FFF2-40B4-BE49-F238E27FC236}">
+                <a16:creationId xmlns:a16="http://schemas.microsoft.com/office/drawing/2014/main" id="{4B843A6B-DA03-4C59-B387-02A5FCE89DB3}"/>
+              </a:ext>
+            </a:extLst>
+          </p:cNvPr>
+          <p:cNvSpPr>
+            <a:spLocks noGrp="1"/>
+          </p:cNvSpPr>
+          <p:nvPr>
+            <p:ph type="title"/>
+          </p:nvPr>
+        </p:nvSpPr>
+        <p:spPr>
+          <a:xfrm>
+            <a:off x="414173" y="182125"/>
+            <a:ext cx="11353800" cy="1110537"/>
+          </a:xfrm>
+        </p:spPr>
+        <p:txBody>
+          <a:bodyPr vert="horz" lIns="91440" tIns="45720" rIns="91440" bIns="45720" rtlCol="0" anchor="ctr">
+            <a:noAutofit/>
+          </a:bodyPr>
+          <a:lstStyle/>
+          <a:p>
+            <a:r>
+              <a:rPr lang="hu-HU" dirty="0"/>
+              <a:t>Eredeti verzió eredményei különböző állapotokkal</a:t>
+            </a:r>
+            <a:endParaRPr lang="en-US" kern="1200" dirty="0">
+              <a:solidFill>
+                <a:schemeClr val="tx1"/>
+              </a:solidFill>
+              <a:latin typeface="+mj-lt"/>
+              <a:ea typeface="+mj-ea"/>
+              <a:cs typeface="+mj-cs"/>
+            </a:endParaRPr>
+          </a:p>
+        </p:txBody>
+      </p:sp>
+      <p:pic>
+        <p:nvPicPr>
+          <p:cNvPr id="7" name="Kép 6">
+            <a:extLst>
+              <a:ext uri="{FF2B5EF4-FFF2-40B4-BE49-F238E27FC236}">
+                <a16:creationId xmlns:a16="http://schemas.microsoft.com/office/drawing/2014/main" id="{A99357DA-6B14-4D5B-9D58-704A29C4FABA}"/>
+              </a:ext>
+            </a:extLst>
+          </p:cNvPr>
+          <p:cNvPicPr>
+            <a:picLocks noChangeAspect="1"/>
+          </p:cNvPicPr>
+          <p:nvPr/>
+        </p:nvPicPr>
+        <p:blipFill>
+          <a:blip r:embed="rId2">
+            <a:extLst>
+              <a:ext uri="{28A0092B-C50C-407E-A947-70E740481C1C}">
+                <a14:useLocalDpi xmlns:a14="http://schemas.microsoft.com/office/drawing/2010/main" val="0"/>
+              </a:ext>
+            </a:extLst>
+          </a:blip>
+          <a:stretch>
+            <a:fillRect/>
+          </a:stretch>
+        </p:blipFill>
+        <p:spPr>
+          <a:xfrm>
+            <a:off x="565788" y="1999727"/>
+            <a:ext cx="3058699" cy="2056976"/>
+          </a:xfrm>
+          <a:prstGeom prst="rect">
+            <a:avLst/>
+          </a:prstGeom>
+        </p:spPr>
+      </p:pic>
+      <p:pic>
+        <p:nvPicPr>
+          <p:cNvPr id="11" name="Kép 10">
+            <a:extLst>
+              <a:ext uri="{FF2B5EF4-FFF2-40B4-BE49-F238E27FC236}">
+                <a16:creationId xmlns:a16="http://schemas.microsoft.com/office/drawing/2014/main" id="{191C7281-2260-4DF7-9728-0A67753491C6}"/>
+              </a:ext>
+            </a:extLst>
+          </p:cNvPr>
+          <p:cNvPicPr>
+            <a:picLocks noChangeAspect="1"/>
+          </p:cNvPicPr>
+          <p:nvPr/>
+        </p:nvPicPr>
+        <p:blipFill>
+          <a:blip r:embed="rId3">
+            <a:extLst>
+              <a:ext uri="{28A0092B-C50C-407E-A947-70E740481C1C}">
+                <a14:useLocalDpi xmlns:a14="http://schemas.microsoft.com/office/drawing/2010/main" val="0"/>
+              </a:ext>
+            </a:extLst>
+          </a:blip>
+          <a:stretch>
+            <a:fillRect/>
+          </a:stretch>
+        </p:blipFill>
+        <p:spPr>
+          <a:xfrm>
+            <a:off x="4538637" y="1999727"/>
+            <a:ext cx="3104869" cy="2056976"/>
+          </a:xfrm>
+          <a:prstGeom prst="rect">
+            <a:avLst/>
+          </a:prstGeom>
+        </p:spPr>
+      </p:pic>
+      <p:pic>
+        <p:nvPicPr>
+          <p:cNvPr id="13" name="Kép 12">
+            <a:extLst>
+              <a:ext uri="{FF2B5EF4-FFF2-40B4-BE49-F238E27FC236}">
+                <a16:creationId xmlns:a16="http://schemas.microsoft.com/office/drawing/2014/main" id="{839076CC-6B73-4AC7-B536-5145D63159E4}"/>
+              </a:ext>
+            </a:extLst>
+          </p:cNvPr>
+          <p:cNvPicPr>
+            <a:picLocks noChangeAspect="1"/>
+          </p:cNvPicPr>
+          <p:nvPr/>
+        </p:nvPicPr>
+        <p:blipFill>
+          <a:blip r:embed="rId4">
+            <a:extLst>
+              <a:ext uri="{28A0092B-C50C-407E-A947-70E740481C1C}">
+                <a14:useLocalDpi xmlns:a14="http://schemas.microsoft.com/office/drawing/2010/main" val="0"/>
+              </a:ext>
+            </a:extLst>
+          </a:blip>
+          <a:stretch>
+            <a:fillRect/>
+          </a:stretch>
+        </p:blipFill>
+        <p:spPr>
+          <a:xfrm>
+            <a:off x="8489874" y="1999727"/>
+            <a:ext cx="3189110" cy="2056976"/>
+          </a:xfrm>
+          <a:prstGeom prst="rect">
+            <a:avLst/>
+          </a:prstGeom>
+        </p:spPr>
+      </p:pic>
+      <p:pic>
+        <p:nvPicPr>
+          <p:cNvPr id="5" name="Tartalom helye 4">
+            <a:extLst>
+              <a:ext uri="{FF2B5EF4-FFF2-40B4-BE49-F238E27FC236}">
+                <a16:creationId xmlns:a16="http://schemas.microsoft.com/office/drawing/2014/main" id="{582B6C46-6A2A-423D-882A-FD3647E3343D}"/>
+              </a:ext>
+            </a:extLst>
+          </p:cNvPr>
+          <p:cNvPicPr>
+            <a:picLocks noGrp="1" noChangeAspect="1"/>
+          </p:cNvPicPr>
+          <p:nvPr>
+            <p:ph idx="1"/>
+          </p:nvPr>
+        </p:nvPicPr>
+        <p:blipFill>
+          <a:blip r:embed="rId5">
+            <a:extLst>
+              <a:ext uri="{28A0092B-C50C-407E-A947-70E740481C1C}">
+                <a14:useLocalDpi xmlns:a14="http://schemas.microsoft.com/office/drawing/2010/main" val="0"/>
+              </a:ext>
+            </a:extLst>
+          </a:blip>
+          <a:stretch>
+            <a:fillRect/>
+          </a:stretch>
+        </p:blipFill>
+        <p:spPr>
+          <a:xfrm>
+            <a:off x="442949" y="4618899"/>
+            <a:ext cx="3304378" cy="2056976"/>
+          </a:xfrm>
+          <a:prstGeom prst="rect">
+            <a:avLst/>
+          </a:prstGeom>
+        </p:spPr>
+      </p:pic>
+      <p:pic>
+        <p:nvPicPr>
+          <p:cNvPr id="9" name="Kép 8">
+            <a:extLst>
+              <a:ext uri="{FF2B5EF4-FFF2-40B4-BE49-F238E27FC236}">
+                <a16:creationId xmlns:a16="http://schemas.microsoft.com/office/drawing/2014/main" id="{0C6661A1-F600-4FF9-A781-8A45C7E597FF}"/>
+              </a:ext>
+            </a:extLst>
+          </p:cNvPr>
+          <p:cNvPicPr>
+            <a:picLocks noChangeAspect="1"/>
+          </p:cNvPicPr>
+          <p:nvPr/>
+        </p:nvPicPr>
+        <p:blipFill>
+          <a:blip r:embed="rId6">
+            <a:extLst>
+              <a:ext uri="{28A0092B-C50C-407E-A947-70E740481C1C}">
+                <a14:useLocalDpi xmlns:a14="http://schemas.microsoft.com/office/drawing/2010/main" val="0"/>
+              </a:ext>
+            </a:extLst>
+          </a:blip>
+          <a:stretch>
+            <a:fillRect/>
+          </a:stretch>
+        </p:blipFill>
+        <p:spPr>
+          <a:xfrm>
+            <a:off x="4398088" y="4618899"/>
+            <a:ext cx="3385969" cy="2056976"/>
+          </a:xfrm>
+          <a:prstGeom prst="rect">
+            <a:avLst/>
+          </a:prstGeom>
+        </p:spPr>
+      </p:pic>
+      <p:pic>
+        <p:nvPicPr>
+          <p:cNvPr id="15" name="Kép 14">
+            <a:extLst>
+              <a:ext uri="{FF2B5EF4-FFF2-40B4-BE49-F238E27FC236}">
+                <a16:creationId xmlns:a16="http://schemas.microsoft.com/office/drawing/2014/main" id="{A830AF51-ED23-45E6-8973-47D84DE0BF57}"/>
+              </a:ext>
+            </a:extLst>
+          </p:cNvPr>
+          <p:cNvPicPr>
+            <a:picLocks noChangeAspect="1"/>
+          </p:cNvPicPr>
+          <p:nvPr/>
+        </p:nvPicPr>
+        <p:blipFill>
+          <a:blip r:embed="rId7">
+            <a:extLst>
+              <a:ext uri="{28A0092B-C50C-407E-A947-70E740481C1C}">
+                <a14:useLocalDpi xmlns:a14="http://schemas.microsoft.com/office/drawing/2010/main" val="0"/>
+              </a:ext>
+            </a:extLst>
+          </a:blip>
+          <a:stretch>
+            <a:fillRect/>
+          </a:stretch>
+        </p:blipFill>
+        <p:spPr>
+          <a:xfrm>
+            <a:off x="8363082" y="4586567"/>
+            <a:ext cx="3385969" cy="2056976"/>
+          </a:xfrm>
+          <a:prstGeom prst="rect">
+            <a:avLst/>
+          </a:prstGeom>
+        </p:spPr>
+      </p:pic>
+      <p:sp>
+        <p:nvSpPr>
+          <p:cNvPr id="16" name="Szövegdoboz 15">
+            <a:extLst>
+              <a:ext uri="{FF2B5EF4-FFF2-40B4-BE49-F238E27FC236}">
+                <a16:creationId xmlns:a16="http://schemas.microsoft.com/office/drawing/2014/main" id="{70AC21C8-3324-4BD5-B2EE-E21445159486}"/>
+              </a:ext>
+            </a:extLst>
+          </p:cNvPr>
+          <p:cNvSpPr txBox="1"/>
+          <p:nvPr/>
+        </p:nvSpPr>
+        <p:spPr>
+          <a:xfrm>
+            <a:off x="8391445" y="4331732"/>
+            <a:ext cx="3385969" cy="369332"/>
+          </a:xfrm>
+          <a:prstGeom prst="rect">
+            <a:avLst/>
+          </a:prstGeom>
+          <a:noFill/>
+        </p:spPr>
+        <p:txBody>
+          <a:bodyPr wrap="square" rtlCol="0">
+            <a:spAutoFit/>
+          </a:bodyPr>
+          <a:lstStyle/>
+          <a:p>
+            <a:pPr algn="ctr"/>
+            <a:r>
+              <a:rPr lang="hu-HU" dirty="0" err="1"/>
+              <a:t>Rectangle</a:t>
+            </a:r>
+            <a:r>
+              <a:rPr lang="hu-HU" dirty="0"/>
+              <a:t> </a:t>
+            </a:r>
+            <a:r>
+              <a:rPr lang="hu-HU" dirty="0" err="1"/>
+              <a:t>neighborhood</a:t>
+            </a:r>
+            <a:endParaRPr lang="hu-HU" dirty="0"/>
+          </a:p>
+        </p:txBody>
+      </p:sp>
+      <p:sp>
+        <p:nvSpPr>
+          <p:cNvPr id="17" name="Szövegdoboz 16">
+            <a:extLst>
+              <a:ext uri="{FF2B5EF4-FFF2-40B4-BE49-F238E27FC236}">
+                <a16:creationId xmlns:a16="http://schemas.microsoft.com/office/drawing/2014/main" id="{CA62EAB3-FD77-4175-A4BD-3E1F987B9298}"/>
+              </a:ext>
+            </a:extLst>
+          </p:cNvPr>
+          <p:cNvSpPr txBox="1"/>
+          <p:nvPr/>
+        </p:nvSpPr>
+        <p:spPr>
+          <a:xfrm>
+            <a:off x="8622858" y="1630395"/>
+            <a:ext cx="2923141" cy="369332"/>
+          </a:xfrm>
+          <a:prstGeom prst="rect">
+            <a:avLst/>
+          </a:prstGeom>
+          <a:noFill/>
+        </p:spPr>
+        <p:txBody>
+          <a:bodyPr wrap="square" rtlCol="0">
+            <a:spAutoFit/>
+          </a:bodyPr>
+          <a:lstStyle/>
+          <a:p>
+            <a:pPr algn="ctr"/>
+            <a:r>
+              <a:rPr lang="hu-HU" dirty="0"/>
+              <a:t>Körben</a:t>
+            </a:r>
+          </a:p>
+        </p:txBody>
+      </p:sp>
+      <p:sp>
+        <p:nvSpPr>
+          <p:cNvPr id="18" name="Szövegdoboz 17">
+            <a:extLst>
+              <a:ext uri="{FF2B5EF4-FFF2-40B4-BE49-F238E27FC236}">
+                <a16:creationId xmlns:a16="http://schemas.microsoft.com/office/drawing/2014/main" id="{8E202F65-5E8D-4BF9-B457-A2B150B91042}"/>
+              </a:ext>
+            </a:extLst>
+          </p:cNvPr>
+          <p:cNvSpPr txBox="1"/>
+          <p:nvPr/>
+        </p:nvSpPr>
+        <p:spPr>
+          <a:xfrm>
+            <a:off x="4839855" y="1629165"/>
+            <a:ext cx="2678545" cy="369332"/>
+          </a:xfrm>
+          <a:prstGeom prst="rect">
+            <a:avLst/>
+          </a:prstGeom>
+          <a:noFill/>
+        </p:spPr>
+        <p:txBody>
+          <a:bodyPr wrap="square" rtlCol="0">
+            <a:spAutoFit/>
+          </a:bodyPr>
+          <a:lstStyle/>
+          <a:p>
+            <a:pPr algn="ctr"/>
+            <a:r>
+              <a:rPr lang="hu-HU" dirty="0" err="1"/>
+              <a:t>Full</a:t>
+            </a:r>
+            <a:r>
+              <a:rPr lang="hu-HU" dirty="0"/>
+              <a:t> map</a:t>
+            </a:r>
+          </a:p>
+        </p:txBody>
+      </p:sp>
+      <p:sp>
+        <p:nvSpPr>
+          <p:cNvPr id="19" name="Szövegdoboz 18">
+            <a:extLst>
+              <a:ext uri="{FF2B5EF4-FFF2-40B4-BE49-F238E27FC236}">
+                <a16:creationId xmlns:a16="http://schemas.microsoft.com/office/drawing/2014/main" id="{5B3775F2-45FD-467C-B207-DCA15CFA54AC}"/>
+              </a:ext>
+            </a:extLst>
+          </p:cNvPr>
+          <p:cNvSpPr txBox="1"/>
+          <p:nvPr/>
+        </p:nvSpPr>
+        <p:spPr>
+          <a:xfrm>
+            <a:off x="4731784" y="4331732"/>
+            <a:ext cx="2733964" cy="369332"/>
+          </a:xfrm>
+          <a:prstGeom prst="rect">
+            <a:avLst/>
+          </a:prstGeom>
+          <a:noFill/>
+        </p:spPr>
+        <p:txBody>
+          <a:bodyPr wrap="square" rtlCol="0">
+            <a:spAutoFit/>
+          </a:bodyPr>
+          <a:lstStyle/>
+          <a:p>
+            <a:pPr algn="ctr"/>
+            <a:r>
+              <a:rPr lang="hu-HU" dirty="0" err="1"/>
+              <a:t>Food</a:t>
+            </a:r>
+            <a:r>
+              <a:rPr lang="hu-HU" dirty="0"/>
+              <a:t> </a:t>
+            </a:r>
+            <a:r>
+              <a:rPr lang="hu-HU" dirty="0" err="1"/>
+              <a:t>direction</a:t>
+            </a:r>
+            <a:endParaRPr lang="hu-HU" dirty="0"/>
+          </a:p>
+        </p:txBody>
+      </p:sp>
+      <p:sp>
+        <p:nvSpPr>
+          <p:cNvPr id="21" name="Szövegdoboz 20">
+            <a:extLst>
+              <a:ext uri="{FF2B5EF4-FFF2-40B4-BE49-F238E27FC236}">
+                <a16:creationId xmlns:a16="http://schemas.microsoft.com/office/drawing/2014/main" id="{A853B121-A4C0-4F62-8798-1CF571594DBF}"/>
+              </a:ext>
+            </a:extLst>
+          </p:cNvPr>
+          <p:cNvSpPr txBox="1"/>
+          <p:nvPr/>
+        </p:nvSpPr>
+        <p:spPr>
+          <a:xfrm>
+            <a:off x="968034" y="1725597"/>
+            <a:ext cx="2142836" cy="369332"/>
+          </a:xfrm>
+          <a:prstGeom prst="rect">
+            <a:avLst/>
+          </a:prstGeom>
+          <a:noFill/>
+        </p:spPr>
+        <p:txBody>
+          <a:bodyPr wrap="square" rtlCol="0">
+            <a:spAutoFit/>
+          </a:bodyPr>
+          <a:lstStyle/>
+          <a:p>
+            <a:pPr algn="ctr"/>
+            <a:r>
+              <a:rPr lang="hu-HU" dirty="0"/>
+              <a:t>Eredeti modell</a:t>
+            </a:r>
+          </a:p>
+        </p:txBody>
+      </p:sp>
+      <p:sp>
+        <p:nvSpPr>
+          <p:cNvPr id="22" name="Szövegdoboz 21">
+            <a:extLst>
+              <a:ext uri="{FF2B5EF4-FFF2-40B4-BE49-F238E27FC236}">
+                <a16:creationId xmlns:a16="http://schemas.microsoft.com/office/drawing/2014/main" id="{A0734AB9-868E-484E-BD43-C5689B137D5E}"/>
+              </a:ext>
+            </a:extLst>
+          </p:cNvPr>
+          <p:cNvSpPr txBox="1"/>
+          <p:nvPr/>
+        </p:nvSpPr>
+        <p:spPr>
+          <a:xfrm>
+            <a:off x="656966" y="4330833"/>
+            <a:ext cx="2876342" cy="369332"/>
+          </a:xfrm>
+          <a:prstGeom prst="rect">
+            <a:avLst/>
+          </a:prstGeom>
+          <a:noFill/>
+        </p:spPr>
+        <p:txBody>
+          <a:bodyPr wrap="square" rtlCol="0">
+            <a:spAutoFit/>
+          </a:bodyPr>
+          <a:lstStyle/>
+          <a:p>
+            <a:pPr algn="ctr"/>
+            <a:r>
+              <a:rPr lang="hu-HU" dirty="0" err="1"/>
+              <a:t>Danger</a:t>
+            </a:r>
+            <a:r>
+              <a:rPr lang="hu-HU" dirty="0"/>
+              <a:t> </a:t>
+            </a:r>
+            <a:r>
+              <a:rPr lang="hu-HU" dirty="0" err="1"/>
+              <a:t>direction</a:t>
+            </a:r>
+            <a:r>
+              <a:rPr lang="hu-HU" dirty="0"/>
+              <a:t> line modell</a:t>
+            </a:r>
+          </a:p>
+        </p:txBody>
+      </p:sp>
+      <p:pic>
+        <p:nvPicPr>
+          <p:cNvPr id="23" name="Kép 22">
+            <a:extLst>
+              <a:ext uri="{FF2B5EF4-FFF2-40B4-BE49-F238E27FC236}">
+                <a16:creationId xmlns:a16="http://schemas.microsoft.com/office/drawing/2014/main" id="{7099E31A-1110-4025-A716-FCB47870A707}"/>
+              </a:ext>
+            </a:extLst>
+          </p:cNvPr>
+          <p:cNvPicPr>
+            <a:picLocks noChangeAspect="1"/>
+          </p:cNvPicPr>
+          <p:nvPr/>
+        </p:nvPicPr>
+        <p:blipFill>
+          <a:blip r:embed="rId8">
+            <a:extLst>
+              <a:ext uri="{28A0092B-C50C-407E-A947-70E740481C1C}">
+                <a14:useLocalDpi xmlns:a14="http://schemas.microsoft.com/office/drawing/2010/main" val="0"/>
+              </a:ext>
+            </a:extLst>
+          </a:blip>
+          <a:stretch>
+            <a:fillRect/>
+          </a:stretch>
+        </p:blipFill>
+        <p:spPr>
+          <a:xfrm>
+            <a:off x="8503631" y="1998497"/>
+            <a:ext cx="3104869" cy="2328652"/>
+          </a:xfrm>
+          <a:prstGeom prst="rect">
+            <a:avLst/>
+          </a:prstGeom>
+        </p:spPr>
+      </p:pic>
+    </p:spTree>
+    <p:extLst>
+      <p:ext uri="{BB962C8B-B14F-4D97-AF65-F5344CB8AC3E}">
+        <p14:creationId xmlns:p14="http://schemas.microsoft.com/office/powerpoint/2010/main" val="2941192732"/>
+      </p:ext>
+    </p:extLst>
+  </p:cSld>
+  <p:clrMapOvr>
+    <a:masterClrMapping/>
+  </p:clrMapOvr>
+</p:sld>
+</file>
+
+<file path=ppt/slides/slide8.xml><?xml version="1.0" encoding="utf-8"?>
+<p:sld xmlns:a="http://schemas.openxmlformats.org/drawingml/2006/main" xmlns:r="http://schemas.openxmlformats.org/officeDocument/2006/relationships" xmlns:p="http://schemas.openxmlformats.org/presentationml/2006/main">
+  <p:cSld>
+    <p:bg>
+      <p:bgPr>
+        <a:solidFill>
+          <a:schemeClr val="bg1"/>
+        </a:solidFill>
+        <a:effectLst/>
+      </p:bgPr>
+    </p:bg>
+    <p:spTree>
+      <p:nvGrpSpPr>
+        <p:cNvPr id="1" name=""/>
+        <p:cNvGrpSpPr/>
+        <p:nvPr/>
+      </p:nvGrpSpPr>
+      <p:grpSpPr>
+        <a:xfrm>
+          <a:off x="0" y="0"/>
+          <a:ext cx="0" cy="0"/>
+          <a:chOff x="0" y="0"/>
+          <a:chExt cx="0" cy="0"/>
+        </a:xfrm>
+      </p:grpSpPr>
+      <p:sp useBgFill="1">
+        <p:nvSpPr>
           <p:cNvPr id="29" name="Rectangle 28">
             <a:extLst>
               <a:ext uri="{FF2B5EF4-FFF2-40B4-BE49-F238E27FC236}">
@@ -5396,7 +6016,7 @@
 </p:sld>
 </file>
 
-<file path=ppt/slides/slide8.xml><?xml version="1.0" encoding="utf-8"?>
+<file path=ppt/slides/slide9.xml><?xml version="1.0" encoding="utf-8"?>
 <p:sld xmlns:a="http://schemas.openxmlformats.org/drawingml/2006/main" xmlns:r="http://schemas.openxmlformats.org/officeDocument/2006/relationships" xmlns:p="http://schemas.openxmlformats.org/presentationml/2006/main">
   <p:cSld>
     <p:spTree>
@@ -5472,7 +6092,7 @@
           <a:p>
             <a:r>
               <a:rPr lang="hu-HU" sz="2400" dirty="0"/>
-              <a:t>Pontszám szempontjából sem volt jelentős eltérés az eredetiverzióhoz képest</a:t>
+              <a:t>Pontszám szempontjából sem volt jelentős eltérés az eredeti verzióhoz képest</a:t>
             </a:r>
           </a:p>
         </p:txBody>
@@ -5517,384 +6137,6 @@
     <p:extLst>
       <p:ext uri="{BB962C8B-B14F-4D97-AF65-F5344CB8AC3E}">
         <p14:creationId xmlns:p14="http://schemas.microsoft.com/office/powerpoint/2010/main" val="317494579"/>
-      </p:ext>
-    </p:extLst>
-  </p:cSld>
-  <p:clrMapOvr>
-    <a:masterClrMapping/>
-  </p:clrMapOvr>
-</p:sld>
-</file>
-
-<file path=ppt/slides/slide9.xml><?xml version="1.0" encoding="utf-8"?>
-<p:sld xmlns:a="http://schemas.openxmlformats.org/drawingml/2006/main" xmlns:r="http://schemas.openxmlformats.org/officeDocument/2006/relationships" xmlns:p="http://schemas.openxmlformats.org/presentationml/2006/main">
-  <p:cSld>
-    <p:spTree>
-      <p:nvGrpSpPr>
-        <p:cNvPr id="1" name=""/>
-        <p:cNvGrpSpPr/>
-        <p:nvPr/>
-      </p:nvGrpSpPr>
-      <p:grpSpPr>
-        <a:xfrm>
-          <a:off x="0" y="0"/>
-          <a:ext cx="0" cy="0"/>
-          <a:chOff x="0" y="0"/>
-          <a:chExt cx="0" cy="0"/>
-        </a:xfrm>
-      </p:grpSpPr>
-      <p:sp>
-        <p:nvSpPr>
-          <p:cNvPr id="2" name="Cím 1">
-            <a:extLst>
-              <a:ext uri="{FF2B5EF4-FFF2-40B4-BE49-F238E27FC236}">
-                <a16:creationId xmlns:a16="http://schemas.microsoft.com/office/drawing/2014/main" id="{264D4E31-7FC6-4006-A96C-36223843EECF}"/>
-              </a:ext>
-            </a:extLst>
-          </p:cNvPr>
-          <p:cNvSpPr>
-            <a:spLocks noGrp="1"/>
-          </p:cNvSpPr>
-          <p:nvPr>
-            <p:ph type="title"/>
-          </p:nvPr>
-        </p:nvSpPr>
-        <p:spPr/>
-        <p:txBody>
-          <a:bodyPr/>
-          <a:lstStyle/>
-          <a:p>
-            <a:r>
-              <a:rPr lang="hu-HU" dirty="0" err="1"/>
-              <a:t>Reward</a:t>
-            </a:r>
-            <a:r>
-              <a:rPr lang="hu-HU" dirty="0"/>
-              <a:t> értékek változtatása</a:t>
-            </a:r>
-          </a:p>
-        </p:txBody>
-      </p:sp>
-      <p:pic>
-        <p:nvPicPr>
-          <p:cNvPr id="5" name="Tartalom helye 4">
-            <a:extLst>
-              <a:ext uri="{FF2B5EF4-FFF2-40B4-BE49-F238E27FC236}">
-                <a16:creationId xmlns:a16="http://schemas.microsoft.com/office/drawing/2014/main" id="{809759A9-E646-418B-A673-6D38CFE41681}"/>
-              </a:ext>
-            </a:extLst>
-          </p:cNvPr>
-          <p:cNvPicPr>
-            <a:picLocks noGrp="1" noChangeAspect="1"/>
-          </p:cNvPicPr>
-          <p:nvPr>
-            <p:ph idx="1"/>
-          </p:nvPr>
-        </p:nvPicPr>
-        <p:blipFill>
-          <a:blip r:embed="rId2">
-            <a:extLst>
-              <a:ext uri="{28A0092B-C50C-407E-A947-70E740481C1C}">
-                <a14:useLocalDpi xmlns:a14="http://schemas.microsoft.com/office/drawing/2010/main" val="0"/>
-              </a:ext>
-            </a:extLst>
-          </a:blip>
-          <a:stretch>
-            <a:fillRect/>
-          </a:stretch>
-        </p:blipFill>
-        <p:spPr>
-          <a:xfrm>
-            <a:off x="4056589" y="3752852"/>
-            <a:ext cx="4140198" cy="3105148"/>
-          </a:xfrm>
-        </p:spPr>
-      </p:pic>
-      <p:pic>
-        <p:nvPicPr>
-          <p:cNvPr id="7" name="Kép 6">
-            <a:extLst>
-              <a:ext uri="{FF2B5EF4-FFF2-40B4-BE49-F238E27FC236}">
-                <a16:creationId xmlns:a16="http://schemas.microsoft.com/office/drawing/2014/main" id="{7641B002-1875-468C-8D24-EF71E293162B}"/>
-              </a:ext>
-            </a:extLst>
-          </p:cNvPr>
-          <p:cNvPicPr>
-            <a:picLocks noChangeAspect="1"/>
-          </p:cNvPicPr>
-          <p:nvPr/>
-        </p:nvPicPr>
-        <p:blipFill>
-          <a:blip r:embed="rId3">
-            <a:extLst>
-              <a:ext uri="{28A0092B-C50C-407E-A947-70E740481C1C}">
-                <a14:useLocalDpi xmlns:a14="http://schemas.microsoft.com/office/drawing/2010/main" val="0"/>
-              </a:ext>
-            </a:extLst>
-          </a:blip>
-          <a:stretch>
-            <a:fillRect/>
-          </a:stretch>
-        </p:blipFill>
-        <p:spPr>
-          <a:xfrm>
-            <a:off x="0" y="3752850"/>
-            <a:ext cx="4140199" cy="3105150"/>
-          </a:xfrm>
-          <a:prstGeom prst="rect">
-            <a:avLst/>
-          </a:prstGeom>
-        </p:spPr>
-      </p:pic>
-      <p:pic>
-        <p:nvPicPr>
-          <p:cNvPr id="9" name="Kép 8">
-            <a:extLst>
-              <a:ext uri="{FF2B5EF4-FFF2-40B4-BE49-F238E27FC236}">
-                <a16:creationId xmlns:a16="http://schemas.microsoft.com/office/drawing/2014/main" id="{AF6FCB43-16A1-4410-83CA-2AF601F36B01}"/>
-              </a:ext>
-            </a:extLst>
-          </p:cNvPr>
-          <p:cNvPicPr>
-            <a:picLocks noChangeAspect="1"/>
-          </p:cNvPicPr>
-          <p:nvPr/>
-        </p:nvPicPr>
-        <p:blipFill>
-          <a:blip r:embed="rId4">
-            <a:extLst>
-              <a:ext uri="{28A0092B-C50C-407E-A947-70E740481C1C}">
-                <a14:useLocalDpi xmlns:a14="http://schemas.microsoft.com/office/drawing/2010/main" val="0"/>
-              </a:ext>
-            </a:extLst>
-          </a:blip>
-          <a:stretch>
-            <a:fillRect/>
-          </a:stretch>
-        </p:blipFill>
-        <p:spPr>
-          <a:xfrm>
-            <a:off x="8051801" y="3752850"/>
-            <a:ext cx="4140199" cy="3105150"/>
-          </a:xfrm>
-          <a:prstGeom prst="rect">
-            <a:avLst/>
-          </a:prstGeom>
-        </p:spPr>
-      </p:pic>
-      <p:sp>
-        <p:nvSpPr>
-          <p:cNvPr id="11" name="Szövegdoboz 10">
-            <a:extLst>
-              <a:ext uri="{FF2B5EF4-FFF2-40B4-BE49-F238E27FC236}">
-                <a16:creationId xmlns:a16="http://schemas.microsoft.com/office/drawing/2014/main" id="{4A84A36F-7D85-499C-8EFD-7BE25CE11E72}"/>
-              </a:ext>
-            </a:extLst>
-          </p:cNvPr>
-          <p:cNvSpPr txBox="1"/>
-          <p:nvPr/>
-        </p:nvSpPr>
-        <p:spPr>
-          <a:xfrm>
-            <a:off x="665161" y="3516868"/>
-            <a:ext cx="2809875" cy="369332"/>
-          </a:xfrm>
-          <a:prstGeom prst="rect">
-            <a:avLst/>
-          </a:prstGeom>
-          <a:noFill/>
-        </p:spPr>
-        <p:txBody>
-          <a:bodyPr wrap="square" rtlCol="0">
-            <a:spAutoFit/>
-          </a:bodyPr>
-          <a:lstStyle/>
-          <a:p>
-            <a:pPr algn="ctr"/>
-            <a:r>
-              <a:rPr lang="hu-HU" dirty="0"/>
-              <a:t>Standard </a:t>
-            </a:r>
-            <a:r>
-              <a:rPr lang="hu-HU" dirty="0" err="1"/>
-              <a:t>reward</a:t>
-            </a:r>
-            <a:r>
-              <a:rPr lang="hu-HU" dirty="0"/>
-              <a:t> értékek</a:t>
-            </a:r>
-          </a:p>
-        </p:txBody>
-      </p:sp>
-      <p:sp>
-        <p:nvSpPr>
-          <p:cNvPr id="12" name="Szövegdoboz 11">
-            <a:extLst>
-              <a:ext uri="{FF2B5EF4-FFF2-40B4-BE49-F238E27FC236}">
-                <a16:creationId xmlns:a16="http://schemas.microsoft.com/office/drawing/2014/main" id="{D4DE5C73-C9C9-49E4-A2F1-2003511D80E0}"/>
-              </a:ext>
-            </a:extLst>
-          </p:cNvPr>
-          <p:cNvSpPr txBox="1"/>
-          <p:nvPr/>
-        </p:nvSpPr>
-        <p:spPr>
-          <a:xfrm>
-            <a:off x="4533415" y="3516868"/>
-            <a:ext cx="3186546" cy="369332"/>
-          </a:xfrm>
-          <a:prstGeom prst="rect">
-            <a:avLst/>
-          </a:prstGeom>
-          <a:noFill/>
-        </p:spPr>
-        <p:txBody>
-          <a:bodyPr wrap="square" rtlCol="0">
-            <a:spAutoFit/>
-          </a:bodyPr>
-          <a:lstStyle/>
-          <a:p>
-            <a:pPr algn="ctr"/>
-            <a:r>
-              <a:rPr lang="hu-HU" dirty="0"/>
-              <a:t>Jutalom 100, </a:t>
-            </a:r>
-            <a:r>
-              <a:rPr lang="hu-HU" dirty="0" err="1"/>
-              <a:t>bűntetés</a:t>
-            </a:r>
-            <a:r>
-              <a:rPr lang="hu-HU" dirty="0"/>
-              <a:t> -10</a:t>
-            </a:r>
-          </a:p>
-        </p:txBody>
-      </p:sp>
-      <p:sp>
-        <p:nvSpPr>
-          <p:cNvPr id="13" name="Szövegdoboz 12">
-            <a:extLst>
-              <a:ext uri="{FF2B5EF4-FFF2-40B4-BE49-F238E27FC236}">
-                <a16:creationId xmlns:a16="http://schemas.microsoft.com/office/drawing/2014/main" id="{107009AB-88F7-4653-9DCA-1C88753AD357}"/>
-              </a:ext>
-            </a:extLst>
-          </p:cNvPr>
-          <p:cNvSpPr txBox="1"/>
-          <p:nvPr/>
-        </p:nvSpPr>
-        <p:spPr>
-          <a:xfrm>
-            <a:off x="8459354" y="3516868"/>
-            <a:ext cx="3325091" cy="369332"/>
-          </a:xfrm>
-          <a:prstGeom prst="rect">
-            <a:avLst/>
-          </a:prstGeom>
-          <a:noFill/>
-        </p:spPr>
-        <p:txBody>
-          <a:bodyPr wrap="square" rtlCol="0">
-            <a:spAutoFit/>
-          </a:bodyPr>
-          <a:lstStyle/>
-          <a:p>
-            <a:pPr algn="ctr"/>
-            <a:r>
-              <a:rPr lang="hu-HU" dirty="0" err="1"/>
-              <a:t>Jut_vmi</a:t>
-            </a:r>
-            <a:endParaRPr lang="hu-HU" dirty="0"/>
-          </a:p>
-        </p:txBody>
-      </p:sp>
-      <p:sp>
-        <p:nvSpPr>
-          <p:cNvPr id="14" name="Szövegdoboz 13">
-            <a:extLst>
-              <a:ext uri="{FF2B5EF4-FFF2-40B4-BE49-F238E27FC236}">
-                <a16:creationId xmlns:a16="http://schemas.microsoft.com/office/drawing/2014/main" id="{06560D3D-DE77-417A-A80C-5E4D73C37232}"/>
-              </a:ext>
-            </a:extLst>
-          </p:cNvPr>
-          <p:cNvSpPr txBox="1"/>
-          <p:nvPr/>
-        </p:nvSpPr>
-        <p:spPr>
-          <a:xfrm>
-            <a:off x="665161" y="1450109"/>
-            <a:ext cx="10991130" cy="1938992"/>
-          </a:xfrm>
-          <a:prstGeom prst="rect">
-            <a:avLst/>
-          </a:prstGeom>
-          <a:noFill/>
-        </p:spPr>
-        <p:txBody>
-          <a:bodyPr wrap="square" rtlCol="0">
-            <a:spAutoFit/>
-          </a:bodyPr>
-          <a:lstStyle/>
-          <a:p>
-            <a:pPr marL="285750" indent="-285750">
-              <a:buFont typeface="Arial" panose="020B0604020202020204" pitchFamily="34" charset="0"/>
-              <a:buChar char="•"/>
-            </a:pPr>
-            <a:r>
-              <a:rPr lang="hu-HU" sz="2400" dirty="0"/>
-              <a:t>Standard </a:t>
-            </a:r>
-            <a:r>
-              <a:rPr lang="hu-HU" sz="2400" dirty="0" err="1"/>
-              <a:t>reward</a:t>
-            </a:r>
-            <a:r>
-              <a:rPr lang="hu-HU" sz="2400" dirty="0"/>
-              <a:t> értékek: 10-t kap, ha összeszed egy ételt, 0-t ha nem történi semmi, és -10-t ha meghal</a:t>
-            </a:r>
-          </a:p>
-          <a:p>
-            <a:pPr marL="285750" indent="-285750">
-              <a:buFont typeface="Arial" panose="020B0604020202020204" pitchFamily="34" charset="0"/>
-              <a:buChar char="•"/>
-            </a:pPr>
-            <a:r>
-              <a:rPr lang="hu-HU" sz="2400" dirty="0"/>
-              <a:t>Ezt próbáltuk különböző féle </a:t>
-            </a:r>
-            <a:r>
-              <a:rPr lang="hu-HU" sz="2400" dirty="0" err="1"/>
-              <a:t>képpen</a:t>
-            </a:r>
-            <a:r>
-              <a:rPr lang="hu-HU" sz="2400" dirty="0"/>
-              <a:t> módosítgatni, azonban egyik változtatással sem értünk el nagyobb javulást az eredeti értékeknél </a:t>
-            </a:r>
-            <a:r>
-              <a:rPr lang="hu-HU" sz="2400" dirty="0">
-                <a:sym typeface="Wingdings" panose="05000000000000000000" pitchFamily="2" charset="2"/>
-              </a:rPr>
-              <a:t> finom hangolásra jó</a:t>
-            </a:r>
-          </a:p>
-          <a:p>
-            <a:pPr marL="285750" indent="-285750">
-              <a:buFont typeface="Arial" panose="020B0604020202020204" pitchFamily="34" charset="0"/>
-              <a:buChar char="•"/>
-            </a:pPr>
-            <a:r>
-              <a:rPr lang="hu-HU" sz="2400" dirty="0">
-                <a:sym typeface="Wingdings" panose="05000000000000000000" pitchFamily="2" charset="2"/>
-              </a:rPr>
-              <a:t>Amiket próbáltunk: 2. kép; minden lépés -1; szét szedve két ütközés fajtát</a:t>
-            </a:r>
-            <a:endParaRPr lang="hu-HU" sz="2400" dirty="0"/>
-          </a:p>
-        </p:txBody>
-      </p:sp>
-    </p:spTree>
-    <p:extLst>
-      <p:ext uri="{BB962C8B-B14F-4D97-AF65-F5344CB8AC3E}">
-        <p14:creationId xmlns:p14="http://schemas.microsoft.com/office/powerpoint/2010/main" val="2439524180"/>
       </p:ext>
     </p:extLst>
   </p:cSld>

--- a/Projektmunka_KarlJanos_KunMatyas.pptx
+++ b/Projektmunka_KarlJanos_KunMatyas.pptx
@@ -3774,15 +3774,7 @@
             </a:pPr>
             <a:r>
               <a:rPr lang="hu-HU" sz="2400" dirty="0"/>
-              <a:t>Ezt próbáltuk különböző féle </a:t>
-            </a:r>
-            <a:r>
-              <a:rPr lang="hu-HU" sz="2400" dirty="0" err="1"/>
-              <a:t>képpen</a:t>
-            </a:r>
-            <a:r>
-              <a:rPr lang="hu-HU" sz="2400" dirty="0"/>
-              <a:t> módosítgatni, azonban egyik változtatással sem értünk el nagyobb javulást az eredeti értékeknél </a:t>
+              <a:t>Ezt próbáltuk különbözőféleképpen módosítgatni, azonban egyik változtatással sem értünk el nagyobb javulást az eredeti értékeknél </a:t>
             </a:r>
             <a:r>
               <a:rPr lang="hu-HU" sz="2400" dirty="0">
@@ -3943,7 +3935,7 @@
           <a:p>
             <a:r>
               <a:rPr lang="hu-HU" sz="2400" dirty="0"/>
-              <a:t>Semmi felmutathatót nem sikerült elérni… (10000 játé után a </a:t>
+              <a:t>Semmi felmutathatót nem sikerült elérni… (10000 játék után a </a:t>
             </a:r>
             <a:r>
               <a:rPr lang="hu-HU" sz="2400" dirty="0" err="1"/>
@@ -4741,8 +4733,8 @@
         </p:blipFill>
         <p:spPr>
           <a:xfrm>
-            <a:off x="6667500" y="0"/>
-            <a:ext cx="5334000" cy="2057400"/>
+            <a:off x="5106554" y="3746355"/>
+            <a:ext cx="6651413" cy="2565545"/>
           </a:xfrm>
           <a:prstGeom prst="rect">
             <a:avLst/>
@@ -4931,7 +4923,7 @@
           <a:p>
             <a:r>
               <a:rPr lang="hu-HU" sz="2400" dirty="0"/>
-              <a:t>Mivel a kígyó nem tudott egy bizonyos eredménynél tovább jutni a játékban felmerült bennünk a kérdés, hogy segítené-e ha máshogy definiálnánk a játék egyes állapotait</a:t>
+              <a:t>Mivel a kígyó nem tudott egy bizonyos eredménynél tovább jutni a játékban, felmerült bennünk a kérdés, hogy segítené-e ha máshogy definiálnánk a játék egyes állapotait</a:t>
             </a:r>
           </a:p>
           <a:p>
@@ -6086,7 +6078,7 @@
           <a:p>
             <a:r>
               <a:rPr lang="hu-HU" sz="2400" dirty="0"/>
-              <a:t>Mivel ennek az állapotában külön meg kell adni mindkét ételtől való távolságát nehezebb lett volna módosítani</a:t>
+              <a:t>Mivel ennek az állapotában külön meg kell adni mindkét ételtől való távolságát, nehezebb lett volna módosítani</a:t>
             </a:r>
           </a:p>
           <a:p>
